--- a/AI PRESENTATION.pptx
+++ b/AI PRESENTATION.pptx
@@ -5,7 +5,7 @@
     <p:sldMasterId id="2147483676" r:id="rId1"/>
   </p:sldMasterIdLst>
   <p:notesMasterIdLst>
-    <p:notesMasterId r:id="rId16"/>
+    <p:notesMasterId r:id="rId18"/>
   </p:notesMasterIdLst>
   <p:sldIdLst>
     <p:sldId id="286" r:id="rId2"/>
@@ -14,30 +14,32 @@
     <p:sldId id="289" r:id="rId5"/>
     <p:sldId id="290" r:id="rId6"/>
     <p:sldId id="291" r:id="rId7"/>
-    <p:sldId id="292" r:id="rId8"/>
-    <p:sldId id="293" r:id="rId9"/>
-    <p:sldId id="295" r:id="rId10"/>
-    <p:sldId id="296" r:id="rId11"/>
-    <p:sldId id="297" r:id="rId12"/>
-    <p:sldId id="298" r:id="rId13"/>
-    <p:sldId id="299" r:id="rId14"/>
-    <p:sldId id="300" r:id="rId15"/>
+    <p:sldId id="301" r:id="rId8"/>
+    <p:sldId id="292" r:id="rId9"/>
+    <p:sldId id="302" r:id="rId10"/>
+    <p:sldId id="293" r:id="rId11"/>
+    <p:sldId id="295" r:id="rId12"/>
+    <p:sldId id="296" r:id="rId13"/>
+    <p:sldId id="297" r:id="rId14"/>
+    <p:sldId id="298" r:id="rId15"/>
+    <p:sldId id="299" r:id="rId16"/>
+    <p:sldId id="300" r:id="rId17"/>
   </p:sldIdLst>
   <p:sldSz cx="9144000" cy="5143500" type="screen16x9"/>
   <p:notesSz cx="6858000" cy="9144000"/>
   <p:embeddedFontLst>
     <p:embeddedFont>
       <p:font typeface="Proxima Nova" panose="020B0604020202020204" charset="0"/>
-      <p:regular r:id="rId17"/>
-      <p:bold r:id="rId18"/>
-      <p:italic r:id="rId19"/>
-      <p:boldItalic r:id="rId20"/>
+      <p:regular r:id="rId19"/>
+      <p:bold r:id="rId20"/>
+      <p:italic r:id="rId21"/>
+      <p:boldItalic r:id="rId22"/>
     </p:embeddedFont>
     <p:embeddedFont>
       <p:font typeface="Proxima Nova Semibold" panose="020B0604020202020204" charset="0"/>
-      <p:regular r:id="rId21"/>
-      <p:bold r:id="rId22"/>
-      <p:boldItalic r:id="rId23"/>
+      <p:regular r:id="rId23"/>
+      <p:bold r:id="rId24"/>
+      <p:boldItalic r:id="rId25"/>
     </p:embeddedFont>
   </p:embeddedFontLst>
   <p:defaultTextStyle>
@@ -269,6 +271,11 @@
       </a:defRPr>
     </a:lvl9pPr>
   </p:defaultTextStyle>
+  <p:extLst>
+    <p:ext uri="{EFAFB233-063F-42B5-8137-9DF3F51BA10A}">
+      <p15:sldGuideLst xmlns:p15="http://schemas.microsoft.com/office/powerpoint/2012/main"/>
+    </p:ext>
+  </p:extLst>
 </p:presentation>
 </file>
 
@@ -9782,6 +9789,1078 @@
 <file path=ppt/slides/slide10.xml><?xml version="1.0" encoding="utf-8"?>
 <p:sld xmlns:a="http://schemas.openxmlformats.org/drawingml/2006/main" xmlns:r="http://schemas.openxmlformats.org/officeDocument/2006/relationships" xmlns:p="http://schemas.openxmlformats.org/presentationml/2006/main">
   <p:cSld>
+    <p:spTree>
+      <p:nvGrpSpPr>
+        <p:cNvPr id="1" name="Shape 5004"/>
+        <p:cNvGrpSpPr/>
+        <p:nvPr/>
+      </p:nvGrpSpPr>
+      <p:grpSpPr>
+        <a:xfrm>
+          <a:off x="0" y="0"/>
+          <a:ext cx="0" cy="0"/>
+          <a:chOff x="0" y="0"/>
+          <a:chExt cx="0" cy="0"/>
+        </a:xfrm>
+      </p:grpSpPr>
+      <p:sp>
+        <p:nvSpPr>
+          <p:cNvPr id="3" name="Google Shape;1419;p62">
+            <a:extLst>
+              <a:ext uri="{FF2B5EF4-FFF2-40B4-BE49-F238E27FC236}">
+                <a16:creationId xmlns:a16="http://schemas.microsoft.com/office/drawing/2014/main" id="{D668B5E0-A9E3-5A16-5532-81C5D120CB81}"/>
+              </a:ext>
+            </a:extLst>
+          </p:cNvPr>
+          <p:cNvSpPr txBox="1">
+            <a:spLocks/>
+          </p:cNvSpPr>
+          <p:nvPr/>
+        </p:nvSpPr>
+        <p:spPr>
+          <a:xfrm>
+            <a:off x="423333" y="735491"/>
+            <a:ext cx="8297333" cy="3672518"/>
+          </a:xfrm>
+          <a:prstGeom prst="rect">
+            <a:avLst/>
+          </a:prstGeom>
+          <a:noFill/>
+          <a:ln>
+            <a:noFill/>
+          </a:ln>
+        </p:spPr>
+        <p:txBody>
+          <a:bodyPr spcFirstLastPara="1" wrap="square" lIns="91425" tIns="91425" rIns="91425" bIns="91425" anchor="t" anchorCtr="0">
+            <a:noAutofit/>
+          </a:bodyPr>
+          <a:lstStyle>
+            <a:defPPr marR="0" lvl="0" algn="l" rtl="0">
+              <a:lnSpc>
+                <a:spcPct val="100000"/>
+              </a:lnSpc>
+              <a:spcBef>
+                <a:spcPts val="0"/>
+              </a:spcBef>
+              <a:spcAft>
+                <a:spcPts val="0"/>
+              </a:spcAft>
+            </a:defPPr>
+            <a:lvl1pPr marR="0" lvl="0" algn="ctr" rtl="0">
+              <a:lnSpc>
+                <a:spcPct val="100000"/>
+              </a:lnSpc>
+              <a:spcBef>
+                <a:spcPts val="0"/>
+              </a:spcBef>
+              <a:spcAft>
+                <a:spcPts val="0"/>
+              </a:spcAft>
+              <a:buClr>
+                <a:srgbClr val="FFFFFF"/>
+              </a:buClr>
+              <a:buSzPts val="2400"/>
+              <a:buFont typeface="Proxima Nova Semibold"/>
+              <a:buNone/>
+              <a:defRPr sz="2400" b="0" i="0" u="none" strike="noStrike" cap="none">
+                <a:solidFill>
+                  <a:srgbClr val="FFFFFF"/>
+                </a:solidFill>
+                <a:latin typeface="Proxima Nova Semibold"/>
+                <a:ea typeface="Proxima Nova Semibold"/>
+                <a:cs typeface="Proxima Nova Semibold"/>
+                <a:sym typeface="Proxima Nova Semibold"/>
+              </a:defRPr>
+            </a:lvl1pPr>
+            <a:lvl2pPr marR="0" lvl="1" algn="ctr" rtl="0">
+              <a:lnSpc>
+                <a:spcPct val="100000"/>
+              </a:lnSpc>
+              <a:spcBef>
+                <a:spcPts val="0"/>
+              </a:spcBef>
+              <a:spcAft>
+                <a:spcPts val="0"/>
+              </a:spcAft>
+              <a:buClr>
+                <a:srgbClr val="FFFFFF"/>
+              </a:buClr>
+              <a:buSzPts val="2400"/>
+              <a:buFont typeface="Proxima Nova Semibold"/>
+              <a:buNone/>
+              <a:defRPr sz="2400" b="0" i="0" u="none" strike="noStrike" cap="none">
+                <a:solidFill>
+                  <a:srgbClr val="FFFFFF"/>
+                </a:solidFill>
+                <a:latin typeface="Proxima Nova Semibold"/>
+                <a:ea typeface="Proxima Nova Semibold"/>
+                <a:cs typeface="Proxima Nova Semibold"/>
+                <a:sym typeface="Proxima Nova Semibold"/>
+              </a:defRPr>
+            </a:lvl2pPr>
+            <a:lvl3pPr marR="0" lvl="2" algn="ctr" rtl="0">
+              <a:lnSpc>
+                <a:spcPct val="100000"/>
+              </a:lnSpc>
+              <a:spcBef>
+                <a:spcPts val="0"/>
+              </a:spcBef>
+              <a:spcAft>
+                <a:spcPts val="0"/>
+              </a:spcAft>
+              <a:buClr>
+                <a:srgbClr val="FFFFFF"/>
+              </a:buClr>
+              <a:buSzPts val="2400"/>
+              <a:buFont typeface="Proxima Nova Semibold"/>
+              <a:buNone/>
+              <a:defRPr sz="2400" b="0" i="0" u="none" strike="noStrike" cap="none">
+                <a:solidFill>
+                  <a:srgbClr val="FFFFFF"/>
+                </a:solidFill>
+                <a:latin typeface="Proxima Nova Semibold"/>
+                <a:ea typeface="Proxima Nova Semibold"/>
+                <a:cs typeface="Proxima Nova Semibold"/>
+                <a:sym typeface="Proxima Nova Semibold"/>
+              </a:defRPr>
+            </a:lvl3pPr>
+            <a:lvl4pPr marR="0" lvl="3" algn="ctr" rtl="0">
+              <a:lnSpc>
+                <a:spcPct val="100000"/>
+              </a:lnSpc>
+              <a:spcBef>
+                <a:spcPts val="0"/>
+              </a:spcBef>
+              <a:spcAft>
+                <a:spcPts val="0"/>
+              </a:spcAft>
+              <a:buClr>
+                <a:srgbClr val="FFFFFF"/>
+              </a:buClr>
+              <a:buSzPts val="2400"/>
+              <a:buFont typeface="Proxima Nova Semibold"/>
+              <a:buNone/>
+              <a:defRPr sz="2400" b="0" i="0" u="none" strike="noStrike" cap="none">
+                <a:solidFill>
+                  <a:srgbClr val="FFFFFF"/>
+                </a:solidFill>
+                <a:latin typeface="Proxima Nova Semibold"/>
+                <a:ea typeface="Proxima Nova Semibold"/>
+                <a:cs typeface="Proxima Nova Semibold"/>
+                <a:sym typeface="Proxima Nova Semibold"/>
+              </a:defRPr>
+            </a:lvl4pPr>
+            <a:lvl5pPr marR="0" lvl="4" algn="ctr" rtl="0">
+              <a:lnSpc>
+                <a:spcPct val="100000"/>
+              </a:lnSpc>
+              <a:spcBef>
+                <a:spcPts val="0"/>
+              </a:spcBef>
+              <a:spcAft>
+                <a:spcPts val="0"/>
+              </a:spcAft>
+              <a:buClr>
+                <a:srgbClr val="FFFFFF"/>
+              </a:buClr>
+              <a:buSzPts val="2400"/>
+              <a:buFont typeface="Proxima Nova Semibold"/>
+              <a:buNone/>
+              <a:defRPr sz="2400" b="0" i="0" u="none" strike="noStrike" cap="none">
+                <a:solidFill>
+                  <a:srgbClr val="FFFFFF"/>
+                </a:solidFill>
+                <a:latin typeface="Proxima Nova Semibold"/>
+                <a:ea typeface="Proxima Nova Semibold"/>
+                <a:cs typeface="Proxima Nova Semibold"/>
+                <a:sym typeface="Proxima Nova Semibold"/>
+              </a:defRPr>
+            </a:lvl5pPr>
+            <a:lvl6pPr marR="0" lvl="5" algn="ctr" rtl="0">
+              <a:lnSpc>
+                <a:spcPct val="100000"/>
+              </a:lnSpc>
+              <a:spcBef>
+                <a:spcPts val="0"/>
+              </a:spcBef>
+              <a:spcAft>
+                <a:spcPts val="0"/>
+              </a:spcAft>
+              <a:buClr>
+                <a:srgbClr val="FFFFFF"/>
+              </a:buClr>
+              <a:buSzPts val="2400"/>
+              <a:buFont typeface="Proxima Nova Semibold"/>
+              <a:buNone/>
+              <a:defRPr sz="2400" b="0" i="0" u="none" strike="noStrike" cap="none">
+                <a:solidFill>
+                  <a:srgbClr val="FFFFFF"/>
+                </a:solidFill>
+                <a:latin typeface="Proxima Nova Semibold"/>
+                <a:ea typeface="Proxima Nova Semibold"/>
+                <a:cs typeface="Proxima Nova Semibold"/>
+                <a:sym typeface="Proxima Nova Semibold"/>
+              </a:defRPr>
+            </a:lvl6pPr>
+            <a:lvl7pPr marR="0" lvl="6" algn="ctr" rtl="0">
+              <a:lnSpc>
+                <a:spcPct val="100000"/>
+              </a:lnSpc>
+              <a:spcBef>
+                <a:spcPts val="0"/>
+              </a:spcBef>
+              <a:spcAft>
+                <a:spcPts val="0"/>
+              </a:spcAft>
+              <a:buClr>
+                <a:srgbClr val="FFFFFF"/>
+              </a:buClr>
+              <a:buSzPts val="2400"/>
+              <a:buFont typeface="Proxima Nova Semibold"/>
+              <a:buNone/>
+              <a:defRPr sz="2400" b="0" i="0" u="none" strike="noStrike" cap="none">
+                <a:solidFill>
+                  <a:srgbClr val="FFFFFF"/>
+                </a:solidFill>
+                <a:latin typeface="Proxima Nova Semibold"/>
+                <a:ea typeface="Proxima Nova Semibold"/>
+                <a:cs typeface="Proxima Nova Semibold"/>
+                <a:sym typeface="Proxima Nova Semibold"/>
+              </a:defRPr>
+            </a:lvl7pPr>
+            <a:lvl8pPr marR="0" lvl="7" algn="ctr" rtl="0">
+              <a:lnSpc>
+                <a:spcPct val="100000"/>
+              </a:lnSpc>
+              <a:spcBef>
+                <a:spcPts val="0"/>
+              </a:spcBef>
+              <a:spcAft>
+                <a:spcPts val="0"/>
+              </a:spcAft>
+              <a:buClr>
+                <a:srgbClr val="FFFFFF"/>
+              </a:buClr>
+              <a:buSzPts val="2400"/>
+              <a:buFont typeface="Proxima Nova Semibold"/>
+              <a:buNone/>
+              <a:defRPr sz="2400" b="0" i="0" u="none" strike="noStrike" cap="none">
+                <a:solidFill>
+                  <a:srgbClr val="FFFFFF"/>
+                </a:solidFill>
+                <a:latin typeface="Proxima Nova Semibold"/>
+                <a:ea typeface="Proxima Nova Semibold"/>
+                <a:cs typeface="Proxima Nova Semibold"/>
+                <a:sym typeface="Proxima Nova Semibold"/>
+              </a:defRPr>
+            </a:lvl8pPr>
+            <a:lvl9pPr marR="0" lvl="8" algn="ctr" rtl="0">
+              <a:lnSpc>
+                <a:spcPct val="100000"/>
+              </a:lnSpc>
+              <a:spcBef>
+                <a:spcPts val="0"/>
+              </a:spcBef>
+              <a:spcAft>
+                <a:spcPts val="0"/>
+              </a:spcAft>
+              <a:buClr>
+                <a:srgbClr val="FFFFFF"/>
+              </a:buClr>
+              <a:buSzPts val="2400"/>
+              <a:buFont typeface="Proxima Nova Semibold"/>
+              <a:buNone/>
+              <a:defRPr sz="2400" b="0" i="0" u="none" strike="noStrike" cap="none">
+                <a:solidFill>
+                  <a:srgbClr val="FFFFFF"/>
+                </a:solidFill>
+                <a:latin typeface="Proxima Nova Semibold"/>
+                <a:ea typeface="Proxima Nova Semibold"/>
+                <a:cs typeface="Proxima Nova Semibold"/>
+                <a:sym typeface="Proxima Nova Semibold"/>
+              </a:defRPr>
+            </a:lvl9pPr>
+          </a:lstStyle>
+          <a:p>
+            <a:r>
+              <a:rPr lang="en-US" sz="1800" b="1" dirty="0"/>
+              <a:t>Results Comparison</a:t>
+            </a:r>
+          </a:p>
+          <a:p>
+            <a:pPr algn="l"/>
+            <a:endParaRPr lang="en-US" sz="1800" b="1" dirty="0"/>
+          </a:p>
+          <a:p>
+            <a:pPr algn="l"/>
+            <a:r>
+              <a:rPr lang="en-US" sz="1400" b="1" dirty="0"/>
+              <a:t>Performance Metrics:</a:t>
+            </a:r>
+          </a:p>
+          <a:p>
+            <a:pPr algn="l"/>
+            <a:endParaRPr lang="en-US" sz="1400" dirty="0"/>
+          </a:p>
+          <a:p>
+            <a:pPr marL="742950" lvl="1" indent="-285750" algn="l">
+              <a:buFont typeface="Arial" panose="020B0604020202020204" pitchFamily="34" charset="0"/>
+              <a:buChar char="•"/>
+            </a:pPr>
+            <a:r>
+              <a:rPr lang="en-US" sz="1400" dirty="0"/>
+              <a:t>Compare the accuracy, training time, and loss of ANN and CNN models.</a:t>
+            </a:r>
+          </a:p>
+          <a:p>
+            <a:pPr marL="742950" lvl="1" indent="-285750" algn="l">
+              <a:buFont typeface="Arial" panose="020B0604020202020204" pitchFamily="34" charset="0"/>
+              <a:buChar char="•"/>
+            </a:pPr>
+            <a:r>
+              <a:rPr lang="en-US" sz="1400" dirty="0"/>
+              <a:t>Visualize the performance through graphs and charts.</a:t>
+            </a:r>
+          </a:p>
+          <a:p>
+            <a:pPr marL="457200" lvl="1" algn="l"/>
+            <a:endParaRPr lang="en-US" sz="1400" dirty="0"/>
+          </a:p>
+          <a:p>
+            <a:pPr algn="l"/>
+            <a:r>
+              <a:rPr lang="en-US" sz="1400" b="1" dirty="0"/>
+              <a:t>Analysis:</a:t>
+            </a:r>
+          </a:p>
+          <a:p>
+            <a:pPr algn="l"/>
+            <a:endParaRPr lang="en-US" sz="1400" dirty="0"/>
+          </a:p>
+          <a:p>
+            <a:pPr marL="742950" lvl="1" indent="-285750" algn="l">
+              <a:buFont typeface="Arial" panose="020B0604020202020204" pitchFamily="34" charset="0"/>
+              <a:buChar char="•"/>
+            </a:pPr>
+            <a:r>
+              <a:rPr lang="en-US" sz="1400" dirty="0"/>
+              <a:t>Discuss the strengths and weaknesses of each model.</a:t>
+            </a:r>
+          </a:p>
+          <a:p>
+            <a:pPr marL="742950" lvl="1" indent="-285750" algn="l">
+              <a:buFont typeface="Arial" panose="020B0604020202020204" pitchFamily="34" charset="0"/>
+              <a:buChar char="•"/>
+            </a:pPr>
+            <a:r>
+              <a:rPr lang="en-US" sz="1400" dirty="0"/>
+              <a:t>Highlight the CNN's superior performance in handling image data due to its architecture.</a:t>
+            </a:r>
+          </a:p>
+          <a:p>
+            <a:pPr algn="l"/>
+            <a:endParaRPr lang="en-US" sz="1400" dirty="0"/>
+          </a:p>
+        </p:txBody>
+      </p:sp>
+    </p:spTree>
+  </p:cSld>
+  <p:clrMapOvr>
+    <a:masterClrMapping/>
+  </p:clrMapOvr>
+</p:sld>
+</file>
+
+<file path=ppt/slides/slide11.xml><?xml version="1.0" encoding="utf-8"?>
+<p:sld xmlns:a="http://schemas.openxmlformats.org/drawingml/2006/main" xmlns:r="http://schemas.openxmlformats.org/officeDocument/2006/relationships" xmlns:p="http://schemas.openxmlformats.org/presentationml/2006/main">
+  <p:cSld>
+    <p:spTree>
+      <p:nvGrpSpPr>
+        <p:cNvPr id="1" name="Shape 5579"/>
+        <p:cNvGrpSpPr/>
+        <p:nvPr/>
+      </p:nvGrpSpPr>
+      <p:grpSpPr>
+        <a:xfrm>
+          <a:off x="0" y="0"/>
+          <a:ext cx="0" cy="0"/>
+          <a:chOff x="0" y="0"/>
+          <a:chExt cx="0" cy="0"/>
+        </a:xfrm>
+      </p:grpSpPr>
+      <p:sp>
+        <p:nvSpPr>
+          <p:cNvPr id="2" name="Google Shape;1419;p62">
+            <a:extLst>
+              <a:ext uri="{FF2B5EF4-FFF2-40B4-BE49-F238E27FC236}">
+                <a16:creationId xmlns:a16="http://schemas.microsoft.com/office/drawing/2014/main" id="{35AB70B7-72A3-885B-0795-FFAAF23B9436}"/>
+              </a:ext>
+            </a:extLst>
+          </p:cNvPr>
+          <p:cNvSpPr txBox="1">
+            <a:spLocks/>
+          </p:cNvSpPr>
+          <p:nvPr/>
+        </p:nvSpPr>
+        <p:spPr>
+          <a:xfrm>
+            <a:off x="2474709" y="841511"/>
+            <a:ext cx="4194582" cy="445422"/>
+          </a:xfrm>
+          <a:prstGeom prst="rect">
+            <a:avLst/>
+          </a:prstGeom>
+          <a:noFill/>
+          <a:ln>
+            <a:noFill/>
+          </a:ln>
+        </p:spPr>
+        <p:txBody>
+          <a:bodyPr spcFirstLastPara="1" wrap="square" lIns="91425" tIns="91425" rIns="91425" bIns="91425" anchor="t" anchorCtr="0">
+            <a:noAutofit/>
+          </a:bodyPr>
+          <a:lstStyle>
+            <a:defPPr marR="0" lvl="0" algn="l" rtl="0">
+              <a:lnSpc>
+                <a:spcPct val="100000"/>
+              </a:lnSpc>
+              <a:spcBef>
+                <a:spcPts val="0"/>
+              </a:spcBef>
+              <a:spcAft>
+                <a:spcPts val="0"/>
+              </a:spcAft>
+            </a:defPPr>
+            <a:lvl1pPr marR="0" lvl="0" algn="ctr" rtl="0">
+              <a:lnSpc>
+                <a:spcPct val="100000"/>
+              </a:lnSpc>
+              <a:spcBef>
+                <a:spcPts val="0"/>
+              </a:spcBef>
+              <a:spcAft>
+                <a:spcPts val="0"/>
+              </a:spcAft>
+              <a:buClr>
+                <a:srgbClr val="FFFFFF"/>
+              </a:buClr>
+              <a:buSzPts val="2400"/>
+              <a:buFont typeface="Proxima Nova Semibold"/>
+              <a:buNone/>
+              <a:defRPr sz="2400" b="0" i="0" u="none" strike="noStrike" cap="none">
+                <a:solidFill>
+                  <a:srgbClr val="FFFFFF"/>
+                </a:solidFill>
+                <a:latin typeface="Proxima Nova Semibold"/>
+                <a:ea typeface="Proxima Nova Semibold"/>
+                <a:cs typeface="Proxima Nova Semibold"/>
+                <a:sym typeface="Proxima Nova Semibold"/>
+              </a:defRPr>
+            </a:lvl1pPr>
+            <a:lvl2pPr marR="0" lvl="1" algn="ctr" rtl="0">
+              <a:lnSpc>
+                <a:spcPct val="100000"/>
+              </a:lnSpc>
+              <a:spcBef>
+                <a:spcPts val="0"/>
+              </a:spcBef>
+              <a:spcAft>
+                <a:spcPts val="0"/>
+              </a:spcAft>
+              <a:buClr>
+                <a:srgbClr val="FFFFFF"/>
+              </a:buClr>
+              <a:buSzPts val="2400"/>
+              <a:buFont typeface="Proxima Nova Semibold"/>
+              <a:buNone/>
+              <a:defRPr sz="2400" b="0" i="0" u="none" strike="noStrike" cap="none">
+                <a:solidFill>
+                  <a:srgbClr val="FFFFFF"/>
+                </a:solidFill>
+                <a:latin typeface="Proxima Nova Semibold"/>
+                <a:ea typeface="Proxima Nova Semibold"/>
+                <a:cs typeface="Proxima Nova Semibold"/>
+                <a:sym typeface="Proxima Nova Semibold"/>
+              </a:defRPr>
+            </a:lvl2pPr>
+            <a:lvl3pPr marR="0" lvl="2" algn="ctr" rtl="0">
+              <a:lnSpc>
+                <a:spcPct val="100000"/>
+              </a:lnSpc>
+              <a:spcBef>
+                <a:spcPts val="0"/>
+              </a:spcBef>
+              <a:spcAft>
+                <a:spcPts val="0"/>
+              </a:spcAft>
+              <a:buClr>
+                <a:srgbClr val="FFFFFF"/>
+              </a:buClr>
+              <a:buSzPts val="2400"/>
+              <a:buFont typeface="Proxima Nova Semibold"/>
+              <a:buNone/>
+              <a:defRPr sz="2400" b="0" i="0" u="none" strike="noStrike" cap="none">
+                <a:solidFill>
+                  <a:srgbClr val="FFFFFF"/>
+                </a:solidFill>
+                <a:latin typeface="Proxima Nova Semibold"/>
+                <a:ea typeface="Proxima Nova Semibold"/>
+                <a:cs typeface="Proxima Nova Semibold"/>
+                <a:sym typeface="Proxima Nova Semibold"/>
+              </a:defRPr>
+            </a:lvl3pPr>
+            <a:lvl4pPr marR="0" lvl="3" algn="ctr" rtl="0">
+              <a:lnSpc>
+                <a:spcPct val="100000"/>
+              </a:lnSpc>
+              <a:spcBef>
+                <a:spcPts val="0"/>
+              </a:spcBef>
+              <a:spcAft>
+                <a:spcPts val="0"/>
+              </a:spcAft>
+              <a:buClr>
+                <a:srgbClr val="FFFFFF"/>
+              </a:buClr>
+              <a:buSzPts val="2400"/>
+              <a:buFont typeface="Proxima Nova Semibold"/>
+              <a:buNone/>
+              <a:defRPr sz="2400" b="0" i="0" u="none" strike="noStrike" cap="none">
+                <a:solidFill>
+                  <a:srgbClr val="FFFFFF"/>
+                </a:solidFill>
+                <a:latin typeface="Proxima Nova Semibold"/>
+                <a:ea typeface="Proxima Nova Semibold"/>
+                <a:cs typeface="Proxima Nova Semibold"/>
+                <a:sym typeface="Proxima Nova Semibold"/>
+              </a:defRPr>
+            </a:lvl4pPr>
+            <a:lvl5pPr marR="0" lvl="4" algn="ctr" rtl="0">
+              <a:lnSpc>
+                <a:spcPct val="100000"/>
+              </a:lnSpc>
+              <a:spcBef>
+                <a:spcPts val="0"/>
+              </a:spcBef>
+              <a:spcAft>
+                <a:spcPts val="0"/>
+              </a:spcAft>
+              <a:buClr>
+                <a:srgbClr val="FFFFFF"/>
+              </a:buClr>
+              <a:buSzPts val="2400"/>
+              <a:buFont typeface="Proxima Nova Semibold"/>
+              <a:buNone/>
+              <a:defRPr sz="2400" b="0" i="0" u="none" strike="noStrike" cap="none">
+                <a:solidFill>
+                  <a:srgbClr val="FFFFFF"/>
+                </a:solidFill>
+                <a:latin typeface="Proxima Nova Semibold"/>
+                <a:ea typeface="Proxima Nova Semibold"/>
+                <a:cs typeface="Proxima Nova Semibold"/>
+                <a:sym typeface="Proxima Nova Semibold"/>
+              </a:defRPr>
+            </a:lvl5pPr>
+            <a:lvl6pPr marR="0" lvl="5" algn="ctr" rtl="0">
+              <a:lnSpc>
+                <a:spcPct val="100000"/>
+              </a:lnSpc>
+              <a:spcBef>
+                <a:spcPts val="0"/>
+              </a:spcBef>
+              <a:spcAft>
+                <a:spcPts val="0"/>
+              </a:spcAft>
+              <a:buClr>
+                <a:srgbClr val="FFFFFF"/>
+              </a:buClr>
+              <a:buSzPts val="2400"/>
+              <a:buFont typeface="Proxima Nova Semibold"/>
+              <a:buNone/>
+              <a:defRPr sz="2400" b="0" i="0" u="none" strike="noStrike" cap="none">
+                <a:solidFill>
+                  <a:srgbClr val="FFFFFF"/>
+                </a:solidFill>
+                <a:latin typeface="Proxima Nova Semibold"/>
+                <a:ea typeface="Proxima Nova Semibold"/>
+                <a:cs typeface="Proxima Nova Semibold"/>
+                <a:sym typeface="Proxima Nova Semibold"/>
+              </a:defRPr>
+            </a:lvl6pPr>
+            <a:lvl7pPr marR="0" lvl="6" algn="ctr" rtl="0">
+              <a:lnSpc>
+                <a:spcPct val="100000"/>
+              </a:lnSpc>
+              <a:spcBef>
+                <a:spcPts val="0"/>
+              </a:spcBef>
+              <a:spcAft>
+                <a:spcPts val="0"/>
+              </a:spcAft>
+              <a:buClr>
+                <a:srgbClr val="FFFFFF"/>
+              </a:buClr>
+              <a:buSzPts val="2400"/>
+              <a:buFont typeface="Proxima Nova Semibold"/>
+              <a:buNone/>
+              <a:defRPr sz="2400" b="0" i="0" u="none" strike="noStrike" cap="none">
+                <a:solidFill>
+                  <a:srgbClr val="FFFFFF"/>
+                </a:solidFill>
+                <a:latin typeface="Proxima Nova Semibold"/>
+                <a:ea typeface="Proxima Nova Semibold"/>
+                <a:cs typeface="Proxima Nova Semibold"/>
+                <a:sym typeface="Proxima Nova Semibold"/>
+              </a:defRPr>
+            </a:lvl7pPr>
+            <a:lvl8pPr marR="0" lvl="7" algn="ctr" rtl="0">
+              <a:lnSpc>
+                <a:spcPct val="100000"/>
+              </a:lnSpc>
+              <a:spcBef>
+                <a:spcPts val="0"/>
+              </a:spcBef>
+              <a:spcAft>
+                <a:spcPts val="0"/>
+              </a:spcAft>
+              <a:buClr>
+                <a:srgbClr val="FFFFFF"/>
+              </a:buClr>
+              <a:buSzPts val="2400"/>
+              <a:buFont typeface="Proxima Nova Semibold"/>
+              <a:buNone/>
+              <a:defRPr sz="2400" b="0" i="0" u="none" strike="noStrike" cap="none">
+                <a:solidFill>
+                  <a:srgbClr val="FFFFFF"/>
+                </a:solidFill>
+                <a:latin typeface="Proxima Nova Semibold"/>
+                <a:ea typeface="Proxima Nova Semibold"/>
+                <a:cs typeface="Proxima Nova Semibold"/>
+                <a:sym typeface="Proxima Nova Semibold"/>
+              </a:defRPr>
+            </a:lvl8pPr>
+            <a:lvl9pPr marR="0" lvl="8" algn="ctr" rtl="0">
+              <a:lnSpc>
+                <a:spcPct val="100000"/>
+              </a:lnSpc>
+              <a:spcBef>
+                <a:spcPts val="0"/>
+              </a:spcBef>
+              <a:spcAft>
+                <a:spcPts val="0"/>
+              </a:spcAft>
+              <a:buClr>
+                <a:srgbClr val="FFFFFF"/>
+              </a:buClr>
+              <a:buSzPts val="2400"/>
+              <a:buFont typeface="Proxima Nova Semibold"/>
+              <a:buNone/>
+              <a:defRPr sz="2400" b="0" i="0" u="none" strike="noStrike" cap="none">
+                <a:solidFill>
+                  <a:srgbClr val="FFFFFF"/>
+                </a:solidFill>
+                <a:latin typeface="Proxima Nova Semibold"/>
+                <a:ea typeface="Proxima Nova Semibold"/>
+                <a:cs typeface="Proxima Nova Semibold"/>
+                <a:sym typeface="Proxima Nova Semibold"/>
+              </a:defRPr>
+            </a:lvl9pPr>
+          </a:lstStyle>
+          <a:p>
+            <a:pPr>
+              <a:buClr>
+                <a:srgbClr val="000000"/>
+              </a:buClr>
+              <a:buSzPts val="1100"/>
+              <a:buFont typeface="Arial"/>
+              <a:buNone/>
+            </a:pPr>
+            <a:r>
+              <a:rPr lang="en-US" b="1" dirty="0">
+                <a:solidFill>
+                  <a:srgbClr val="FFFF00"/>
+                </a:solidFill>
+                <a:latin typeface="Arial"/>
+                <a:ea typeface="Arial"/>
+                <a:cs typeface="Arial"/>
+                <a:sym typeface="Arial"/>
+              </a:rPr>
+              <a:t>MEMBERS CONTRIBUTION</a:t>
+            </a:r>
+          </a:p>
+        </p:txBody>
+      </p:sp>
+      <p:sp>
+        <p:nvSpPr>
+          <p:cNvPr id="3" name="Google Shape;1419;p62">
+            <a:extLst>
+              <a:ext uri="{FF2B5EF4-FFF2-40B4-BE49-F238E27FC236}">
+                <a16:creationId xmlns:a16="http://schemas.microsoft.com/office/drawing/2014/main" id="{279E718D-0C25-9F19-EEEA-5868E0BD77A7}"/>
+              </a:ext>
+            </a:extLst>
+          </p:cNvPr>
+          <p:cNvSpPr txBox="1">
+            <a:spLocks/>
+          </p:cNvSpPr>
+          <p:nvPr/>
+        </p:nvSpPr>
+        <p:spPr>
+          <a:xfrm>
+            <a:off x="469247" y="1830326"/>
+            <a:ext cx="8297333" cy="2679096"/>
+          </a:xfrm>
+          <a:prstGeom prst="rect">
+            <a:avLst/>
+          </a:prstGeom>
+          <a:noFill/>
+          <a:ln>
+            <a:noFill/>
+          </a:ln>
+        </p:spPr>
+        <p:txBody>
+          <a:bodyPr spcFirstLastPara="1" wrap="square" lIns="91425" tIns="91425" rIns="91425" bIns="91425" anchor="t" anchorCtr="0">
+            <a:noAutofit/>
+          </a:bodyPr>
+          <a:lstStyle>
+            <a:defPPr marR="0" lvl="0" algn="l" rtl="0">
+              <a:lnSpc>
+                <a:spcPct val="100000"/>
+              </a:lnSpc>
+              <a:spcBef>
+                <a:spcPts val="0"/>
+              </a:spcBef>
+              <a:spcAft>
+                <a:spcPts val="0"/>
+              </a:spcAft>
+            </a:defPPr>
+            <a:lvl1pPr marR="0" lvl="0" algn="ctr" rtl="0">
+              <a:lnSpc>
+                <a:spcPct val="100000"/>
+              </a:lnSpc>
+              <a:spcBef>
+                <a:spcPts val="0"/>
+              </a:spcBef>
+              <a:spcAft>
+                <a:spcPts val="0"/>
+              </a:spcAft>
+              <a:buClr>
+                <a:srgbClr val="FFFFFF"/>
+              </a:buClr>
+              <a:buSzPts val="2400"/>
+              <a:buFont typeface="Proxima Nova Semibold"/>
+              <a:buNone/>
+              <a:defRPr sz="2400" b="0" i="0" u="none" strike="noStrike" cap="none">
+                <a:solidFill>
+                  <a:srgbClr val="FFFFFF"/>
+                </a:solidFill>
+                <a:latin typeface="Proxima Nova Semibold"/>
+                <a:ea typeface="Proxima Nova Semibold"/>
+                <a:cs typeface="Proxima Nova Semibold"/>
+                <a:sym typeface="Proxima Nova Semibold"/>
+              </a:defRPr>
+            </a:lvl1pPr>
+            <a:lvl2pPr marR="0" lvl="1" algn="ctr" rtl="0">
+              <a:lnSpc>
+                <a:spcPct val="100000"/>
+              </a:lnSpc>
+              <a:spcBef>
+                <a:spcPts val="0"/>
+              </a:spcBef>
+              <a:spcAft>
+                <a:spcPts val="0"/>
+              </a:spcAft>
+              <a:buClr>
+                <a:srgbClr val="FFFFFF"/>
+              </a:buClr>
+              <a:buSzPts val="2400"/>
+              <a:buFont typeface="Proxima Nova Semibold"/>
+              <a:buNone/>
+              <a:defRPr sz="2400" b="0" i="0" u="none" strike="noStrike" cap="none">
+                <a:solidFill>
+                  <a:srgbClr val="FFFFFF"/>
+                </a:solidFill>
+                <a:latin typeface="Proxima Nova Semibold"/>
+                <a:ea typeface="Proxima Nova Semibold"/>
+                <a:cs typeface="Proxima Nova Semibold"/>
+                <a:sym typeface="Proxima Nova Semibold"/>
+              </a:defRPr>
+            </a:lvl2pPr>
+            <a:lvl3pPr marR="0" lvl="2" algn="ctr" rtl="0">
+              <a:lnSpc>
+                <a:spcPct val="100000"/>
+              </a:lnSpc>
+              <a:spcBef>
+                <a:spcPts val="0"/>
+              </a:spcBef>
+              <a:spcAft>
+                <a:spcPts val="0"/>
+              </a:spcAft>
+              <a:buClr>
+                <a:srgbClr val="FFFFFF"/>
+              </a:buClr>
+              <a:buSzPts val="2400"/>
+              <a:buFont typeface="Proxima Nova Semibold"/>
+              <a:buNone/>
+              <a:defRPr sz="2400" b="0" i="0" u="none" strike="noStrike" cap="none">
+                <a:solidFill>
+                  <a:srgbClr val="FFFFFF"/>
+                </a:solidFill>
+                <a:latin typeface="Proxima Nova Semibold"/>
+                <a:ea typeface="Proxima Nova Semibold"/>
+                <a:cs typeface="Proxima Nova Semibold"/>
+                <a:sym typeface="Proxima Nova Semibold"/>
+              </a:defRPr>
+            </a:lvl3pPr>
+            <a:lvl4pPr marR="0" lvl="3" algn="ctr" rtl="0">
+              <a:lnSpc>
+                <a:spcPct val="100000"/>
+              </a:lnSpc>
+              <a:spcBef>
+                <a:spcPts val="0"/>
+              </a:spcBef>
+              <a:spcAft>
+                <a:spcPts val="0"/>
+              </a:spcAft>
+              <a:buClr>
+                <a:srgbClr val="FFFFFF"/>
+              </a:buClr>
+              <a:buSzPts val="2400"/>
+              <a:buFont typeface="Proxima Nova Semibold"/>
+              <a:buNone/>
+              <a:defRPr sz="2400" b="0" i="0" u="none" strike="noStrike" cap="none">
+                <a:solidFill>
+                  <a:srgbClr val="FFFFFF"/>
+                </a:solidFill>
+                <a:latin typeface="Proxima Nova Semibold"/>
+                <a:ea typeface="Proxima Nova Semibold"/>
+                <a:cs typeface="Proxima Nova Semibold"/>
+                <a:sym typeface="Proxima Nova Semibold"/>
+              </a:defRPr>
+            </a:lvl4pPr>
+            <a:lvl5pPr marR="0" lvl="4" algn="ctr" rtl="0">
+              <a:lnSpc>
+                <a:spcPct val="100000"/>
+              </a:lnSpc>
+              <a:spcBef>
+                <a:spcPts val="0"/>
+              </a:spcBef>
+              <a:spcAft>
+                <a:spcPts val="0"/>
+              </a:spcAft>
+              <a:buClr>
+                <a:srgbClr val="FFFFFF"/>
+              </a:buClr>
+              <a:buSzPts val="2400"/>
+              <a:buFont typeface="Proxima Nova Semibold"/>
+              <a:buNone/>
+              <a:defRPr sz="2400" b="0" i="0" u="none" strike="noStrike" cap="none">
+                <a:solidFill>
+                  <a:srgbClr val="FFFFFF"/>
+                </a:solidFill>
+                <a:latin typeface="Proxima Nova Semibold"/>
+                <a:ea typeface="Proxima Nova Semibold"/>
+                <a:cs typeface="Proxima Nova Semibold"/>
+                <a:sym typeface="Proxima Nova Semibold"/>
+              </a:defRPr>
+            </a:lvl5pPr>
+            <a:lvl6pPr marR="0" lvl="5" algn="ctr" rtl="0">
+              <a:lnSpc>
+                <a:spcPct val="100000"/>
+              </a:lnSpc>
+              <a:spcBef>
+                <a:spcPts val="0"/>
+              </a:spcBef>
+              <a:spcAft>
+                <a:spcPts val="0"/>
+              </a:spcAft>
+              <a:buClr>
+                <a:srgbClr val="FFFFFF"/>
+              </a:buClr>
+              <a:buSzPts val="2400"/>
+              <a:buFont typeface="Proxima Nova Semibold"/>
+              <a:buNone/>
+              <a:defRPr sz="2400" b="0" i="0" u="none" strike="noStrike" cap="none">
+                <a:solidFill>
+                  <a:srgbClr val="FFFFFF"/>
+                </a:solidFill>
+                <a:latin typeface="Proxima Nova Semibold"/>
+                <a:ea typeface="Proxima Nova Semibold"/>
+                <a:cs typeface="Proxima Nova Semibold"/>
+                <a:sym typeface="Proxima Nova Semibold"/>
+              </a:defRPr>
+            </a:lvl6pPr>
+            <a:lvl7pPr marR="0" lvl="6" algn="ctr" rtl="0">
+              <a:lnSpc>
+                <a:spcPct val="100000"/>
+              </a:lnSpc>
+              <a:spcBef>
+                <a:spcPts val="0"/>
+              </a:spcBef>
+              <a:spcAft>
+                <a:spcPts val="0"/>
+              </a:spcAft>
+              <a:buClr>
+                <a:srgbClr val="FFFFFF"/>
+              </a:buClr>
+              <a:buSzPts val="2400"/>
+              <a:buFont typeface="Proxima Nova Semibold"/>
+              <a:buNone/>
+              <a:defRPr sz="2400" b="0" i="0" u="none" strike="noStrike" cap="none">
+                <a:solidFill>
+                  <a:srgbClr val="FFFFFF"/>
+                </a:solidFill>
+                <a:latin typeface="Proxima Nova Semibold"/>
+                <a:ea typeface="Proxima Nova Semibold"/>
+                <a:cs typeface="Proxima Nova Semibold"/>
+                <a:sym typeface="Proxima Nova Semibold"/>
+              </a:defRPr>
+            </a:lvl7pPr>
+            <a:lvl8pPr marR="0" lvl="7" algn="ctr" rtl="0">
+              <a:lnSpc>
+                <a:spcPct val="100000"/>
+              </a:lnSpc>
+              <a:spcBef>
+                <a:spcPts val="0"/>
+              </a:spcBef>
+              <a:spcAft>
+                <a:spcPts val="0"/>
+              </a:spcAft>
+              <a:buClr>
+                <a:srgbClr val="FFFFFF"/>
+              </a:buClr>
+              <a:buSzPts val="2400"/>
+              <a:buFont typeface="Proxima Nova Semibold"/>
+              <a:buNone/>
+              <a:defRPr sz="2400" b="0" i="0" u="none" strike="noStrike" cap="none">
+                <a:solidFill>
+                  <a:srgbClr val="FFFFFF"/>
+                </a:solidFill>
+                <a:latin typeface="Proxima Nova Semibold"/>
+                <a:ea typeface="Proxima Nova Semibold"/>
+                <a:cs typeface="Proxima Nova Semibold"/>
+                <a:sym typeface="Proxima Nova Semibold"/>
+              </a:defRPr>
+            </a:lvl8pPr>
+            <a:lvl9pPr marR="0" lvl="8" algn="ctr" rtl="0">
+              <a:lnSpc>
+                <a:spcPct val="100000"/>
+              </a:lnSpc>
+              <a:spcBef>
+                <a:spcPts val="0"/>
+              </a:spcBef>
+              <a:spcAft>
+                <a:spcPts val="0"/>
+              </a:spcAft>
+              <a:buClr>
+                <a:srgbClr val="FFFFFF"/>
+              </a:buClr>
+              <a:buSzPts val="2400"/>
+              <a:buFont typeface="Proxima Nova Semibold"/>
+              <a:buNone/>
+              <a:defRPr sz="2400" b="0" i="0" u="none" strike="noStrike" cap="none">
+                <a:solidFill>
+                  <a:srgbClr val="FFFFFF"/>
+                </a:solidFill>
+                <a:latin typeface="Proxima Nova Semibold"/>
+                <a:ea typeface="Proxima Nova Semibold"/>
+                <a:cs typeface="Proxima Nova Semibold"/>
+                <a:sym typeface="Proxima Nova Semibold"/>
+              </a:defRPr>
+            </a:lvl9pPr>
+          </a:lstStyle>
+          <a:p>
+            <a:pPr algn="l"/>
+            <a:r>
+              <a:rPr lang="en-US" sz="2000" b="1" dirty="0"/>
+              <a:t>Usama Sani</a:t>
+            </a:r>
+          </a:p>
+          <a:p>
+            <a:pPr algn="l"/>
+            <a:endParaRPr lang="en-US" sz="2000" b="1" dirty="0"/>
+          </a:p>
+          <a:p>
+            <a:pPr algn="l"/>
+            <a:r>
+              <a:rPr lang="en-US" sz="1800" b="1" dirty="0"/>
+              <a:t>Role: </a:t>
+            </a:r>
+            <a:r>
+              <a:rPr lang="en-US" sz="1800" dirty="0"/>
+              <a:t>ANN and CNN Model Development</a:t>
+            </a:r>
+          </a:p>
+          <a:p>
+            <a:pPr algn="l"/>
+            <a:r>
+              <a:rPr lang="en-US" sz="1800" b="1" dirty="0"/>
+              <a:t>Responsibilities:</a:t>
+            </a:r>
+          </a:p>
+          <a:p>
+            <a:pPr marL="742950" lvl="1" indent="-285750" algn="l">
+              <a:buFont typeface="Arial" panose="020B0604020202020204" pitchFamily="34" charset="0"/>
+              <a:buChar char="•"/>
+            </a:pPr>
+            <a:r>
+              <a:rPr lang="en-US" sz="1800" dirty="0"/>
+              <a:t>Developed and trained the Artificial Neural Network (ANN) model.</a:t>
+            </a:r>
+          </a:p>
+          <a:p>
+            <a:pPr marL="742950" lvl="1" indent="-285750" algn="l">
+              <a:buFont typeface="Arial" panose="020B0604020202020204" pitchFamily="34" charset="0"/>
+              <a:buChar char="•"/>
+            </a:pPr>
+            <a:r>
+              <a:rPr lang="en-US" sz="1800" dirty="0"/>
+              <a:t>Developed and trained the Convolutional Neural Network (CNN) model.</a:t>
+            </a:r>
+          </a:p>
+          <a:p>
+            <a:pPr marL="742950" lvl="1" indent="-285750" algn="l">
+              <a:buFont typeface="Arial" panose="020B0604020202020204" pitchFamily="34" charset="0"/>
+              <a:buChar char="•"/>
+            </a:pPr>
+            <a:r>
+              <a:rPr lang="en-US" sz="1800" dirty="0"/>
+              <a:t>Conducted testing using the CIFAR-10 test Batch.</a:t>
+            </a:r>
+          </a:p>
+          <a:p>
+            <a:pPr marL="742950" lvl="1" indent="-285750" algn="l">
+              <a:buFont typeface="Arial" panose="020B0604020202020204" pitchFamily="34" charset="0"/>
+              <a:buChar char="•"/>
+            </a:pPr>
+            <a:r>
+              <a:rPr lang="en-US" sz="1800" dirty="0"/>
+              <a:t>Analyzed model predictions to determine accuracy and performance.</a:t>
+            </a:r>
+          </a:p>
+          <a:p>
+            <a:pPr algn="l"/>
+            <a:r>
+              <a:rPr lang="en-US" sz="1100" dirty="0"/>
+              <a:t>.</a:t>
+            </a:r>
+          </a:p>
+          <a:p>
+            <a:pPr algn="l"/>
+            <a:endParaRPr lang="en-US" sz="1200" dirty="0"/>
+          </a:p>
+        </p:txBody>
+      </p:sp>
+    </p:spTree>
+  </p:cSld>
+  <p:clrMapOvr>
+    <a:masterClrMapping/>
+  </p:clrMapOvr>
+</p:sld>
+</file>
+
+<file path=ppt/slides/slide12.xml><?xml version="1.0" encoding="utf-8"?>
+<p:sld xmlns:a="http://schemas.openxmlformats.org/drawingml/2006/main" xmlns:r="http://schemas.openxmlformats.org/officeDocument/2006/relationships" xmlns:p="http://schemas.openxmlformats.org/presentationml/2006/main">
+  <p:cSld>
     <p:bg>
       <p:bgPr>
         <a:solidFill>
@@ -10464,7 +11543,7 @@
 </p:sld>
 </file>
 
-<file path=ppt/slides/slide11.xml><?xml version="1.0" encoding="utf-8"?>
+<file path=ppt/slides/slide13.xml><?xml version="1.0" encoding="utf-8"?>
 <p:sld xmlns:a="http://schemas.openxmlformats.org/drawingml/2006/main" xmlns:r="http://schemas.openxmlformats.org/officeDocument/2006/relationships" xmlns:p="http://schemas.openxmlformats.org/presentationml/2006/main">
   <p:cSld>
     <p:bg>
@@ -11149,7 +12228,7 @@
 </p:sld>
 </file>
 
-<file path=ppt/slides/slide12.xml><?xml version="1.0" encoding="utf-8"?>
+<file path=ppt/slides/slide14.xml><?xml version="1.0" encoding="utf-8"?>
 <p:sld xmlns:a="http://schemas.openxmlformats.org/drawingml/2006/main" xmlns:r="http://schemas.openxmlformats.org/officeDocument/2006/relationships" xmlns:p="http://schemas.openxmlformats.org/presentationml/2006/main">
   <p:cSld>
     <p:spTree>
@@ -11182,7 +12261,7 @@
         </p:nvSpPr>
         <p:spPr>
           <a:xfrm>
-            <a:off x="2474708" y="1044711"/>
+            <a:off x="2474708" y="522501"/>
             <a:ext cx="4194582" cy="445422"/>
           </a:xfrm>
           <a:prstGeom prst="rect">
@@ -11484,7 +12563,7 @@
         </p:nvSpPr>
         <p:spPr>
           <a:xfrm>
-            <a:off x="423333" y="1920638"/>
+            <a:off x="423332" y="1463438"/>
             <a:ext cx="8297333" cy="2679096"/>
           </a:xfrm>
           <a:prstGeom prst="rect">
@@ -12858,7 +13937,7 @@
 </p:sld>
 </file>
 
-<file path=ppt/slides/slide13.xml><?xml version="1.0" encoding="utf-8"?>
+<file path=ppt/slides/slide15.xml><?xml version="1.0" encoding="utf-8"?>
 <p:sld xmlns:a="http://schemas.openxmlformats.org/drawingml/2006/main" xmlns:r="http://schemas.openxmlformats.org/officeDocument/2006/relationships" xmlns:p="http://schemas.openxmlformats.org/presentationml/2006/main">
   <p:cSld>
     <p:spTree>
@@ -12877,308 +13956,6 @@
       </p:grpSpPr>
       <p:sp>
         <p:nvSpPr>
-          <p:cNvPr id="2" name="Google Shape;1419;p62">
-            <a:extLst>
-              <a:ext uri="{FF2B5EF4-FFF2-40B4-BE49-F238E27FC236}">
-                <a16:creationId xmlns:a16="http://schemas.microsoft.com/office/drawing/2014/main" id="{C71C6E3E-ED67-46E3-A1E4-F7C7ABF3DAF3}"/>
-              </a:ext>
-            </a:extLst>
-          </p:cNvPr>
-          <p:cNvSpPr txBox="1">
-            <a:spLocks/>
-          </p:cNvSpPr>
-          <p:nvPr/>
-        </p:nvSpPr>
-        <p:spPr>
-          <a:xfrm>
-            <a:off x="2474708" y="604444"/>
-            <a:ext cx="4194582" cy="445422"/>
-          </a:xfrm>
-          <a:prstGeom prst="rect">
-            <a:avLst/>
-          </a:prstGeom>
-          <a:noFill/>
-          <a:ln>
-            <a:noFill/>
-          </a:ln>
-        </p:spPr>
-        <p:txBody>
-          <a:bodyPr spcFirstLastPara="1" wrap="square" lIns="91425" tIns="91425" rIns="91425" bIns="91425" anchor="t" anchorCtr="0">
-            <a:noAutofit/>
-          </a:bodyPr>
-          <a:lstStyle>
-            <a:defPPr marR="0" lvl="0" algn="l" rtl="0">
-              <a:lnSpc>
-                <a:spcPct val="100000"/>
-              </a:lnSpc>
-              <a:spcBef>
-                <a:spcPts val="0"/>
-              </a:spcBef>
-              <a:spcAft>
-                <a:spcPts val="0"/>
-              </a:spcAft>
-            </a:defPPr>
-            <a:lvl1pPr marR="0" lvl="0" algn="ctr" rtl="0">
-              <a:lnSpc>
-                <a:spcPct val="100000"/>
-              </a:lnSpc>
-              <a:spcBef>
-                <a:spcPts val="0"/>
-              </a:spcBef>
-              <a:spcAft>
-                <a:spcPts val="0"/>
-              </a:spcAft>
-              <a:buClr>
-                <a:srgbClr val="FFFFFF"/>
-              </a:buClr>
-              <a:buSzPts val="2400"/>
-              <a:buFont typeface="Proxima Nova Semibold"/>
-              <a:buNone/>
-              <a:defRPr sz="2400" b="0" i="0" u="none" strike="noStrike" cap="none">
-                <a:solidFill>
-                  <a:srgbClr val="FFFFFF"/>
-                </a:solidFill>
-                <a:latin typeface="Proxima Nova Semibold"/>
-                <a:ea typeface="Proxima Nova Semibold"/>
-                <a:cs typeface="Proxima Nova Semibold"/>
-                <a:sym typeface="Proxima Nova Semibold"/>
-              </a:defRPr>
-            </a:lvl1pPr>
-            <a:lvl2pPr marR="0" lvl="1" algn="ctr" rtl="0">
-              <a:lnSpc>
-                <a:spcPct val="100000"/>
-              </a:lnSpc>
-              <a:spcBef>
-                <a:spcPts val="0"/>
-              </a:spcBef>
-              <a:spcAft>
-                <a:spcPts val="0"/>
-              </a:spcAft>
-              <a:buClr>
-                <a:srgbClr val="FFFFFF"/>
-              </a:buClr>
-              <a:buSzPts val="2400"/>
-              <a:buFont typeface="Proxima Nova Semibold"/>
-              <a:buNone/>
-              <a:defRPr sz="2400" b="0" i="0" u="none" strike="noStrike" cap="none">
-                <a:solidFill>
-                  <a:srgbClr val="FFFFFF"/>
-                </a:solidFill>
-                <a:latin typeface="Proxima Nova Semibold"/>
-                <a:ea typeface="Proxima Nova Semibold"/>
-                <a:cs typeface="Proxima Nova Semibold"/>
-                <a:sym typeface="Proxima Nova Semibold"/>
-              </a:defRPr>
-            </a:lvl2pPr>
-            <a:lvl3pPr marR="0" lvl="2" algn="ctr" rtl="0">
-              <a:lnSpc>
-                <a:spcPct val="100000"/>
-              </a:lnSpc>
-              <a:spcBef>
-                <a:spcPts val="0"/>
-              </a:spcBef>
-              <a:spcAft>
-                <a:spcPts val="0"/>
-              </a:spcAft>
-              <a:buClr>
-                <a:srgbClr val="FFFFFF"/>
-              </a:buClr>
-              <a:buSzPts val="2400"/>
-              <a:buFont typeface="Proxima Nova Semibold"/>
-              <a:buNone/>
-              <a:defRPr sz="2400" b="0" i="0" u="none" strike="noStrike" cap="none">
-                <a:solidFill>
-                  <a:srgbClr val="FFFFFF"/>
-                </a:solidFill>
-                <a:latin typeface="Proxima Nova Semibold"/>
-                <a:ea typeface="Proxima Nova Semibold"/>
-                <a:cs typeface="Proxima Nova Semibold"/>
-                <a:sym typeface="Proxima Nova Semibold"/>
-              </a:defRPr>
-            </a:lvl3pPr>
-            <a:lvl4pPr marR="0" lvl="3" algn="ctr" rtl="0">
-              <a:lnSpc>
-                <a:spcPct val="100000"/>
-              </a:lnSpc>
-              <a:spcBef>
-                <a:spcPts val="0"/>
-              </a:spcBef>
-              <a:spcAft>
-                <a:spcPts val="0"/>
-              </a:spcAft>
-              <a:buClr>
-                <a:srgbClr val="FFFFFF"/>
-              </a:buClr>
-              <a:buSzPts val="2400"/>
-              <a:buFont typeface="Proxima Nova Semibold"/>
-              <a:buNone/>
-              <a:defRPr sz="2400" b="0" i="0" u="none" strike="noStrike" cap="none">
-                <a:solidFill>
-                  <a:srgbClr val="FFFFFF"/>
-                </a:solidFill>
-                <a:latin typeface="Proxima Nova Semibold"/>
-                <a:ea typeface="Proxima Nova Semibold"/>
-                <a:cs typeface="Proxima Nova Semibold"/>
-                <a:sym typeface="Proxima Nova Semibold"/>
-              </a:defRPr>
-            </a:lvl4pPr>
-            <a:lvl5pPr marR="0" lvl="4" algn="ctr" rtl="0">
-              <a:lnSpc>
-                <a:spcPct val="100000"/>
-              </a:lnSpc>
-              <a:spcBef>
-                <a:spcPts val="0"/>
-              </a:spcBef>
-              <a:spcAft>
-                <a:spcPts val="0"/>
-              </a:spcAft>
-              <a:buClr>
-                <a:srgbClr val="FFFFFF"/>
-              </a:buClr>
-              <a:buSzPts val="2400"/>
-              <a:buFont typeface="Proxima Nova Semibold"/>
-              <a:buNone/>
-              <a:defRPr sz="2400" b="0" i="0" u="none" strike="noStrike" cap="none">
-                <a:solidFill>
-                  <a:srgbClr val="FFFFFF"/>
-                </a:solidFill>
-                <a:latin typeface="Proxima Nova Semibold"/>
-                <a:ea typeface="Proxima Nova Semibold"/>
-                <a:cs typeface="Proxima Nova Semibold"/>
-                <a:sym typeface="Proxima Nova Semibold"/>
-              </a:defRPr>
-            </a:lvl5pPr>
-            <a:lvl6pPr marR="0" lvl="5" algn="ctr" rtl="0">
-              <a:lnSpc>
-                <a:spcPct val="100000"/>
-              </a:lnSpc>
-              <a:spcBef>
-                <a:spcPts val="0"/>
-              </a:spcBef>
-              <a:spcAft>
-                <a:spcPts val="0"/>
-              </a:spcAft>
-              <a:buClr>
-                <a:srgbClr val="FFFFFF"/>
-              </a:buClr>
-              <a:buSzPts val="2400"/>
-              <a:buFont typeface="Proxima Nova Semibold"/>
-              <a:buNone/>
-              <a:defRPr sz="2400" b="0" i="0" u="none" strike="noStrike" cap="none">
-                <a:solidFill>
-                  <a:srgbClr val="FFFFFF"/>
-                </a:solidFill>
-                <a:latin typeface="Proxima Nova Semibold"/>
-                <a:ea typeface="Proxima Nova Semibold"/>
-                <a:cs typeface="Proxima Nova Semibold"/>
-                <a:sym typeface="Proxima Nova Semibold"/>
-              </a:defRPr>
-            </a:lvl6pPr>
-            <a:lvl7pPr marR="0" lvl="6" algn="ctr" rtl="0">
-              <a:lnSpc>
-                <a:spcPct val="100000"/>
-              </a:lnSpc>
-              <a:spcBef>
-                <a:spcPts val="0"/>
-              </a:spcBef>
-              <a:spcAft>
-                <a:spcPts val="0"/>
-              </a:spcAft>
-              <a:buClr>
-                <a:srgbClr val="FFFFFF"/>
-              </a:buClr>
-              <a:buSzPts val="2400"/>
-              <a:buFont typeface="Proxima Nova Semibold"/>
-              <a:buNone/>
-              <a:defRPr sz="2400" b="0" i="0" u="none" strike="noStrike" cap="none">
-                <a:solidFill>
-                  <a:srgbClr val="FFFFFF"/>
-                </a:solidFill>
-                <a:latin typeface="Proxima Nova Semibold"/>
-                <a:ea typeface="Proxima Nova Semibold"/>
-                <a:cs typeface="Proxima Nova Semibold"/>
-                <a:sym typeface="Proxima Nova Semibold"/>
-              </a:defRPr>
-            </a:lvl7pPr>
-            <a:lvl8pPr marR="0" lvl="7" algn="ctr" rtl="0">
-              <a:lnSpc>
-                <a:spcPct val="100000"/>
-              </a:lnSpc>
-              <a:spcBef>
-                <a:spcPts val="0"/>
-              </a:spcBef>
-              <a:spcAft>
-                <a:spcPts val="0"/>
-              </a:spcAft>
-              <a:buClr>
-                <a:srgbClr val="FFFFFF"/>
-              </a:buClr>
-              <a:buSzPts val="2400"/>
-              <a:buFont typeface="Proxima Nova Semibold"/>
-              <a:buNone/>
-              <a:defRPr sz="2400" b="0" i="0" u="none" strike="noStrike" cap="none">
-                <a:solidFill>
-                  <a:srgbClr val="FFFFFF"/>
-                </a:solidFill>
-                <a:latin typeface="Proxima Nova Semibold"/>
-                <a:ea typeface="Proxima Nova Semibold"/>
-                <a:cs typeface="Proxima Nova Semibold"/>
-                <a:sym typeface="Proxima Nova Semibold"/>
-              </a:defRPr>
-            </a:lvl8pPr>
-            <a:lvl9pPr marR="0" lvl="8" algn="ctr" rtl="0">
-              <a:lnSpc>
-                <a:spcPct val="100000"/>
-              </a:lnSpc>
-              <a:spcBef>
-                <a:spcPts val="0"/>
-              </a:spcBef>
-              <a:spcAft>
-                <a:spcPts val="0"/>
-              </a:spcAft>
-              <a:buClr>
-                <a:srgbClr val="FFFFFF"/>
-              </a:buClr>
-              <a:buSzPts val="2400"/>
-              <a:buFont typeface="Proxima Nova Semibold"/>
-              <a:buNone/>
-              <a:defRPr sz="2400" b="0" i="0" u="none" strike="noStrike" cap="none">
-                <a:solidFill>
-                  <a:srgbClr val="FFFFFF"/>
-                </a:solidFill>
-                <a:latin typeface="Proxima Nova Semibold"/>
-                <a:ea typeface="Proxima Nova Semibold"/>
-                <a:cs typeface="Proxima Nova Semibold"/>
-                <a:sym typeface="Proxima Nova Semibold"/>
-              </a:defRPr>
-            </a:lvl9pPr>
-          </a:lstStyle>
-          <a:p>
-            <a:pPr>
-              <a:buClr>
-                <a:srgbClr val="000000"/>
-              </a:buClr>
-              <a:buSzPts val="1100"/>
-              <a:buFont typeface="Arial"/>
-              <a:buNone/>
-            </a:pPr>
-            <a:r>
-              <a:rPr lang="en-US" b="1" dirty="0">
-                <a:solidFill>
-                  <a:srgbClr val="7030A0"/>
-                </a:solidFill>
-                <a:latin typeface="Arial"/>
-                <a:ea typeface="Arial"/>
-                <a:cs typeface="Arial"/>
-                <a:sym typeface="Arial"/>
-              </a:rPr>
-              <a:t>PROJECT CODE</a:t>
-            </a:r>
-          </a:p>
-        </p:txBody>
-      </p:sp>
-      <p:sp>
-        <p:nvSpPr>
           <p:cNvPr id="3" name="Google Shape;1419;p62">
             <a:extLst>
               <a:ext uri="{FF2B5EF4-FFF2-40B4-BE49-F238E27FC236}">
@@ -13193,7 +13970,7 @@
         </p:nvSpPr>
         <p:spPr>
           <a:xfrm>
-            <a:off x="423333" y="1220726"/>
+            <a:off x="423333" y="669874"/>
             <a:ext cx="8297333" cy="3803752"/>
           </a:xfrm>
           <a:prstGeom prst="rect">
@@ -15051,7 +15828,7 @@
 </p:sld>
 </file>
 
-<file path=ppt/slides/slide14.xml><?xml version="1.0" encoding="utf-8"?>
+<file path=ppt/slides/slide16.xml><?xml version="1.0" encoding="utf-8"?>
 <p:sld xmlns:a="http://schemas.openxmlformats.org/drawingml/2006/main" xmlns:r="http://schemas.openxmlformats.org/officeDocument/2006/relationships" xmlns:p="http://schemas.openxmlformats.org/presentationml/2006/main">
   <p:cSld>
     <p:spTree>
@@ -15084,7 +15861,7 @@
         </p:nvSpPr>
         <p:spPr>
           <a:xfrm>
-            <a:off x="2474708" y="717333"/>
+            <a:off x="2474708" y="504681"/>
             <a:ext cx="4194582" cy="445422"/>
           </a:xfrm>
           <a:prstGeom prst="rect">
@@ -15386,7 +16163,7 @@
         </p:nvSpPr>
         <p:spPr>
           <a:xfrm>
-            <a:off x="428977" y="1354665"/>
+            <a:off x="428976" y="1161840"/>
             <a:ext cx="8286045" cy="3476979"/>
           </a:xfrm>
           <a:prstGeom prst="rect">
@@ -16013,7 +16790,7 @@
                   <a:srgbClr val="7030A0"/>
                 </a:solidFill>
               </a:rPr>
-              <a:t>PROJECT CODE</a:t>
+              <a:t>CONCLUSION</a:t>
             </a:r>
             <a:endParaRPr lang="en-US" sz="3600" b="1" dirty="0">
               <a:solidFill>
@@ -16537,310 +17314,6 @@
       </p:grpSpPr>
       <p:sp>
         <p:nvSpPr>
-          <p:cNvPr id="5" name="Google Shape;1419;p62">
-            <a:extLst>
-              <a:ext uri="{FF2B5EF4-FFF2-40B4-BE49-F238E27FC236}">
-                <a16:creationId xmlns:a16="http://schemas.microsoft.com/office/drawing/2014/main" id="{1D68AE34-0076-EBD1-4C46-45E24C27521A}"/>
-              </a:ext>
-            </a:extLst>
-          </p:cNvPr>
-          <p:cNvSpPr txBox="1">
-            <a:spLocks/>
-          </p:cNvSpPr>
-          <p:nvPr/>
-        </p:nvSpPr>
-        <p:spPr>
-          <a:xfrm>
-            <a:off x="3289952" y="627023"/>
-            <a:ext cx="2564094" cy="482400"/>
-          </a:xfrm>
-          <a:prstGeom prst="rect">
-            <a:avLst/>
-          </a:prstGeom>
-          <a:noFill/>
-          <a:ln>
-            <a:noFill/>
-          </a:ln>
-        </p:spPr>
-        <p:txBody>
-          <a:bodyPr spcFirstLastPara="1" wrap="square" lIns="91425" tIns="91425" rIns="91425" bIns="91425" anchor="t" anchorCtr="0">
-            <a:noAutofit/>
-          </a:bodyPr>
-          <a:lstStyle>
-            <a:defPPr marR="0" lvl="0" algn="l" rtl="0">
-              <a:lnSpc>
-                <a:spcPct val="100000"/>
-              </a:lnSpc>
-              <a:spcBef>
-                <a:spcPts val="0"/>
-              </a:spcBef>
-              <a:spcAft>
-                <a:spcPts val="0"/>
-              </a:spcAft>
-            </a:defPPr>
-            <a:lvl1pPr marR="0" lvl="0" algn="ctr" rtl="0">
-              <a:lnSpc>
-                <a:spcPct val="100000"/>
-              </a:lnSpc>
-              <a:spcBef>
-                <a:spcPts val="0"/>
-              </a:spcBef>
-              <a:spcAft>
-                <a:spcPts val="0"/>
-              </a:spcAft>
-              <a:buClr>
-                <a:srgbClr val="FFFFFF"/>
-              </a:buClr>
-              <a:buSzPts val="2400"/>
-              <a:buFont typeface="Proxima Nova Semibold"/>
-              <a:buNone/>
-              <a:defRPr sz="2400" b="0" i="0" u="none" strike="noStrike" cap="none">
-                <a:solidFill>
-                  <a:srgbClr val="FFFFFF"/>
-                </a:solidFill>
-                <a:latin typeface="Proxima Nova Semibold"/>
-                <a:ea typeface="Proxima Nova Semibold"/>
-                <a:cs typeface="Proxima Nova Semibold"/>
-                <a:sym typeface="Proxima Nova Semibold"/>
-              </a:defRPr>
-            </a:lvl1pPr>
-            <a:lvl2pPr marR="0" lvl="1" algn="ctr" rtl="0">
-              <a:lnSpc>
-                <a:spcPct val="100000"/>
-              </a:lnSpc>
-              <a:spcBef>
-                <a:spcPts val="0"/>
-              </a:spcBef>
-              <a:spcAft>
-                <a:spcPts val="0"/>
-              </a:spcAft>
-              <a:buClr>
-                <a:srgbClr val="FFFFFF"/>
-              </a:buClr>
-              <a:buSzPts val="2400"/>
-              <a:buFont typeface="Proxima Nova Semibold"/>
-              <a:buNone/>
-              <a:defRPr sz="2400" b="0" i="0" u="none" strike="noStrike" cap="none">
-                <a:solidFill>
-                  <a:srgbClr val="FFFFFF"/>
-                </a:solidFill>
-                <a:latin typeface="Proxima Nova Semibold"/>
-                <a:ea typeface="Proxima Nova Semibold"/>
-                <a:cs typeface="Proxima Nova Semibold"/>
-                <a:sym typeface="Proxima Nova Semibold"/>
-              </a:defRPr>
-            </a:lvl2pPr>
-            <a:lvl3pPr marR="0" lvl="2" algn="ctr" rtl="0">
-              <a:lnSpc>
-                <a:spcPct val="100000"/>
-              </a:lnSpc>
-              <a:spcBef>
-                <a:spcPts val="0"/>
-              </a:spcBef>
-              <a:spcAft>
-                <a:spcPts val="0"/>
-              </a:spcAft>
-              <a:buClr>
-                <a:srgbClr val="FFFFFF"/>
-              </a:buClr>
-              <a:buSzPts val="2400"/>
-              <a:buFont typeface="Proxima Nova Semibold"/>
-              <a:buNone/>
-              <a:defRPr sz="2400" b="0" i="0" u="none" strike="noStrike" cap="none">
-                <a:solidFill>
-                  <a:srgbClr val="FFFFFF"/>
-                </a:solidFill>
-                <a:latin typeface="Proxima Nova Semibold"/>
-                <a:ea typeface="Proxima Nova Semibold"/>
-                <a:cs typeface="Proxima Nova Semibold"/>
-                <a:sym typeface="Proxima Nova Semibold"/>
-              </a:defRPr>
-            </a:lvl3pPr>
-            <a:lvl4pPr marR="0" lvl="3" algn="ctr" rtl="0">
-              <a:lnSpc>
-                <a:spcPct val="100000"/>
-              </a:lnSpc>
-              <a:spcBef>
-                <a:spcPts val="0"/>
-              </a:spcBef>
-              <a:spcAft>
-                <a:spcPts val="0"/>
-              </a:spcAft>
-              <a:buClr>
-                <a:srgbClr val="FFFFFF"/>
-              </a:buClr>
-              <a:buSzPts val="2400"/>
-              <a:buFont typeface="Proxima Nova Semibold"/>
-              <a:buNone/>
-              <a:defRPr sz="2400" b="0" i="0" u="none" strike="noStrike" cap="none">
-                <a:solidFill>
-                  <a:srgbClr val="FFFFFF"/>
-                </a:solidFill>
-                <a:latin typeface="Proxima Nova Semibold"/>
-                <a:ea typeface="Proxima Nova Semibold"/>
-                <a:cs typeface="Proxima Nova Semibold"/>
-                <a:sym typeface="Proxima Nova Semibold"/>
-              </a:defRPr>
-            </a:lvl4pPr>
-            <a:lvl5pPr marR="0" lvl="4" algn="ctr" rtl="0">
-              <a:lnSpc>
-                <a:spcPct val="100000"/>
-              </a:lnSpc>
-              <a:spcBef>
-                <a:spcPts val="0"/>
-              </a:spcBef>
-              <a:spcAft>
-                <a:spcPts val="0"/>
-              </a:spcAft>
-              <a:buClr>
-                <a:srgbClr val="FFFFFF"/>
-              </a:buClr>
-              <a:buSzPts val="2400"/>
-              <a:buFont typeface="Proxima Nova Semibold"/>
-              <a:buNone/>
-              <a:defRPr sz="2400" b="0" i="0" u="none" strike="noStrike" cap="none">
-                <a:solidFill>
-                  <a:srgbClr val="FFFFFF"/>
-                </a:solidFill>
-                <a:latin typeface="Proxima Nova Semibold"/>
-                <a:ea typeface="Proxima Nova Semibold"/>
-                <a:cs typeface="Proxima Nova Semibold"/>
-                <a:sym typeface="Proxima Nova Semibold"/>
-              </a:defRPr>
-            </a:lvl5pPr>
-            <a:lvl6pPr marR="0" lvl="5" algn="ctr" rtl="0">
-              <a:lnSpc>
-                <a:spcPct val="100000"/>
-              </a:lnSpc>
-              <a:spcBef>
-                <a:spcPts val="0"/>
-              </a:spcBef>
-              <a:spcAft>
-                <a:spcPts val="0"/>
-              </a:spcAft>
-              <a:buClr>
-                <a:srgbClr val="FFFFFF"/>
-              </a:buClr>
-              <a:buSzPts val="2400"/>
-              <a:buFont typeface="Proxima Nova Semibold"/>
-              <a:buNone/>
-              <a:defRPr sz="2400" b="0" i="0" u="none" strike="noStrike" cap="none">
-                <a:solidFill>
-                  <a:srgbClr val="FFFFFF"/>
-                </a:solidFill>
-                <a:latin typeface="Proxima Nova Semibold"/>
-                <a:ea typeface="Proxima Nova Semibold"/>
-                <a:cs typeface="Proxima Nova Semibold"/>
-                <a:sym typeface="Proxima Nova Semibold"/>
-              </a:defRPr>
-            </a:lvl6pPr>
-            <a:lvl7pPr marR="0" lvl="6" algn="ctr" rtl="0">
-              <a:lnSpc>
-                <a:spcPct val="100000"/>
-              </a:lnSpc>
-              <a:spcBef>
-                <a:spcPts val="0"/>
-              </a:spcBef>
-              <a:spcAft>
-                <a:spcPts val="0"/>
-              </a:spcAft>
-              <a:buClr>
-                <a:srgbClr val="FFFFFF"/>
-              </a:buClr>
-              <a:buSzPts val="2400"/>
-              <a:buFont typeface="Proxima Nova Semibold"/>
-              <a:buNone/>
-              <a:defRPr sz="2400" b="0" i="0" u="none" strike="noStrike" cap="none">
-                <a:solidFill>
-                  <a:srgbClr val="FFFFFF"/>
-                </a:solidFill>
-                <a:latin typeface="Proxima Nova Semibold"/>
-                <a:ea typeface="Proxima Nova Semibold"/>
-                <a:cs typeface="Proxima Nova Semibold"/>
-                <a:sym typeface="Proxima Nova Semibold"/>
-              </a:defRPr>
-            </a:lvl7pPr>
-            <a:lvl8pPr marR="0" lvl="7" algn="ctr" rtl="0">
-              <a:lnSpc>
-                <a:spcPct val="100000"/>
-              </a:lnSpc>
-              <a:spcBef>
-                <a:spcPts val="0"/>
-              </a:spcBef>
-              <a:spcAft>
-                <a:spcPts val="0"/>
-              </a:spcAft>
-              <a:buClr>
-                <a:srgbClr val="FFFFFF"/>
-              </a:buClr>
-              <a:buSzPts val="2400"/>
-              <a:buFont typeface="Proxima Nova Semibold"/>
-              <a:buNone/>
-              <a:defRPr sz="2400" b="0" i="0" u="none" strike="noStrike" cap="none">
-                <a:solidFill>
-                  <a:srgbClr val="FFFFFF"/>
-                </a:solidFill>
-                <a:latin typeface="Proxima Nova Semibold"/>
-                <a:ea typeface="Proxima Nova Semibold"/>
-                <a:cs typeface="Proxima Nova Semibold"/>
-                <a:sym typeface="Proxima Nova Semibold"/>
-              </a:defRPr>
-            </a:lvl8pPr>
-            <a:lvl9pPr marR="0" lvl="8" algn="ctr" rtl="0">
-              <a:lnSpc>
-                <a:spcPct val="100000"/>
-              </a:lnSpc>
-              <a:spcBef>
-                <a:spcPts val="0"/>
-              </a:spcBef>
-              <a:spcAft>
-                <a:spcPts val="0"/>
-              </a:spcAft>
-              <a:buClr>
-                <a:srgbClr val="FFFFFF"/>
-              </a:buClr>
-              <a:buSzPts val="2400"/>
-              <a:buFont typeface="Proxima Nova Semibold"/>
-              <a:buNone/>
-              <a:defRPr sz="2400" b="0" i="0" u="none" strike="noStrike" cap="none">
-                <a:solidFill>
-                  <a:srgbClr val="FFFFFF"/>
-                </a:solidFill>
-                <a:latin typeface="Proxima Nova Semibold"/>
-                <a:ea typeface="Proxima Nova Semibold"/>
-                <a:cs typeface="Proxima Nova Semibold"/>
-                <a:sym typeface="Proxima Nova Semibold"/>
-              </a:defRPr>
-            </a:lvl9pPr>
-          </a:lstStyle>
-          <a:p>
-            <a:pPr>
-              <a:buClr>
-                <a:srgbClr val="000000"/>
-              </a:buClr>
-              <a:buSzPts val="1100"/>
-              <a:buFont typeface="Arial"/>
-              <a:buNone/>
-            </a:pPr>
-            <a:r>
-              <a:rPr lang="en-US" b="1" dirty="0">
-                <a:solidFill>
-                  <a:schemeClr val="accent4">
-                    <a:lumMod val="75000"/>
-                  </a:schemeClr>
-                </a:solidFill>
-                <a:latin typeface="Arial"/>
-                <a:ea typeface="Arial"/>
-                <a:cs typeface="Arial"/>
-                <a:sym typeface="Arial"/>
-              </a:rPr>
-              <a:t>INTRODUCTION</a:t>
-            </a:r>
-          </a:p>
-        </p:txBody>
-      </p:sp>
-      <p:sp>
-        <p:nvSpPr>
           <p:cNvPr id="6" name="Google Shape;1419;p62">
             <a:extLst>
               <a:ext uri="{FF2B5EF4-FFF2-40B4-BE49-F238E27FC236}">
@@ -16855,7 +17328,7 @@
         </p:nvSpPr>
         <p:spPr>
           <a:xfrm>
-            <a:off x="423333" y="1396194"/>
+            <a:off x="423333" y="786291"/>
             <a:ext cx="8297333" cy="3570917"/>
           </a:xfrm>
           <a:prstGeom prst="rect">
@@ -17282,7 +17755,7 @@
         </p:nvSpPr>
         <p:spPr>
           <a:xfrm>
-            <a:off x="3289952" y="627023"/>
+            <a:off x="3289952" y="435637"/>
             <a:ext cx="2564094" cy="482400"/>
           </a:xfrm>
           <a:prstGeom prst="rect">
@@ -17586,8 +18059,8 @@
         </p:nvSpPr>
         <p:spPr>
           <a:xfrm>
-            <a:off x="423333" y="1384905"/>
-            <a:ext cx="8297333" cy="3131572"/>
+            <a:off x="423333" y="1141620"/>
+            <a:ext cx="8297333" cy="3710761"/>
           </a:xfrm>
           <a:prstGeom prst="rect">
             <a:avLst/>
@@ -17886,6 +18359,90 @@
               <a:rPr lang="en-US" sz="1600" dirty="0"/>
               <a:t> CIFAR-10 dataset, which includes 60,000 32x32 color images in 10 different classes.</a:t>
             </a:r>
+            <a:r>
+              <a:rPr lang="en-US" sz="1800" b="1" dirty="0"/>
+              <a:t> </a:t>
+            </a:r>
+            <a:r>
+              <a:rPr lang="en-US" sz="1400" b="1" dirty="0"/>
+              <a:t>(</a:t>
+            </a:r>
+            <a:r>
+              <a:rPr lang="en-US" sz="1400" b="1" dirty="0" err="1"/>
+              <a:t>x_train</a:t>
+            </a:r>
+            <a:r>
+              <a:rPr lang="en-US" sz="1400" b="1" dirty="0"/>
+              <a:t>, </a:t>
+            </a:r>
+            <a:r>
+              <a:rPr lang="en-US" sz="1400" b="1" dirty="0" err="1"/>
+              <a:t>y_train</a:t>
+            </a:r>
+            <a:r>
+              <a:rPr lang="en-US" sz="1400" b="1" dirty="0"/>
+              <a:t>), (</a:t>
+            </a:r>
+            <a:r>
+              <a:rPr lang="en-US" sz="1400" b="1" dirty="0" err="1"/>
+              <a:t>x_test</a:t>
+            </a:r>
+            <a:r>
+              <a:rPr lang="en-US" sz="1400" b="1" dirty="0"/>
+              <a:t>, </a:t>
+            </a:r>
+            <a:r>
+              <a:rPr lang="en-US" sz="1400" b="1" dirty="0" err="1"/>
+              <a:t>y_test</a:t>
+            </a:r>
+            <a:r>
+              <a:rPr lang="en-US" sz="1400" b="1" dirty="0"/>
+              <a:t>) = datasets.cifar10.load_data()</a:t>
+            </a:r>
+          </a:p>
+          <a:p>
+            <a:pPr algn="l"/>
+            <a:r>
+              <a:rPr lang="es-ES" sz="1600" b="1" dirty="0" err="1"/>
+              <a:t>y_train</a:t>
+            </a:r>
+            <a:r>
+              <a:rPr lang="es-ES" sz="1600" b="1" dirty="0"/>
+              <a:t> = </a:t>
+            </a:r>
+            <a:r>
+              <a:rPr lang="es-ES" sz="1600" b="1" dirty="0" err="1"/>
+              <a:t>y_train.reshape</a:t>
+            </a:r>
+            <a:r>
+              <a:rPr lang="es-ES" sz="1600" b="1" dirty="0"/>
+              <a:t>(-1,) </a:t>
+            </a:r>
+            <a:r>
+              <a:rPr lang="es-ES" sz="1800" b="1" dirty="0"/>
+              <a:t> </a:t>
+            </a:r>
+            <a:r>
+              <a:rPr lang="es-ES" sz="1600" dirty="0"/>
+              <a:t> </a:t>
+            </a:r>
+            <a:r>
+              <a:rPr lang="es-ES" sz="1600" b="1" dirty="0" err="1"/>
+              <a:t>y_test</a:t>
+            </a:r>
+            <a:r>
+              <a:rPr lang="es-ES" sz="1600" b="1" dirty="0"/>
+              <a:t> = </a:t>
+            </a:r>
+            <a:r>
+              <a:rPr lang="es-ES" sz="1600" b="1" dirty="0" err="1"/>
+              <a:t>y_test.reshape</a:t>
+            </a:r>
+            <a:r>
+              <a:rPr lang="es-ES" sz="1600" b="1" dirty="0"/>
+              <a:t>(-1,)</a:t>
+            </a:r>
+            <a:endParaRPr lang="en-US" sz="2000" b="1" dirty="0"/>
           </a:p>
           <a:p>
             <a:pPr algn="l"/>
@@ -17918,7 +18475,39 @@
           </a:p>
           <a:p>
             <a:pPr algn="l"/>
-            <a:endParaRPr lang="en-US" sz="1600" dirty="0"/>
+            <a:r>
+              <a:rPr lang="en-US" sz="1400" b="1" dirty="0" err="1"/>
+              <a:t>x_train</a:t>
+            </a:r>
+            <a:r>
+              <a:rPr lang="en-US" sz="1400" b="1" dirty="0"/>
+              <a:t> = </a:t>
+            </a:r>
+            <a:r>
+              <a:rPr lang="en-US" sz="1400" b="1" dirty="0" err="1"/>
+              <a:t>x_train</a:t>
+            </a:r>
+            <a:r>
+              <a:rPr lang="en-US" sz="1400" b="1" dirty="0"/>
+              <a:t> / 255.0   </a:t>
+            </a:r>
+            <a:r>
+              <a:rPr lang="en-US" sz="1400" b="1" dirty="0" err="1"/>
+              <a:t>x_test</a:t>
+            </a:r>
+            <a:r>
+              <a:rPr lang="en-US" sz="1400" b="1" dirty="0"/>
+              <a:t> = </a:t>
+            </a:r>
+            <a:r>
+              <a:rPr lang="en-US" sz="1400" b="1" dirty="0" err="1"/>
+              <a:t>x_test</a:t>
+            </a:r>
+            <a:r>
+              <a:rPr lang="en-US" sz="1400" b="1" dirty="0"/>
+              <a:t> / 255.0</a:t>
+            </a:r>
+            <a:endParaRPr lang="en-US" sz="1800" b="1" dirty="0"/>
           </a:p>
           <a:p>
             <a:pPr algn="l">
@@ -17965,10 +18554,10 @@
       </p:grpSpPr>
       <p:sp>
         <p:nvSpPr>
-          <p:cNvPr id="2" name="Google Shape;1419;p62">
+          <p:cNvPr id="3" name="Google Shape;1419;p62">
             <a:extLst>
               <a:ext uri="{FF2B5EF4-FFF2-40B4-BE49-F238E27FC236}">
-                <a16:creationId xmlns:a16="http://schemas.microsoft.com/office/drawing/2014/main" id="{31D8CAE1-237B-FFBF-AB51-B4FF6C8F1882}"/>
+                <a16:creationId xmlns:a16="http://schemas.microsoft.com/office/drawing/2014/main" id="{B1D0AC93-7840-E05D-FA5A-DE32DC4D1660}"/>
               </a:ext>
             </a:extLst>
           </p:cNvPr>
@@ -17979,8 +18568,8 @@
         </p:nvSpPr>
         <p:spPr>
           <a:xfrm>
-            <a:off x="3289952" y="627023"/>
-            <a:ext cx="2564094" cy="482400"/>
+            <a:off x="382772" y="872534"/>
+            <a:ext cx="8378456" cy="3398432"/>
           </a:xfrm>
           <a:prstGeom prst="rect">
             <a:avLst/>
@@ -18242,327 +18831,18 @@
             </a:lvl9pPr>
           </a:lstStyle>
           <a:p>
-            <a:pPr>
-              <a:buClr>
-                <a:srgbClr val="000000"/>
-              </a:buClr>
-              <a:buSzPts val="1100"/>
-              <a:buFont typeface="Arial"/>
-              <a:buNone/>
-            </a:pPr>
-            <a:r>
-              <a:rPr lang="en-US" b="1" dirty="0">
-                <a:solidFill>
-                  <a:schemeClr val="accent5">
-                    <a:lumMod val="75000"/>
-                  </a:schemeClr>
-                </a:solidFill>
-                <a:latin typeface="Arial"/>
-                <a:ea typeface="Arial"/>
-                <a:cs typeface="Arial"/>
-                <a:sym typeface="Arial"/>
-              </a:rPr>
-              <a:t>HOW IT WORKS</a:t>
-            </a:r>
-          </a:p>
-        </p:txBody>
-      </p:sp>
-      <p:sp>
-        <p:nvSpPr>
-          <p:cNvPr id="3" name="Google Shape;1419;p62">
-            <a:extLst>
-              <a:ext uri="{FF2B5EF4-FFF2-40B4-BE49-F238E27FC236}">
-                <a16:creationId xmlns:a16="http://schemas.microsoft.com/office/drawing/2014/main" id="{B1D0AC93-7840-E05D-FA5A-DE32DC4D1660}"/>
-              </a:ext>
-            </a:extLst>
-          </p:cNvPr>
-          <p:cNvSpPr txBox="1">
-            <a:spLocks/>
-          </p:cNvSpPr>
-          <p:nvPr/>
-        </p:nvSpPr>
-        <p:spPr>
-          <a:xfrm>
-            <a:off x="423333" y="1317171"/>
-            <a:ext cx="8297333" cy="3672518"/>
-          </a:xfrm>
-          <a:prstGeom prst="rect">
-            <a:avLst/>
-          </a:prstGeom>
-          <a:noFill/>
-          <a:ln>
-            <a:noFill/>
-          </a:ln>
-        </p:spPr>
-        <p:txBody>
-          <a:bodyPr spcFirstLastPara="1" wrap="square" lIns="91425" tIns="91425" rIns="91425" bIns="91425" anchor="t" anchorCtr="0">
-            <a:noAutofit/>
-          </a:bodyPr>
-          <a:lstStyle>
-            <a:defPPr marR="0" lvl="0" algn="l" rtl="0">
-              <a:lnSpc>
-                <a:spcPct val="100000"/>
-              </a:lnSpc>
-              <a:spcBef>
-                <a:spcPts val="0"/>
-              </a:spcBef>
-              <a:spcAft>
-                <a:spcPts val="0"/>
-              </a:spcAft>
-            </a:defPPr>
-            <a:lvl1pPr marR="0" lvl="0" algn="ctr" rtl="0">
-              <a:lnSpc>
-                <a:spcPct val="100000"/>
-              </a:lnSpc>
-              <a:spcBef>
-                <a:spcPts val="0"/>
-              </a:spcBef>
-              <a:spcAft>
-                <a:spcPts val="0"/>
-              </a:spcAft>
-              <a:buClr>
-                <a:srgbClr val="FFFFFF"/>
-              </a:buClr>
-              <a:buSzPts val="2400"/>
-              <a:buFont typeface="Proxima Nova Semibold"/>
-              <a:buNone/>
-              <a:defRPr sz="2400" b="0" i="0" u="none" strike="noStrike" cap="none">
-                <a:solidFill>
-                  <a:srgbClr val="FFFFFF"/>
-                </a:solidFill>
-                <a:latin typeface="Proxima Nova Semibold"/>
-                <a:ea typeface="Proxima Nova Semibold"/>
-                <a:cs typeface="Proxima Nova Semibold"/>
-                <a:sym typeface="Proxima Nova Semibold"/>
-              </a:defRPr>
-            </a:lvl1pPr>
-            <a:lvl2pPr marR="0" lvl="1" algn="ctr" rtl="0">
-              <a:lnSpc>
-                <a:spcPct val="100000"/>
-              </a:lnSpc>
-              <a:spcBef>
-                <a:spcPts val="0"/>
-              </a:spcBef>
-              <a:spcAft>
-                <a:spcPts val="0"/>
-              </a:spcAft>
-              <a:buClr>
-                <a:srgbClr val="FFFFFF"/>
-              </a:buClr>
-              <a:buSzPts val="2400"/>
-              <a:buFont typeface="Proxima Nova Semibold"/>
-              <a:buNone/>
-              <a:defRPr sz="2400" b="0" i="0" u="none" strike="noStrike" cap="none">
-                <a:solidFill>
-                  <a:srgbClr val="FFFFFF"/>
-                </a:solidFill>
-                <a:latin typeface="Proxima Nova Semibold"/>
-                <a:ea typeface="Proxima Nova Semibold"/>
-                <a:cs typeface="Proxima Nova Semibold"/>
-                <a:sym typeface="Proxima Nova Semibold"/>
-              </a:defRPr>
-            </a:lvl2pPr>
-            <a:lvl3pPr marR="0" lvl="2" algn="ctr" rtl="0">
-              <a:lnSpc>
-                <a:spcPct val="100000"/>
-              </a:lnSpc>
-              <a:spcBef>
-                <a:spcPts val="0"/>
-              </a:spcBef>
-              <a:spcAft>
-                <a:spcPts val="0"/>
-              </a:spcAft>
-              <a:buClr>
-                <a:srgbClr val="FFFFFF"/>
-              </a:buClr>
-              <a:buSzPts val="2400"/>
-              <a:buFont typeface="Proxima Nova Semibold"/>
-              <a:buNone/>
-              <a:defRPr sz="2400" b="0" i="0" u="none" strike="noStrike" cap="none">
-                <a:solidFill>
-                  <a:srgbClr val="FFFFFF"/>
-                </a:solidFill>
-                <a:latin typeface="Proxima Nova Semibold"/>
-                <a:ea typeface="Proxima Nova Semibold"/>
-                <a:cs typeface="Proxima Nova Semibold"/>
-                <a:sym typeface="Proxima Nova Semibold"/>
-              </a:defRPr>
-            </a:lvl3pPr>
-            <a:lvl4pPr marR="0" lvl="3" algn="ctr" rtl="0">
-              <a:lnSpc>
-                <a:spcPct val="100000"/>
-              </a:lnSpc>
-              <a:spcBef>
-                <a:spcPts val="0"/>
-              </a:spcBef>
-              <a:spcAft>
-                <a:spcPts val="0"/>
-              </a:spcAft>
-              <a:buClr>
-                <a:srgbClr val="FFFFFF"/>
-              </a:buClr>
-              <a:buSzPts val="2400"/>
-              <a:buFont typeface="Proxima Nova Semibold"/>
-              <a:buNone/>
-              <a:defRPr sz="2400" b="0" i="0" u="none" strike="noStrike" cap="none">
-                <a:solidFill>
-                  <a:srgbClr val="FFFFFF"/>
-                </a:solidFill>
-                <a:latin typeface="Proxima Nova Semibold"/>
-                <a:ea typeface="Proxima Nova Semibold"/>
-                <a:cs typeface="Proxima Nova Semibold"/>
-                <a:sym typeface="Proxima Nova Semibold"/>
-              </a:defRPr>
-            </a:lvl4pPr>
-            <a:lvl5pPr marR="0" lvl="4" algn="ctr" rtl="0">
-              <a:lnSpc>
-                <a:spcPct val="100000"/>
-              </a:lnSpc>
-              <a:spcBef>
-                <a:spcPts val="0"/>
-              </a:spcBef>
-              <a:spcAft>
-                <a:spcPts val="0"/>
-              </a:spcAft>
-              <a:buClr>
-                <a:srgbClr val="FFFFFF"/>
-              </a:buClr>
-              <a:buSzPts val="2400"/>
-              <a:buFont typeface="Proxima Nova Semibold"/>
-              <a:buNone/>
-              <a:defRPr sz="2400" b="0" i="0" u="none" strike="noStrike" cap="none">
-                <a:solidFill>
-                  <a:srgbClr val="FFFFFF"/>
-                </a:solidFill>
-                <a:latin typeface="Proxima Nova Semibold"/>
-                <a:ea typeface="Proxima Nova Semibold"/>
-                <a:cs typeface="Proxima Nova Semibold"/>
-                <a:sym typeface="Proxima Nova Semibold"/>
-              </a:defRPr>
-            </a:lvl5pPr>
-            <a:lvl6pPr marR="0" lvl="5" algn="ctr" rtl="0">
-              <a:lnSpc>
-                <a:spcPct val="100000"/>
-              </a:lnSpc>
-              <a:spcBef>
-                <a:spcPts val="0"/>
-              </a:spcBef>
-              <a:spcAft>
-                <a:spcPts val="0"/>
-              </a:spcAft>
-              <a:buClr>
-                <a:srgbClr val="FFFFFF"/>
-              </a:buClr>
-              <a:buSzPts val="2400"/>
-              <a:buFont typeface="Proxima Nova Semibold"/>
-              <a:buNone/>
-              <a:defRPr sz="2400" b="0" i="0" u="none" strike="noStrike" cap="none">
-                <a:solidFill>
-                  <a:srgbClr val="FFFFFF"/>
-                </a:solidFill>
-                <a:latin typeface="Proxima Nova Semibold"/>
-                <a:ea typeface="Proxima Nova Semibold"/>
-                <a:cs typeface="Proxima Nova Semibold"/>
-                <a:sym typeface="Proxima Nova Semibold"/>
-              </a:defRPr>
-            </a:lvl6pPr>
-            <a:lvl7pPr marR="0" lvl="6" algn="ctr" rtl="0">
-              <a:lnSpc>
-                <a:spcPct val="100000"/>
-              </a:lnSpc>
-              <a:spcBef>
-                <a:spcPts val="0"/>
-              </a:spcBef>
-              <a:spcAft>
-                <a:spcPts val="0"/>
-              </a:spcAft>
-              <a:buClr>
-                <a:srgbClr val="FFFFFF"/>
-              </a:buClr>
-              <a:buSzPts val="2400"/>
-              <a:buFont typeface="Proxima Nova Semibold"/>
-              <a:buNone/>
-              <a:defRPr sz="2400" b="0" i="0" u="none" strike="noStrike" cap="none">
-                <a:solidFill>
-                  <a:srgbClr val="FFFFFF"/>
-                </a:solidFill>
-                <a:latin typeface="Proxima Nova Semibold"/>
-                <a:ea typeface="Proxima Nova Semibold"/>
-                <a:cs typeface="Proxima Nova Semibold"/>
-                <a:sym typeface="Proxima Nova Semibold"/>
-              </a:defRPr>
-            </a:lvl7pPr>
-            <a:lvl8pPr marR="0" lvl="7" algn="ctr" rtl="0">
-              <a:lnSpc>
-                <a:spcPct val="100000"/>
-              </a:lnSpc>
-              <a:spcBef>
-                <a:spcPts val="0"/>
-              </a:spcBef>
-              <a:spcAft>
-                <a:spcPts val="0"/>
-              </a:spcAft>
-              <a:buClr>
-                <a:srgbClr val="FFFFFF"/>
-              </a:buClr>
-              <a:buSzPts val="2400"/>
-              <a:buFont typeface="Proxima Nova Semibold"/>
-              <a:buNone/>
-              <a:defRPr sz="2400" b="0" i="0" u="none" strike="noStrike" cap="none">
-                <a:solidFill>
-                  <a:srgbClr val="FFFFFF"/>
-                </a:solidFill>
-                <a:latin typeface="Proxima Nova Semibold"/>
-                <a:ea typeface="Proxima Nova Semibold"/>
-                <a:cs typeface="Proxima Nova Semibold"/>
-                <a:sym typeface="Proxima Nova Semibold"/>
-              </a:defRPr>
-            </a:lvl8pPr>
-            <a:lvl9pPr marR="0" lvl="8" algn="ctr" rtl="0">
-              <a:lnSpc>
-                <a:spcPct val="100000"/>
-              </a:lnSpc>
-              <a:spcBef>
-                <a:spcPts val="0"/>
-              </a:spcBef>
-              <a:spcAft>
-                <a:spcPts val="0"/>
-              </a:spcAft>
-              <a:buClr>
-                <a:srgbClr val="FFFFFF"/>
-              </a:buClr>
-              <a:buSzPts val="2400"/>
-              <a:buFont typeface="Proxima Nova Semibold"/>
-              <a:buNone/>
-              <a:defRPr sz="2400" b="0" i="0" u="none" strike="noStrike" cap="none">
-                <a:solidFill>
-                  <a:srgbClr val="FFFFFF"/>
-                </a:solidFill>
-                <a:latin typeface="Proxima Nova Semibold"/>
-                <a:ea typeface="Proxima Nova Semibold"/>
-                <a:cs typeface="Proxima Nova Semibold"/>
-                <a:sym typeface="Proxima Nova Semibold"/>
-              </a:defRPr>
-            </a:lvl9pPr>
-          </a:lstStyle>
-          <a:p>
-            <a:pPr algn="l"/>
-            <a:r>
-              <a:rPr lang="en-US" sz="1600" b="1" dirty="0"/>
+            <a:r>
+              <a:rPr lang="en-US" sz="1800" b="1" dirty="0"/>
               <a:t>Model Development</a:t>
             </a:r>
           </a:p>
           <a:p>
             <a:pPr algn="l"/>
-            <a:endParaRPr lang="en-US" sz="1600" b="1" dirty="0"/>
-          </a:p>
-          <a:p>
-            <a:pPr algn="l"/>
-            <a:r>
-              <a:rPr lang="en-US" sz="1400" b="1" dirty="0"/>
+            <a:r>
+              <a:rPr lang="en-US" sz="1600" b="1" dirty="0"/>
               <a:t>Artificial Neural Network (ANN):</a:t>
             </a:r>
-            <a:endParaRPr lang="en-US" sz="1400" dirty="0"/>
+            <a:endParaRPr lang="en-US" sz="1600" dirty="0"/>
           </a:p>
           <a:p>
             <a:pPr marL="742950" lvl="1" indent="-285750" algn="l">
@@ -18570,7 +18850,7 @@
               <a:buChar char="•"/>
             </a:pPr>
             <a:r>
-              <a:rPr lang="en-US" sz="1400" dirty="0"/>
+              <a:rPr lang="en-US" sz="1600" dirty="0"/>
               <a:t>Architecture: Consists of input, hidden, and output layers.</a:t>
             </a:r>
           </a:p>
@@ -18580,10 +18860,10 @@
               <a:buChar char="•"/>
             </a:pPr>
             <a:r>
-              <a:rPr lang="en-US" sz="1400" dirty="0"/>
+              <a:rPr lang="en-US" sz="1600" dirty="0"/>
               <a:t>Input layer: Flattens the 32x32x3 images into a 1D array.</a:t>
             </a:r>
-            <a:endParaRPr lang="en-US" sz="1800" dirty="0"/>
+            <a:endParaRPr lang="en-US" sz="2000" dirty="0"/>
           </a:p>
           <a:p>
             <a:pPr marL="742950" lvl="1" indent="-285750" algn="l">
@@ -18591,15 +18871,15 @@
               <a:buChar char="•"/>
             </a:pPr>
             <a:r>
-              <a:rPr lang="en-US" sz="1400" dirty="0"/>
+              <a:rPr lang="en-US" sz="1600" dirty="0"/>
               <a:t>Hidden layers: Two dense layers with 5000 and 1000 neurons respectively, using </a:t>
             </a:r>
             <a:r>
-              <a:rPr lang="en-US" sz="1400" dirty="0" err="1"/>
+              <a:rPr lang="en-US" sz="1600" dirty="0" err="1"/>
               <a:t>ReLU</a:t>
             </a:r>
             <a:r>
-              <a:rPr lang="en-US" sz="1400" dirty="0"/>
+              <a:rPr lang="en-US" sz="1600" dirty="0"/>
               <a:t> activation.</a:t>
             </a:r>
           </a:p>
@@ -18609,65 +18889,139 @@
               <a:buChar char="•"/>
             </a:pPr>
             <a:r>
-              <a:rPr lang="en-US" sz="1400" dirty="0"/>
+              <a:rPr lang="en-US" sz="1600" dirty="0"/>
               <a:t>Implementation: Built using a deep learning framework such as TensorFlow &amp; </a:t>
             </a:r>
             <a:r>
-              <a:rPr lang="en-US" sz="1400" dirty="0" err="1"/>
+              <a:rPr lang="en-US" sz="1600" dirty="0" err="1"/>
               <a:t>Keras</a:t>
             </a:r>
             <a:r>
-              <a:rPr lang="en-US" sz="1400" dirty="0"/>
+              <a:rPr lang="en-US" sz="1600" dirty="0"/>
               <a:t>.</a:t>
             </a:r>
           </a:p>
           <a:p>
-            <a:pPr algn="l"/>
+            <a:pPr marL="457200" lvl="1" algn="l"/>
+            <a:r>
+              <a:rPr lang="en-US" sz="1400" b="1" dirty="0" err="1"/>
+              <a:t>ann</a:t>
+            </a:r>
             <a:r>
               <a:rPr lang="en-US" sz="1400" b="1" dirty="0"/>
-              <a:t>Convolutional Neural Network (CNN):</a:t>
-            </a:r>
-            <a:endParaRPr lang="en-US" sz="1400" dirty="0"/>
+              <a:t> = </a:t>
+            </a:r>
+            <a:r>
+              <a:rPr lang="en-US" sz="1400" b="1" dirty="0" err="1"/>
+              <a:t>models.Sequential</a:t>
+            </a:r>
+            <a:r>
+              <a:rPr lang="en-US" sz="1400" b="1" dirty="0"/>
+              <a:t>([</a:t>
+            </a:r>
           </a:p>
           <a:p>
-            <a:pPr marL="742950" lvl="1" indent="-285750" algn="l">
-              <a:buFont typeface="Arial" panose="020B0604020202020204" pitchFamily="34" charset="0"/>
-              <a:buChar char="•"/>
-            </a:pPr>
-            <a:r>
-              <a:rPr lang="en-US" sz="1400" dirty="0"/>
-              <a:t>Architecture: Includes convolutional layers, pooling layers, fully connected layers, and the output layer.</a:t>
+            <a:pPr marL="457200" lvl="1" algn="l"/>
+            <a:r>
+              <a:rPr lang="en-US" sz="1400" b="1" dirty="0"/>
+              <a:t>    </a:t>
+            </a:r>
+            <a:r>
+              <a:rPr lang="en-US" sz="1400" b="1" dirty="0" err="1"/>
+              <a:t>layers.Flatten</a:t>
+            </a:r>
+            <a:r>
+              <a:rPr lang="en-US" sz="1400" b="1" dirty="0"/>
+              <a:t>(</a:t>
+            </a:r>
+            <a:r>
+              <a:rPr lang="en-US" sz="1400" b="1" dirty="0" err="1"/>
+              <a:t>input_shape</a:t>
+            </a:r>
+            <a:r>
+              <a:rPr lang="en-US" sz="1400" b="1" dirty="0"/>
+              <a:t>=(32,32,3)),</a:t>
             </a:r>
           </a:p>
           <a:p>
-            <a:pPr marL="742950" lvl="1" indent="-285750" algn="l">
-              <a:buFont typeface="Arial" panose="020B0604020202020204" pitchFamily="34" charset="0"/>
-              <a:buChar char="•"/>
-            </a:pPr>
-            <a:r>
-              <a:rPr lang="en-US" sz="1400" dirty="0"/>
-              <a:t>Feature Extraction: Convolutional layers automatically extract features from images.</a:t>
+            <a:pPr marL="457200" lvl="1" algn="l"/>
+            <a:r>
+              <a:rPr lang="en-US" sz="1400" b="1" dirty="0"/>
+              <a:t>    </a:t>
+            </a:r>
+            <a:r>
+              <a:rPr lang="en-US" sz="1400" b="1" dirty="0" err="1"/>
+              <a:t>layers.Dense</a:t>
+            </a:r>
+            <a:r>
+              <a:rPr lang="en-US" sz="1400" b="1" dirty="0"/>
+              <a:t>(5000, activation='</a:t>
+            </a:r>
+            <a:r>
+              <a:rPr lang="en-US" sz="1400" b="1" dirty="0" err="1"/>
+              <a:t>relu</a:t>
+            </a:r>
+            <a:r>
+              <a:rPr lang="en-US" sz="1400" b="1" dirty="0"/>
+              <a:t>'),</a:t>
             </a:r>
           </a:p>
           <a:p>
-            <a:pPr marL="742950" lvl="1" indent="-285750" algn="l">
-              <a:buFont typeface="Arial" panose="020B0604020202020204" pitchFamily="34" charset="0"/>
-              <a:buChar char="•"/>
-            </a:pPr>
-            <a:r>
-              <a:rPr lang="en-US" sz="1400" dirty="0"/>
-              <a:t>Pooling: Reduces dimensionality and retains important information.</a:t>
+            <a:pPr marL="457200" lvl="1" algn="l"/>
+            <a:r>
+              <a:rPr lang="en-US" sz="1400" b="1" dirty="0"/>
+              <a:t>   </a:t>
+            </a:r>
+            <a:r>
+              <a:rPr lang="en-US" sz="1400" b="1" dirty="0" err="1"/>
+              <a:t>layers.Dense</a:t>
+            </a:r>
+            <a:r>
+              <a:rPr lang="en-US" sz="1400" b="1" dirty="0"/>
+              <a:t>(1000, activation='</a:t>
+            </a:r>
+            <a:r>
+              <a:rPr lang="en-US" sz="1400" b="1" dirty="0" err="1"/>
+              <a:t>relu</a:t>
+            </a:r>
+            <a:r>
+              <a:rPr lang="en-US" sz="1400" b="1" dirty="0"/>
+              <a:t>'),</a:t>
             </a:r>
           </a:p>
           <a:p>
-            <a:pPr marL="742950" lvl="1" indent="-285750" algn="l">
-              <a:buFont typeface="Arial" panose="020B0604020202020204" pitchFamily="34" charset="0"/>
-              <a:buChar char="•"/>
-            </a:pPr>
-            <a:r>
-              <a:rPr lang="en-US" sz="1400" dirty="0"/>
-              <a:t>Implementation: Developed using the same framework for consistency.</a:t>
-            </a:r>
+            <a:pPr marL="457200" lvl="1" algn="l"/>
+            <a:r>
+              <a:rPr lang="en-US" sz="1400" b="1" dirty="0"/>
+              <a:t>   </a:t>
+            </a:r>
+            <a:r>
+              <a:rPr lang="en-US" sz="1400" b="1" dirty="0" err="1"/>
+              <a:t>layers.Dense</a:t>
+            </a:r>
+            <a:r>
+              <a:rPr lang="en-US" sz="1400" b="1" dirty="0"/>
+              <a:t>(10, activation='</a:t>
+            </a:r>
+            <a:r>
+              <a:rPr lang="en-US" sz="1400" b="1" dirty="0" err="1"/>
+              <a:t>softmax</a:t>
+            </a:r>
+            <a:r>
+              <a:rPr lang="en-US" sz="1400" b="1" dirty="0"/>
+              <a:t>’),</a:t>
+            </a:r>
+          </a:p>
+          <a:p>
+            <a:pPr marL="457200" lvl="1" algn="l"/>
+            <a:r>
+              <a:rPr lang="en-US" sz="1400" b="1" dirty="0"/>
+              <a:t>])</a:t>
+            </a:r>
+          </a:p>
+          <a:p>
+            <a:pPr marL="457200" lvl="1" algn="l"/>
+            <a:endParaRPr lang="en-US" sz="1600" dirty="0"/>
           </a:p>
         </p:txBody>
       </p:sp>
@@ -18680,6 +19034,434 @@
 </file>
 
 <file path=ppt/slides/slide7.xml><?xml version="1.0" encoding="utf-8"?>
+<p:sld xmlns:a="http://schemas.openxmlformats.org/drawingml/2006/main" xmlns:r="http://schemas.openxmlformats.org/officeDocument/2006/relationships" xmlns:p="http://schemas.openxmlformats.org/presentationml/2006/main">
+  <p:cSld>
+    <p:spTree>
+      <p:nvGrpSpPr>
+        <p:cNvPr id="1" name=""/>
+        <p:cNvGrpSpPr/>
+        <p:nvPr/>
+      </p:nvGrpSpPr>
+      <p:grpSpPr>
+        <a:xfrm>
+          <a:off x="0" y="0"/>
+          <a:ext cx="0" cy="0"/>
+          <a:chOff x="0" y="0"/>
+          <a:chExt cx="0" cy="0"/>
+        </a:xfrm>
+      </p:grpSpPr>
+      <p:sp>
+        <p:nvSpPr>
+          <p:cNvPr id="2" name="TextBox 1">
+            <a:extLst>
+              <a:ext uri="{FF2B5EF4-FFF2-40B4-BE49-F238E27FC236}">
+                <a16:creationId xmlns:a16="http://schemas.microsoft.com/office/drawing/2014/main" id="{A036E8B7-9A59-EBE2-3D99-287E94ED49F2}"/>
+              </a:ext>
+            </a:extLst>
+          </p:cNvPr>
+          <p:cNvSpPr txBox="1"/>
+          <p:nvPr/>
+        </p:nvSpPr>
+        <p:spPr>
+          <a:xfrm>
+            <a:off x="925033" y="478869"/>
+            <a:ext cx="7293934" cy="4185761"/>
+          </a:xfrm>
+          <a:prstGeom prst="rect">
+            <a:avLst/>
+          </a:prstGeom>
+          <a:noFill/>
+        </p:spPr>
+        <p:txBody>
+          <a:bodyPr wrap="square" rtlCol="0">
+            <a:spAutoFit/>
+          </a:bodyPr>
+          <a:lstStyle/>
+          <a:p>
+            <a:pPr algn="l"/>
+            <a:r>
+              <a:rPr lang="en-US" sz="1400" b="1" dirty="0">
+                <a:solidFill>
+                  <a:schemeClr val="bg1"/>
+                </a:solidFill>
+              </a:rPr>
+              <a:t>Convolutional Neural Network (CNN):</a:t>
+            </a:r>
+            <a:endParaRPr lang="en-US" sz="1400" dirty="0">
+              <a:solidFill>
+                <a:schemeClr val="bg1"/>
+              </a:solidFill>
+            </a:endParaRPr>
+          </a:p>
+          <a:p>
+            <a:pPr marL="742950" lvl="1" indent="-285750" algn="l">
+              <a:buFont typeface="Arial" panose="020B0604020202020204" pitchFamily="34" charset="0"/>
+              <a:buChar char="•"/>
+            </a:pPr>
+            <a:r>
+              <a:rPr lang="en-US" sz="1400" dirty="0">
+                <a:solidFill>
+                  <a:schemeClr val="bg1"/>
+                </a:solidFill>
+              </a:rPr>
+              <a:t>Architecture: Includes convolutional layers, pooling layers, fully connected layers, and the output layer.</a:t>
+            </a:r>
+          </a:p>
+          <a:p>
+            <a:pPr marL="742950" lvl="1" indent="-285750" algn="l">
+              <a:buFont typeface="Arial" panose="020B0604020202020204" pitchFamily="34" charset="0"/>
+              <a:buChar char="•"/>
+            </a:pPr>
+            <a:r>
+              <a:rPr lang="en-US" sz="1400" dirty="0">
+                <a:solidFill>
+                  <a:schemeClr val="bg1"/>
+                </a:solidFill>
+              </a:rPr>
+              <a:t>Feature Extraction: Convolutional layers automatically extract features from images.</a:t>
+            </a:r>
+          </a:p>
+          <a:p>
+            <a:pPr marL="742950" lvl="1" indent="-285750" algn="l">
+              <a:buFont typeface="Arial" panose="020B0604020202020204" pitchFamily="34" charset="0"/>
+              <a:buChar char="•"/>
+            </a:pPr>
+            <a:r>
+              <a:rPr lang="en-US" sz="1400" dirty="0">
+                <a:solidFill>
+                  <a:schemeClr val="bg1"/>
+                </a:solidFill>
+              </a:rPr>
+              <a:t>Pooling: Reduces dimensionality and retains important information.</a:t>
+            </a:r>
+          </a:p>
+          <a:p>
+            <a:pPr marL="742950" lvl="1" indent="-285750" algn="l">
+              <a:buFont typeface="Arial" panose="020B0604020202020204" pitchFamily="34" charset="0"/>
+              <a:buChar char="•"/>
+            </a:pPr>
+            <a:r>
+              <a:rPr lang="en-US" sz="1400" dirty="0">
+                <a:solidFill>
+                  <a:schemeClr val="bg1"/>
+                </a:solidFill>
+              </a:rPr>
+              <a:t>Implementation: Developed using the same framework for consistency.</a:t>
+            </a:r>
+          </a:p>
+          <a:p>
+            <a:pPr marL="742950" lvl="1" indent="-285750" algn="l">
+              <a:buFont typeface="Arial" panose="020B0604020202020204" pitchFamily="34" charset="0"/>
+              <a:buChar char="•"/>
+            </a:pPr>
+            <a:endParaRPr lang="en-US" sz="1400" dirty="0">
+              <a:solidFill>
+                <a:schemeClr val="bg1"/>
+              </a:solidFill>
+            </a:endParaRPr>
+          </a:p>
+          <a:p>
+            <a:pPr marL="457200" lvl="1" algn="l"/>
+            <a:r>
+              <a:rPr lang="en-US" b="1" dirty="0" err="1">
+                <a:solidFill>
+                  <a:schemeClr val="bg1"/>
+                </a:solidFill>
+              </a:rPr>
+              <a:t>cnn</a:t>
+            </a:r>
+            <a:r>
+              <a:rPr lang="en-US" b="1" dirty="0">
+                <a:solidFill>
+                  <a:schemeClr val="bg1"/>
+                </a:solidFill>
+              </a:rPr>
+              <a:t> = </a:t>
+            </a:r>
+            <a:r>
+              <a:rPr lang="en-US" b="1" dirty="0" err="1">
+                <a:solidFill>
+                  <a:schemeClr val="bg1"/>
+                </a:solidFill>
+              </a:rPr>
+              <a:t>models.Sequential</a:t>
+            </a:r>
+            <a:r>
+              <a:rPr lang="en-US" b="1" dirty="0">
+                <a:solidFill>
+                  <a:schemeClr val="bg1"/>
+                </a:solidFill>
+              </a:rPr>
+              <a:t>([</a:t>
+            </a:r>
+          </a:p>
+          <a:p>
+            <a:pPr marL="457200" lvl="1" algn="l"/>
+            <a:r>
+              <a:rPr lang="en-US" b="1" dirty="0">
+                <a:solidFill>
+                  <a:schemeClr val="bg1"/>
+                </a:solidFill>
+              </a:rPr>
+              <a:t>    layers.Conv2D(filters=32, </a:t>
+            </a:r>
+            <a:r>
+              <a:rPr lang="en-US" b="1" dirty="0" err="1">
+                <a:solidFill>
+                  <a:schemeClr val="bg1"/>
+                </a:solidFill>
+              </a:rPr>
+              <a:t>kernel_size</a:t>
+            </a:r>
+            <a:r>
+              <a:rPr lang="en-US" b="1" dirty="0">
+                <a:solidFill>
+                  <a:schemeClr val="bg1"/>
+                </a:solidFill>
+              </a:rPr>
+              <a:t>=(3,3), activation='</a:t>
+            </a:r>
+            <a:r>
+              <a:rPr lang="en-US" b="1" dirty="0" err="1">
+                <a:solidFill>
+                  <a:schemeClr val="bg1"/>
+                </a:solidFill>
+              </a:rPr>
+              <a:t>relu</a:t>
+            </a:r>
+            <a:r>
+              <a:rPr lang="en-US" b="1" dirty="0">
+                <a:solidFill>
+                  <a:schemeClr val="bg1"/>
+                </a:solidFill>
+              </a:rPr>
+              <a:t>', </a:t>
+            </a:r>
+            <a:r>
+              <a:rPr lang="en-US" b="1" dirty="0" err="1">
+                <a:solidFill>
+                  <a:schemeClr val="bg1"/>
+                </a:solidFill>
+              </a:rPr>
+              <a:t>input_shape</a:t>
+            </a:r>
+            <a:r>
+              <a:rPr lang="en-US" b="1" dirty="0">
+                <a:solidFill>
+                  <a:schemeClr val="bg1"/>
+                </a:solidFill>
+              </a:rPr>
+              <a:t>=(32,32,3)),</a:t>
+            </a:r>
+          </a:p>
+          <a:p>
+            <a:pPr marL="457200" lvl="1" algn="l"/>
+            <a:r>
+              <a:rPr lang="en-US" b="1" dirty="0">
+                <a:solidFill>
+                  <a:schemeClr val="bg1"/>
+                </a:solidFill>
+              </a:rPr>
+              <a:t>    layers.MaxPooling2D((2,2)),</a:t>
+            </a:r>
+          </a:p>
+          <a:p>
+            <a:pPr marL="457200" lvl="1" algn="l"/>
+            <a:r>
+              <a:rPr lang="en-US" b="1" dirty="0">
+                <a:solidFill>
+                  <a:schemeClr val="bg1"/>
+                </a:solidFill>
+              </a:rPr>
+              <a:t>    layers.Conv2D(filters=64, </a:t>
+            </a:r>
+            <a:r>
+              <a:rPr lang="en-US" b="1" dirty="0" err="1">
+                <a:solidFill>
+                  <a:schemeClr val="bg1"/>
+                </a:solidFill>
+              </a:rPr>
+              <a:t>kernel_size</a:t>
+            </a:r>
+            <a:r>
+              <a:rPr lang="en-US" b="1" dirty="0">
+                <a:solidFill>
+                  <a:schemeClr val="bg1"/>
+                </a:solidFill>
+              </a:rPr>
+              <a:t>=(3,3), activation='</a:t>
+            </a:r>
+            <a:r>
+              <a:rPr lang="en-US" b="1" dirty="0" err="1">
+                <a:solidFill>
+                  <a:schemeClr val="bg1"/>
+                </a:solidFill>
+              </a:rPr>
+              <a:t>relu</a:t>
+            </a:r>
+            <a:r>
+              <a:rPr lang="en-US" b="1" dirty="0">
+                <a:solidFill>
+                  <a:schemeClr val="bg1"/>
+                </a:solidFill>
+              </a:rPr>
+              <a:t>'),</a:t>
+            </a:r>
+          </a:p>
+          <a:p>
+            <a:pPr marL="457200" lvl="1" algn="l"/>
+            <a:r>
+              <a:rPr lang="en-US" b="1" dirty="0">
+                <a:solidFill>
+                  <a:schemeClr val="bg1"/>
+                </a:solidFill>
+              </a:rPr>
+              <a:t>    layers.MaxPooling2D((2,2)),</a:t>
+            </a:r>
+          </a:p>
+          <a:p>
+            <a:pPr marL="457200" lvl="1" algn="l"/>
+            <a:r>
+              <a:rPr lang="en-US" b="1" dirty="0">
+                <a:solidFill>
+                  <a:schemeClr val="bg1"/>
+                </a:solidFill>
+              </a:rPr>
+              <a:t>    </a:t>
+            </a:r>
+            <a:r>
+              <a:rPr lang="en-US" b="1" dirty="0" err="1">
+                <a:solidFill>
+                  <a:schemeClr val="bg1"/>
+                </a:solidFill>
+              </a:rPr>
+              <a:t>layers.Flatten</a:t>
+            </a:r>
+            <a:r>
+              <a:rPr lang="en-US" b="1" dirty="0">
+                <a:solidFill>
+                  <a:schemeClr val="bg1"/>
+                </a:solidFill>
+              </a:rPr>
+              <a:t>(),</a:t>
+            </a:r>
+          </a:p>
+          <a:p>
+            <a:pPr marL="457200" lvl="1" algn="l"/>
+            <a:r>
+              <a:rPr lang="en-US" b="1" dirty="0">
+                <a:solidFill>
+                  <a:schemeClr val="bg1"/>
+                </a:solidFill>
+              </a:rPr>
+              <a:t>    </a:t>
+            </a:r>
+            <a:r>
+              <a:rPr lang="en-US" b="1" dirty="0" err="1">
+                <a:solidFill>
+                  <a:schemeClr val="bg1"/>
+                </a:solidFill>
+              </a:rPr>
+              <a:t>layers.Dense</a:t>
+            </a:r>
+            <a:r>
+              <a:rPr lang="en-US" b="1" dirty="0">
+                <a:solidFill>
+                  <a:schemeClr val="bg1"/>
+                </a:solidFill>
+              </a:rPr>
+              <a:t>(64, activation='</a:t>
+            </a:r>
+            <a:r>
+              <a:rPr lang="en-US" b="1" dirty="0" err="1">
+                <a:solidFill>
+                  <a:schemeClr val="bg1"/>
+                </a:solidFill>
+              </a:rPr>
+              <a:t>relu</a:t>
+            </a:r>
+            <a:r>
+              <a:rPr lang="en-US" b="1" dirty="0">
+                <a:solidFill>
+                  <a:schemeClr val="bg1"/>
+                </a:solidFill>
+              </a:rPr>
+              <a:t>'),</a:t>
+            </a:r>
+          </a:p>
+          <a:p>
+            <a:pPr marL="457200" lvl="1" algn="l"/>
+            <a:r>
+              <a:rPr lang="en-US" b="1" dirty="0">
+                <a:solidFill>
+                  <a:schemeClr val="bg1"/>
+                </a:solidFill>
+              </a:rPr>
+              <a:t>    </a:t>
+            </a:r>
+            <a:r>
+              <a:rPr lang="en-US" b="1" dirty="0" err="1">
+                <a:solidFill>
+                  <a:schemeClr val="bg1"/>
+                </a:solidFill>
+              </a:rPr>
+              <a:t>layers.Dense</a:t>
+            </a:r>
+            <a:r>
+              <a:rPr lang="en-US" b="1" dirty="0">
+                <a:solidFill>
+                  <a:schemeClr val="bg1"/>
+                </a:solidFill>
+              </a:rPr>
+              <a:t>(10, activation='</a:t>
+            </a:r>
+            <a:r>
+              <a:rPr lang="en-US" b="1" dirty="0" err="1">
+                <a:solidFill>
+                  <a:schemeClr val="bg1"/>
+                </a:solidFill>
+              </a:rPr>
+              <a:t>softmax</a:t>
+            </a:r>
+            <a:r>
+              <a:rPr lang="en-US" b="1" dirty="0">
+                <a:solidFill>
+                  <a:schemeClr val="bg1"/>
+                </a:solidFill>
+              </a:rPr>
+              <a:t>')</a:t>
+            </a:r>
+          </a:p>
+          <a:p>
+            <a:pPr marL="457200" lvl="1" algn="l"/>
+            <a:r>
+              <a:rPr lang="en-US" b="1" dirty="0">
+                <a:solidFill>
+                  <a:schemeClr val="bg1"/>
+                </a:solidFill>
+              </a:rPr>
+              <a:t>])</a:t>
+            </a:r>
+          </a:p>
+          <a:p>
+            <a:endParaRPr lang="en-US" dirty="0"/>
+          </a:p>
+        </p:txBody>
+      </p:sp>
+    </p:spTree>
+    <p:extLst>
+      <p:ext uri="{BB962C8B-B14F-4D97-AF65-F5344CB8AC3E}">
+        <p14:creationId xmlns:p14="http://schemas.microsoft.com/office/powerpoint/2010/main" val="2146554317"/>
+      </p:ext>
+    </p:extLst>
+  </p:cSld>
+  <p:clrMapOvr>
+    <a:masterClrMapping/>
+  </p:clrMapOvr>
+</p:sld>
+</file>
+
+<file path=ppt/slides/slide8.xml><?xml version="1.0" encoding="utf-8"?>
 <p:sld xmlns:a="http://schemas.openxmlformats.org/drawingml/2006/main" xmlns:r="http://schemas.openxmlformats.org/officeDocument/2006/relationships" xmlns:p="http://schemas.openxmlformats.org/presentationml/2006/main">
   <p:cSld>
     <p:spTree>
@@ -18698,10 +19480,10 @@
       </p:grpSpPr>
       <p:sp>
         <p:nvSpPr>
-          <p:cNvPr id="2" name="Google Shape;1419;p62">
+          <p:cNvPr id="3" name="Google Shape;1419;p62">
             <a:extLst>
               <a:ext uri="{FF2B5EF4-FFF2-40B4-BE49-F238E27FC236}">
-                <a16:creationId xmlns:a16="http://schemas.microsoft.com/office/drawing/2014/main" id="{65252E9F-CE96-5236-295E-11B4371D5A24}"/>
+                <a16:creationId xmlns:a16="http://schemas.microsoft.com/office/drawing/2014/main" id="{1B5C8390-B087-452A-3127-99F03DCD72AB}"/>
               </a:ext>
             </a:extLst>
           </p:cNvPr>
@@ -18712,8 +19494,8 @@
         </p:nvSpPr>
         <p:spPr>
           <a:xfrm>
-            <a:off x="3289952" y="627023"/>
-            <a:ext cx="2564094" cy="482400"/>
+            <a:off x="1104802" y="291066"/>
+            <a:ext cx="6934396" cy="4561367"/>
           </a:xfrm>
           <a:prstGeom prst="rect">
             <a:avLst/>
@@ -18975,319 +19757,14 @@
             </a:lvl9pPr>
           </a:lstStyle>
           <a:p>
-            <a:pPr>
-              <a:buClr>
-                <a:srgbClr val="000000"/>
-              </a:buClr>
-              <a:buSzPts val="1100"/>
-              <a:buFont typeface="Arial"/>
-              <a:buNone/>
-            </a:pPr>
-            <a:r>
-              <a:rPr lang="en-US" b="1" dirty="0">
-                <a:solidFill>
-                  <a:schemeClr val="accent5">
-                    <a:lumMod val="75000"/>
-                  </a:schemeClr>
-                </a:solidFill>
-                <a:latin typeface="Arial"/>
-                <a:ea typeface="Arial"/>
-                <a:cs typeface="Arial"/>
-                <a:sym typeface="Arial"/>
-              </a:rPr>
-              <a:t>HOW IT WORKS</a:t>
-            </a:r>
-          </a:p>
-        </p:txBody>
-      </p:sp>
-      <p:sp>
-        <p:nvSpPr>
-          <p:cNvPr id="3" name="Google Shape;1419;p62">
-            <a:extLst>
-              <a:ext uri="{FF2B5EF4-FFF2-40B4-BE49-F238E27FC236}">
-                <a16:creationId xmlns:a16="http://schemas.microsoft.com/office/drawing/2014/main" id="{1B5C8390-B087-452A-3127-99F03DCD72AB}"/>
-              </a:ext>
-            </a:extLst>
-          </p:cNvPr>
-          <p:cNvSpPr txBox="1">
-            <a:spLocks/>
-          </p:cNvSpPr>
-          <p:nvPr/>
-        </p:nvSpPr>
-        <p:spPr>
-          <a:xfrm>
-            <a:off x="423333" y="1109423"/>
-            <a:ext cx="8297333" cy="3882773"/>
-          </a:xfrm>
-          <a:prstGeom prst="rect">
-            <a:avLst/>
-          </a:prstGeom>
-          <a:noFill/>
-          <a:ln>
-            <a:noFill/>
-          </a:ln>
-        </p:spPr>
-        <p:txBody>
-          <a:bodyPr spcFirstLastPara="1" wrap="square" lIns="91425" tIns="91425" rIns="91425" bIns="91425" anchor="t" anchorCtr="0">
-            <a:noAutofit/>
-          </a:bodyPr>
-          <a:lstStyle>
-            <a:defPPr marR="0" lvl="0" algn="l" rtl="0">
-              <a:lnSpc>
-                <a:spcPct val="100000"/>
-              </a:lnSpc>
-              <a:spcBef>
-                <a:spcPts val="0"/>
-              </a:spcBef>
-              <a:spcAft>
-                <a:spcPts val="0"/>
-              </a:spcAft>
-            </a:defPPr>
-            <a:lvl1pPr marR="0" lvl="0" algn="ctr" rtl="0">
-              <a:lnSpc>
-                <a:spcPct val="100000"/>
-              </a:lnSpc>
-              <a:spcBef>
-                <a:spcPts val="0"/>
-              </a:spcBef>
-              <a:spcAft>
-                <a:spcPts val="0"/>
-              </a:spcAft>
-              <a:buClr>
-                <a:srgbClr val="FFFFFF"/>
-              </a:buClr>
-              <a:buSzPts val="2400"/>
-              <a:buFont typeface="Proxima Nova Semibold"/>
-              <a:buNone/>
-              <a:defRPr sz="2400" b="0" i="0" u="none" strike="noStrike" cap="none">
-                <a:solidFill>
-                  <a:srgbClr val="FFFFFF"/>
-                </a:solidFill>
-                <a:latin typeface="Proxima Nova Semibold"/>
-                <a:ea typeface="Proxima Nova Semibold"/>
-                <a:cs typeface="Proxima Nova Semibold"/>
-                <a:sym typeface="Proxima Nova Semibold"/>
-              </a:defRPr>
-            </a:lvl1pPr>
-            <a:lvl2pPr marR="0" lvl="1" algn="ctr" rtl="0">
-              <a:lnSpc>
-                <a:spcPct val="100000"/>
-              </a:lnSpc>
-              <a:spcBef>
-                <a:spcPts val="0"/>
-              </a:spcBef>
-              <a:spcAft>
-                <a:spcPts val="0"/>
-              </a:spcAft>
-              <a:buClr>
-                <a:srgbClr val="FFFFFF"/>
-              </a:buClr>
-              <a:buSzPts val="2400"/>
-              <a:buFont typeface="Proxima Nova Semibold"/>
-              <a:buNone/>
-              <a:defRPr sz="2400" b="0" i="0" u="none" strike="noStrike" cap="none">
-                <a:solidFill>
-                  <a:srgbClr val="FFFFFF"/>
-                </a:solidFill>
-                <a:latin typeface="Proxima Nova Semibold"/>
-                <a:ea typeface="Proxima Nova Semibold"/>
-                <a:cs typeface="Proxima Nova Semibold"/>
-                <a:sym typeface="Proxima Nova Semibold"/>
-              </a:defRPr>
-            </a:lvl2pPr>
-            <a:lvl3pPr marR="0" lvl="2" algn="ctr" rtl="0">
-              <a:lnSpc>
-                <a:spcPct val="100000"/>
-              </a:lnSpc>
-              <a:spcBef>
-                <a:spcPts val="0"/>
-              </a:spcBef>
-              <a:spcAft>
-                <a:spcPts val="0"/>
-              </a:spcAft>
-              <a:buClr>
-                <a:srgbClr val="FFFFFF"/>
-              </a:buClr>
-              <a:buSzPts val="2400"/>
-              <a:buFont typeface="Proxima Nova Semibold"/>
-              <a:buNone/>
-              <a:defRPr sz="2400" b="0" i="0" u="none" strike="noStrike" cap="none">
-                <a:solidFill>
-                  <a:srgbClr val="FFFFFF"/>
-                </a:solidFill>
-                <a:latin typeface="Proxima Nova Semibold"/>
-                <a:ea typeface="Proxima Nova Semibold"/>
-                <a:cs typeface="Proxima Nova Semibold"/>
-                <a:sym typeface="Proxima Nova Semibold"/>
-              </a:defRPr>
-            </a:lvl3pPr>
-            <a:lvl4pPr marR="0" lvl="3" algn="ctr" rtl="0">
-              <a:lnSpc>
-                <a:spcPct val="100000"/>
-              </a:lnSpc>
-              <a:spcBef>
-                <a:spcPts val="0"/>
-              </a:spcBef>
-              <a:spcAft>
-                <a:spcPts val="0"/>
-              </a:spcAft>
-              <a:buClr>
-                <a:srgbClr val="FFFFFF"/>
-              </a:buClr>
-              <a:buSzPts val="2400"/>
-              <a:buFont typeface="Proxima Nova Semibold"/>
-              <a:buNone/>
-              <a:defRPr sz="2400" b="0" i="0" u="none" strike="noStrike" cap="none">
-                <a:solidFill>
-                  <a:srgbClr val="FFFFFF"/>
-                </a:solidFill>
-                <a:latin typeface="Proxima Nova Semibold"/>
-                <a:ea typeface="Proxima Nova Semibold"/>
-                <a:cs typeface="Proxima Nova Semibold"/>
-                <a:sym typeface="Proxima Nova Semibold"/>
-              </a:defRPr>
-            </a:lvl4pPr>
-            <a:lvl5pPr marR="0" lvl="4" algn="ctr" rtl="0">
-              <a:lnSpc>
-                <a:spcPct val="100000"/>
-              </a:lnSpc>
-              <a:spcBef>
-                <a:spcPts val="0"/>
-              </a:spcBef>
-              <a:spcAft>
-                <a:spcPts val="0"/>
-              </a:spcAft>
-              <a:buClr>
-                <a:srgbClr val="FFFFFF"/>
-              </a:buClr>
-              <a:buSzPts val="2400"/>
-              <a:buFont typeface="Proxima Nova Semibold"/>
-              <a:buNone/>
-              <a:defRPr sz="2400" b="0" i="0" u="none" strike="noStrike" cap="none">
-                <a:solidFill>
-                  <a:srgbClr val="FFFFFF"/>
-                </a:solidFill>
-                <a:latin typeface="Proxima Nova Semibold"/>
-                <a:ea typeface="Proxima Nova Semibold"/>
-                <a:cs typeface="Proxima Nova Semibold"/>
-                <a:sym typeface="Proxima Nova Semibold"/>
-              </a:defRPr>
-            </a:lvl5pPr>
-            <a:lvl6pPr marR="0" lvl="5" algn="ctr" rtl="0">
-              <a:lnSpc>
-                <a:spcPct val="100000"/>
-              </a:lnSpc>
-              <a:spcBef>
-                <a:spcPts val="0"/>
-              </a:spcBef>
-              <a:spcAft>
-                <a:spcPts val="0"/>
-              </a:spcAft>
-              <a:buClr>
-                <a:srgbClr val="FFFFFF"/>
-              </a:buClr>
-              <a:buSzPts val="2400"/>
-              <a:buFont typeface="Proxima Nova Semibold"/>
-              <a:buNone/>
-              <a:defRPr sz="2400" b="0" i="0" u="none" strike="noStrike" cap="none">
-                <a:solidFill>
-                  <a:srgbClr val="FFFFFF"/>
-                </a:solidFill>
-                <a:latin typeface="Proxima Nova Semibold"/>
-                <a:ea typeface="Proxima Nova Semibold"/>
-                <a:cs typeface="Proxima Nova Semibold"/>
-                <a:sym typeface="Proxima Nova Semibold"/>
-              </a:defRPr>
-            </a:lvl6pPr>
-            <a:lvl7pPr marR="0" lvl="6" algn="ctr" rtl="0">
-              <a:lnSpc>
-                <a:spcPct val="100000"/>
-              </a:lnSpc>
-              <a:spcBef>
-                <a:spcPts val="0"/>
-              </a:spcBef>
-              <a:spcAft>
-                <a:spcPts val="0"/>
-              </a:spcAft>
-              <a:buClr>
-                <a:srgbClr val="FFFFFF"/>
-              </a:buClr>
-              <a:buSzPts val="2400"/>
-              <a:buFont typeface="Proxima Nova Semibold"/>
-              <a:buNone/>
-              <a:defRPr sz="2400" b="0" i="0" u="none" strike="noStrike" cap="none">
-                <a:solidFill>
-                  <a:srgbClr val="FFFFFF"/>
-                </a:solidFill>
-                <a:latin typeface="Proxima Nova Semibold"/>
-                <a:ea typeface="Proxima Nova Semibold"/>
-                <a:cs typeface="Proxima Nova Semibold"/>
-                <a:sym typeface="Proxima Nova Semibold"/>
-              </a:defRPr>
-            </a:lvl7pPr>
-            <a:lvl8pPr marR="0" lvl="7" algn="ctr" rtl="0">
-              <a:lnSpc>
-                <a:spcPct val="100000"/>
-              </a:lnSpc>
-              <a:spcBef>
-                <a:spcPts val="0"/>
-              </a:spcBef>
-              <a:spcAft>
-                <a:spcPts val="0"/>
-              </a:spcAft>
-              <a:buClr>
-                <a:srgbClr val="FFFFFF"/>
-              </a:buClr>
-              <a:buSzPts val="2400"/>
-              <a:buFont typeface="Proxima Nova Semibold"/>
-              <a:buNone/>
-              <a:defRPr sz="2400" b="0" i="0" u="none" strike="noStrike" cap="none">
-                <a:solidFill>
-                  <a:srgbClr val="FFFFFF"/>
-                </a:solidFill>
-                <a:latin typeface="Proxima Nova Semibold"/>
-                <a:ea typeface="Proxima Nova Semibold"/>
-                <a:cs typeface="Proxima Nova Semibold"/>
-                <a:sym typeface="Proxima Nova Semibold"/>
-              </a:defRPr>
-            </a:lvl8pPr>
-            <a:lvl9pPr marR="0" lvl="8" algn="ctr" rtl="0">
-              <a:lnSpc>
-                <a:spcPct val="100000"/>
-              </a:lnSpc>
-              <a:spcBef>
-                <a:spcPts val="0"/>
-              </a:spcBef>
-              <a:spcAft>
-                <a:spcPts val="0"/>
-              </a:spcAft>
-              <a:buClr>
-                <a:srgbClr val="FFFFFF"/>
-              </a:buClr>
-              <a:buSzPts val="2400"/>
-              <a:buFont typeface="Proxima Nova Semibold"/>
-              <a:buNone/>
-              <a:defRPr sz="2400" b="0" i="0" u="none" strike="noStrike" cap="none">
-                <a:solidFill>
-                  <a:srgbClr val="FFFFFF"/>
-                </a:solidFill>
-                <a:latin typeface="Proxima Nova Semibold"/>
-                <a:ea typeface="Proxima Nova Semibold"/>
-                <a:cs typeface="Proxima Nova Semibold"/>
-                <a:sym typeface="Proxima Nova Semibold"/>
-              </a:defRPr>
-            </a:lvl9pPr>
-          </a:lstStyle>
-          <a:p>
-            <a:pPr algn="l"/>
-            <a:r>
-              <a:rPr lang="en-US" sz="1800" b="1" dirty="0"/>
+            <a:r>
+              <a:rPr lang="en-US" sz="2000" b="1" dirty="0"/>
               <a:t>Training the Models</a:t>
             </a:r>
           </a:p>
           <a:p>
             <a:pPr algn="l"/>
-            <a:endParaRPr lang="en-US" sz="1800" b="1" dirty="0"/>
+            <a:endParaRPr lang="en-US" sz="2000" b="1" dirty="0"/>
           </a:p>
           <a:p>
             <a:pPr marL="0" marR="0" lvl="0" indent="0" algn="l" defTabSz="914400" rtl="0" eaLnBrk="0" fontAlgn="base" latinLnBrk="0" hangingPunct="0">
@@ -19305,6 +19782,132 @@
               <a:tabLst/>
             </a:pPr>
             <a:r>
+              <a:rPr kumimoji="0" lang="en-US" altLang="en-US" sz="1600" b="1" i="0" u="none" strike="noStrike" cap="none" normalizeH="0" baseline="0" dirty="0">
+                <a:ln>
+                  <a:noFill/>
+                </a:ln>
+                <a:solidFill>
+                  <a:schemeClr val="bg1"/>
+                </a:solidFill>
+                <a:effectLst/>
+                <a:latin typeface="Arial" panose="020B0604020202020204" pitchFamily="34" charset="0"/>
+              </a:rPr>
+              <a:t>Training Process:</a:t>
+            </a:r>
+          </a:p>
+          <a:p>
+            <a:pPr marL="0" marR="0" lvl="0" indent="0" algn="l" defTabSz="914400" rtl="0" eaLnBrk="0" fontAlgn="base" latinLnBrk="0" hangingPunct="0">
+              <a:lnSpc>
+                <a:spcPct val="100000"/>
+              </a:lnSpc>
+              <a:spcBef>
+                <a:spcPct val="0"/>
+              </a:spcBef>
+              <a:spcAft>
+                <a:spcPct val="0"/>
+              </a:spcAft>
+              <a:buClrTx/>
+              <a:buSzTx/>
+              <a:tabLst/>
+            </a:pPr>
+            <a:r>
+              <a:rPr kumimoji="0" lang="en-US" altLang="en-US" sz="1600" i="0" u="none" strike="noStrike" cap="none" normalizeH="0" baseline="0" dirty="0">
+                <a:ln>
+                  <a:noFill/>
+                </a:ln>
+                <a:solidFill>
+                  <a:schemeClr val="bg1"/>
+                </a:solidFill>
+                <a:effectLst/>
+                <a:latin typeface="Arial" panose="020B0604020202020204" pitchFamily="34" charset="0"/>
+              </a:rPr>
+              <a:t>For both models, the training data is fed into the networks.</a:t>
+            </a:r>
+          </a:p>
+          <a:p>
+            <a:pPr marL="0" marR="0" lvl="0" indent="0" algn="l" defTabSz="914400" rtl="0" eaLnBrk="0" fontAlgn="base" latinLnBrk="0" hangingPunct="0">
+              <a:lnSpc>
+                <a:spcPct val="100000"/>
+              </a:lnSpc>
+              <a:spcBef>
+                <a:spcPct val="0"/>
+              </a:spcBef>
+              <a:spcAft>
+                <a:spcPct val="0"/>
+              </a:spcAft>
+              <a:buClrTx/>
+              <a:buSzTx/>
+              <a:tabLst/>
+            </a:pPr>
+            <a:r>
+              <a:rPr kumimoji="0" lang="en-US" altLang="en-US" sz="1600" i="0" u="none" strike="noStrike" cap="none" normalizeH="0" baseline="0" dirty="0">
+                <a:ln>
+                  <a:noFill/>
+                </a:ln>
+                <a:solidFill>
+                  <a:schemeClr val="bg1"/>
+                </a:solidFill>
+                <a:effectLst/>
+                <a:latin typeface="Arial" panose="020B0604020202020204" pitchFamily="34" charset="0"/>
+              </a:rPr>
+              <a:t>ANN is trained using Stochastic Gradient Descent (SGD) optimizer.</a:t>
+            </a:r>
+          </a:p>
+          <a:p>
+            <a:pPr marL="0" marR="0" lvl="0" indent="0" algn="l" defTabSz="914400" rtl="0" eaLnBrk="0" fontAlgn="base" latinLnBrk="0" hangingPunct="0">
+              <a:lnSpc>
+                <a:spcPct val="100000"/>
+              </a:lnSpc>
+              <a:spcBef>
+                <a:spcPct val="0"/>
+              </a:spcBef>
+              <a:spcAft>
+                <a:spcPct val="0"/>
+              </a:spcAft>
+              <a:buClrTx/>
+              <a:buSzTx/>
+              <a:tabLst/>
+            </a:pPr>
+            <a:endParaRPr kumimoji="0" lang="en-US" altLang="en-US" sz="1600" i="0" u="none" strike="noStrike" cap="none" normalizeH="0" baseline="0" dirty="0">
+              <a:ln>
+                <a:noFill/>
+              </a:ln>
+              <a:solidFill>
+                <a:schemeClr val="bg1"/>
+              </a:solidFill>
+              <a:effectLst/>
+              <a:latin typeface="Arial" panose="020B0604020202020204" pitchFamily="34" charset="0"/>
+            </a:endParaRPr>
+          </a:p>
+          <a:p>
+            <a:pPr marL="0" marR="0" lvl="0" indent="0" algn="l" defTabSz="914400" rtl="0" eaLnBrk="0" fontAlgn="base" latinLnBrk="0" hangingPunct="0">
+              <a:lnSpc>
+                <a:spcPct val="100000"/>
+              </a:lnSpc>
+              <a:spcBef>
+                <a:spcPct val="0"/>
+              </a:spcBef>
+              <a:spcAft>
+                <a:spcPct val="0"/>
+              </a:spcAft>
+              <a:buClrTx/>
+              <a:buSzTx/>
+              <a:tabLst/>
+            </a:pPr>
+            <a:r>
+              <a:rPr kumimoji="0" lang="en-US" altLang="en-US" sz="1400" b="1" i="0" u="none" strike="noStrike" cap="none" normalizeH="0" baseline="0" dirty="0" err="1">
+                <a:ln>
+                  <a:noFill/>
+                </a:ln>
+                <a:solidFill>
+                  <a:schemeClr val="bg1"/>
+                </a:solidFill>
+                <a:effectLst/>
+                <a:latin typeface="Arial" panose="020B0604020202020204" pitchFamily="34" charset="0"/>
+              </a:rPr>
+              <a:t>ann.compile</a:t>
+            </a:r>
+            <a:r>
               <a:rPr kumimoji="0" lang="en-US" altLang="en-US" sz="1400" b="1" i="0" u="none" strike="noStrike" cap="none" normalizeH="0" baseline="0" dirty="0">
                 <a:ln>
                   <a:noFill/>
@@ -19315,7 +19918,7 @@
                 <a:effectLst/>
                 <a:latin typeface="Arial" panose="020B0604020202020204" pitchFamily="34" charset="0"/>
               </a:rPr>
-              <a:t>Training Process:</a:t>
+              <a:t>(optimizer='SGD', </a:t>
             </a:r>
           </a:p>
           <a:p>
@@ -19334,7 +19937,7 @@
               <a:tabLst/>
             </a:pPr>
             <a:r>
-              <a:rPr kumimoji="0" lang="en-US" altLang="en-US" sz="1400" i="0" u="none" strike="noStrike" cap="none" normalizeH="0" baseline="0" dirty="0">
+              <a:rPr kumimoji="0" lang="en-US" altLang="en-US" sz="1400" b="1" i="0" u="none" strike="noStrike" cap="none" normalizeH="0" baseline="0" dirty="0">
                 <a:ln>
                   <a:noFill/>
                 </a:ln>
@@ -19344,7 +19947,33 @@
                 <a:effectLst/>
                 <a:latin typeface="Arial" panose="020B0604020202020204" pitchFamily="34" charset="0"/>
               </a:rPr>
-              <a:t>For both models, the training data is fed into the networks.</a:t>
+              <a:t>            loss='</a:t>
+            </a:r>
+            <a:r>
+              <a:rPr kumimoji="0" lang="en-US" altLang="en-US" sz="1400" b="1" i="0" u="none" strike="noStrike" cap="none" normalizeH="0" baseline="0" dirty="0" err="1">
+                <a:ln>
+                  <a:noFill/>
+                </a:ln>
+                <a:solidFill>
+                  <a:schemeClr val="bg1"/>
+                </a:solidFill>
+                <a:effectLst/>
+                <a:latin typeface="Arial" panose="020B0604020202020204" pitchFamily="34" charset="0"/>
+              </a:rPr>
+              <a:t>sparse_categorical_crossentropy</a:t>
+            </a:r>
+            <a:r>
+              <a:rPr kumimoji="0" lang="en-US" altLang="en-US" sz="1400" b="1" i="0" u="none" strike="noStrike" cap="none" normalizeH="0" baseline="0" dirty="0">
+                <a:ln>
+                  <a:noFill/>
+                </a:ln>
+                <a:solidFill>
+                  <a:schemeClr val="bg1"/>
+                </a:solidFill>
+                <a:effectLst/>
+                <a:latin typeface="Arial" panose="020B0604020202020204" pitchFamily="34" charset="0"/>
+              </a:rPr>
+              <a:t>',</a:t>
             </a:r>
           </a:p>
           <a:p>
@@ -19363,7 +19992,7 @@
               <a:tabLst/>
             </a:pPr>
             <a:r>
-              <a:rPr kumimoji="0" lang="en-US" altLang="en-US" sz="1400" i="0" u="none" strike="noStrike" cap="none" normalizeH="0" baseline="0" dirty="0">
+              <a:rPr kumimoji="0" lang="en-US" altLang="en-US" sz="1400" b="1" i="0" u="none" strike="noStrike" cap="none" normalizeH="0" baseline="0" dirty="0">
                 <a:ln>
                   <a:noFill/>
                 </a:ln>
@@ -19373,7 +20002,7 @@
                 <a:effectLst/>
                 <a:latin typeface="Arial" panose="020B0604020202020204" pitchFamily="34" charset="0"/>
               </a:rPr>
-              <a:t>ANN is trained using Stochastic Gradient Descent (SGD) optimizer.</a:t>
+              <a:t>            metrics=['accuracy'])</a:t>
             </a:r>
           </a:p>
           <a:p>
@@ -19392,7 +20021,7 @@
               <a:tabLst/>
             </a:pPr>
             <a:r>
-              <a:rPr kumimoji="0" lang="en-US" altLang="en-US" sz="1400" i="0" u="none" strike="noStrike" cap="none" normalizeH="0" baseline="0" dirty="0">
+              <a:rPr kumimoji="0" lang="en-US" altLang="en-US" sz="1400" b="1" i="0" u="none" strike="noStrike" cap="none" normalizeH="0" baseline="0" dirty="0" err="1">
                 <a:ln>
                   <a:noFill/>
                 </a:ln>
@@ -19402,7 +20031,72 @@
                 <a:effectLst/>
                 <a:latin typeface="Arial" panose="020B0604020202020204" pitchFamily="34" charset="0"/>
               </a:rPr>
-              <a:t>CNN is trained using Adam optimizer.</a:t>
+              <a:t>ann.fit</a:t>
+            </a:r>
+            <a:r>
+              <a:rPr kumimoji="0" lang="en-US" altLang="en-US" sz="1400" b="1" i="0" u="none" strike="noStrike" cap="none" normalizeH="0" baseline="0" dirty="0">
+                <a:ln>
+                  <a:noFill/>
+                </a:ln>
+                <a:solidFill>
+                  <a:schemeClr val="bg1"/>
+                </a:solidFill>
+                <a:effectLst/>
+                <a:latin typeface="Arial" panose="020B0604020202020204" pitchFamily="34" charset="0"/>
+              </a:rPr>
+              <a:t>(</a:t>
+            </a:r>
+            <a:r>
+              <a:rPr kumimoji="0" lang="en-US" altLang="en-US" sz="1400" b="1" i="0" u="none" strike="noStrike" cap="none" normalizeH="0" baseline="0" dirty="0" err="1">
+                <a:ln>
+                  <a:noFill/>
+                </a:ln>
+                <a:solidFill>
+                  <a:schemeClr val="bg1"/>
+                </a:solidFill>
+                <a:effectLst/>
+                <a:latin typeface="Arial" panose="020B0604020202020204" pitchFamily="34" charset="0"/>
+              </a:rPr>
+              <a:t>x_train</a:t>
+            </a:r>
+            <a:r>
+              <a:rPr kumimoji="0" lang="en-US" altLang="en-US" sz="1400" b="1" i="0" u="none" strike="noStrike" cap="none" normalizeH="0" baseline="0" dirty="0">
+                <a:ln>
+                  <a:noFill/>
+                </a:ln>
+                <a:solidFill>
+                  <a:schemeClr val="bg1"/>
+                </a:solidFill>
+                <a:effectLst/>
+                <a:latin typeface="Arial" panose="020B0604020202020204" pitchFamily="34" charset="0"/>
+              </a:rPr>
+              <a:t>, </a:t>
+            </a:r>
+            <a:r>
+              <a:rPr kumimoji="0" lang="en-US" altLang="en-US" sz="1400" b="1" i="0" u="none" strike="noStrike" cap="none" normalizeH="0" baseline="0" dirty="0" err="1">
+                <a:ln>
+                  <a:noFill/>
+                </a:ln>
+                <a:solidFill>
+                  <a:schemeClr val="bg1"/>
+                </a:solidFill>
+                <a:effectLst/>
+                <a:latin typeface="Arial" panose="020B0604020202020204" pitchFamily="34" charset="0"/>
+              </a:rPr>
+              <a:t>y_train</a:t>
+            </a:r>
+            <a:r>
+              <a:rPr kumimoji="0" lang="en-US" altLang="en-US" sz="1400" b="1" i="0" u="none" strike="noStrike" cap="none" normalizeH="0" baseline="0" dirty="0">
+                <a:ln>
+                  <a:noFill/>
+                </a:ln>
+                <a:solidFill>
+                  <a:schemeClr val="bg1"/>
+                </a:solidFill>
+                <a:effectLst/>
+                <a:latin typeface="Arial" panose="020B0604020202020204" pitchFamily="34" charset="0"/>
+              </a:rPr>
+              <a:t>, epochs=5)</a:t>
             </a:r>
           </a:p>
           <a:p>
@@ -19420,19 +20114,16 @@
               <a:buSzTx/>
               <a:tabLst/>
             </a:pPr>
-            <a:r>
-              <a:rPr kumimoji="0" lang="en-US" altLang="en-US" sz="1400" i="0" u="none" strike="noStrike" cap="none" normalizeH="0" baseline="0" dirty="0">
-                <a:ln>
-                  <a:noFill/>
-                </a:ln>
-                <a:solidFill>
-                  <a:schemeClr val="bg1"/>
-                </a:solidFill>
-                <a:effectLst/>
-                <a:latin typeface="Arial" panose="020B0604020202020204" pitchFamily="34" charset="0"/>
-              </a:rPr>
-              <a:t>Both models use sparse categorical cross-entropy as the loss function.</a:t>
-            </a:r>
+            <a:endParaRPr kumimoji="0" lang="en-US" altLang="en-US" sz="1400" b="1" i="0" u="none" strike="noStrike" cap="none" normalizeH="0" baseline="0" dirty="0">
+              <a:ln>
+                <a:noFill/>
+              </a:ln>
+              <a:solidFill>
+                <a:schemeClr val="bg1"/>
+              </a:solidFill>
+              <a:effectLst/>
+              <a:latin typeface="Arial" panose="020B0604020202020204" pitchFamily="34" charset="0"/>
+            </a:endParaRPr>
           </a:p>
           <a:p>
             <a:pPr marL="0" marR="0" lvl="0" indent="0" algn="l" defTabSz="914400" rtl="0" eaLnBrk="0" fontAlgn="base" latinLnBrk="0" hangingPunct="0">
@@ -19450,7 +20141,7 @@
               <a:tabLst/>
             </a:pPr>
             <a:r>
-              <a:rPr kumimoji="0" lang="en-US" altLang="en-US" sz="1400" i="0" u="none" strike="noStrike" cap="none" normalizeH="0" baseline="0" dirty="0">
+              <a:rPr kumimoji="0" lang="en-US" altLang="en-US" sz="1600" i="0" u="none" strike="noStrike" cap="none" normalizeH="0" baseline="0" dirty="0">
                 <a:ln>
                   <a:noFill/>
                 </a:ln>
@@ -19460,86 +20151,337 @@
                 <a:effectLst/>
                 <a:latin typeface="Arial" panose="020B0604020202020204" pitchFamily="34" charset="0"/>
               </a:rPr>
-              <a:t>Training is performed over multiple epochs (5 for ANN and 10 for CNN).</a:t>
+              <a:t>CNN is trained using Adam optimizer.</a:t>
             </a:r>
           </a:p>
           <a:p>
-            <a:pPr algn="l"/>
-            <a:r>
-              <a:rPr lang="en-US" sz="1600" b="1" dirty="0"/>
-              <a:t>Model Evaluation</a:t>
+            <a:pPr marL="0" marR="0" lvl="0" indent="0" algn="l" defTabSz="914400" rtl="0" eaLnBrk="0" fontAlgn="base" latinLnBrk="0" hangingPunct="0">
+              <a:lnSpc>
+                <a:spcPct val="100000"/>
+              </a:lnSpc>
+              <a:spcBef>
+                <a:spcPct val="0"/>
+              </a:spcBef>
+              <a:spcAft>
+                <a:spcPct val="0"/>
+              </a:spcAft>
+              <a:buClrTx/>
+              <a:buSzTx/>
+              <a:tabLst/>
+            </a:pPr>
+            <a:r>
+              <a:rPr kumimoji="0" lang="en-US" altLang="en-US" sz="1400" b="1" i="0" u="none" strike="noStrike" cap="none" normalizeH="0" baseline="0" dirty="0" err="1">
+                <a:ln>
+                  <a:noFill/>
+                </a:ln>
+                <a:solidFill>
+                  <a:schemeClr val="bg1"/>
+                </a:solidFill>
+                <a:effectLst/>
+                <a:latin typeface="Arial" panose="020B0604020202020204" pitchFamily="34" charset="0"/>
+              </a:rPr>
+              <a:t>cnn.compile</a:t>
+            </a:r>
+            <a:r>
+              <a:rPr kumimoji="0" lang="en-US" altLang="en-US" sz="1400" b="1" i="0" u="none" strike="noStrike" cap="none" normalizeH="0" baseline="0" dirty="0">
+                <a:ln>
+                  <a:noFill/>
+                </a:ln>
+                <a:solidFill>
+                  <a:schemeClr val="bg1"/>
+                </a:solidFill>
+                <a:effectLst/>
+                <a:latin typeface="Arial" panose="020B0604020202020204" pitchFamily="34" charset="0"/>
+              </a:rPr>
+              <a:t>(optimizer='</a:t>
+            </a:r>
+            <a:r>
+              <a:rPr kumimoji="0" lang="en-US" altLang="en-US" sz="1400" b="1" i="0" u="none" strike="noStrike" cap="none" normalizeH="0" baseline="0" dirty="0" err="1">
+                <a:ln>
+                  <a:noFill/>
+                </a:ln>
+                <a:solidFill>
+                  <a:schemeClr val="bg1"/>
+                </a:solidFill>
+                <a:effectLst/>
+                <a:latin typeface="Arial" panose="020B0604020202020204" pitchFamily="34" charset="0"/>
+              </a:rPr>
+              <a:t>adam</a:t>
+            </a:r>
+            <a:r>
+              <a:rPr kumimoji="0" lang="en-US" altLang="en-US" sz="1400" b="1" i="0" u="none" strike="noStrike" cap="none" normalizeH="0" baseline="0" dirty="0">
+                <a:ln>
+                  <a:noFill/>
+                </a:ln>
+                <a:solidFill>
+                  <a:schemeClr val="bg1"/>
+                </a:solidFill>
+                <a:effectLst/>
+                <a:latin typeface="Arial" panose="020B0604020202020204" pitchFamily="34" charset="0"/>
+              </a:rPr>
+              <a:t>',</a:t>
             </a:r>
           </a:p>
           <a:p>
-            <a:pPr algn="l"/>
-            <a:r>
-              <a:rPr lang="en-US" sz="1400" b="1" dirty="0"/>
-              <a:t>Evaluation Metrics:</a:t>
+            <a:pPr marL="0" marR="0" lvl="0" indent="0" algn="l" defTabSz="914400" rtl="0" eaLnBrk="0" fontAlgn="base" latinLnBrk="0" hangingPunct="0">
+              <a:lnSpc>
+                <a:spcPct val="100000"/>
+              </a:lnSpc>
+              <a:spcBef>
+                <a:spcPct val="0"/>
+              </a:spcBef>
+              <a:spcAft>
+                <a:spcPct val="0"/>
+              </a:spcAft>
+              <a:buClrTx/>
+              <a:buSzTx/>
+              <a:tabLst/>
+            </a:pPr>
+            <a:r>
+              <a:rPr kumimoji="0" lang="en-US" altLang="en-US" sz="1400" b="1" i="0" u="none" strike="noStrike" cap="none" normalizeH="0" baseline="0" dirty="0">
+                <a:ln>
+                  <a:noFill/>
+                </a:ln>
+                <a:solidFill>
+                  <a:schemeClr val="bg1"/>
+                </a:solidFill>
+                <a:effectLst/>
+                <a:latin typeface="Arial" panose="020B0604020202020204" pitchFamily="34" charset="0"/>
+              </a:rPr>
+              <a:t>            loss='</a:t>
+            </a:r>
+            <a:r>
+              <a:rPr kumimoji="0" lang="en-US" altLang="en-US" sz="1400" b="1" i="0" u="none" strike="noStrike" cap="none" normalizeH="0" baseline="0" dirty="0" err="1">
+                <a:ln>
+                  <a:noFill/>
+                </a:ln>
+                <a:solidFill>
+                  <a:schemeClr val="bg1"/>
+                </a:solidFill>
+                <a:effectLst/>
+                <a:latin typeface="Arial" panose="020B0604020202020204" pitchFamily="34" charset="0"/>
+              </a:rPr>
+              <a:t>sparse_categorical_crossentropy</a:t>
+            </a:r>
+            <a:r>
+              <a:rPr kumimoji="0" lang="en-US" altLang="en-US" sz="1400" b="1" i="0" u="none" strike="noStrike" cap="none" normalizeH="0" baseline="0" dirty="0">
+                <a:ln>
+                  <a:noFill/>
+                </a:ln>
+                <a:solidFill>
+                  <a:schemeClr val="bg1"/>
+                </a:solidFill>
+                <a:effectLst/>
+                <a:latin typeface="Arial" panose="020B0604020202020204" pitchFamily="34" charset="0"/>
+              </a:rPr>
+              <a:t>', </a:t>
             </a:r>
           </a:p>
           <a:p>
-            <a:pPr algn="l"/>
-            <a:r>
-              <a:rPr lang="en-US" sz="1400" dirty="0"/>
-              <a:t>Accuracy: Measure the percentage of correctly classified images.</a:t>
+            <a:pPr marL="0" marR="0" lvl="0" indent="0" algn="l" defTabSz="914400" rtl="0" eaLnBrk="0" fontAlgn="base" latinLnBrk="0" hangingPunct="0">
+              <a:lnSpc>
+                <a:spcPct val="100000"/>
+              </a:lnSpc>
+              <a:spcBef>
+                <a:spcPct val="0"/>
+              </a:spcBef>
+              <a:spcAft>
+                <a:spcPct val="0"/>
+              </a:spcAft>
+              <a:buClrTx/>
+              <a:buSzTx/>
+              <a:tabLst/>
+            </a:pPr>
+            <a:r>
+              <a:rPr kumimoji="0" lang="en-US" altLang="en-US" sz="1400" b="1" i="0" u="none" strike="noStrike" cap="none" normalizeH="0" baseline="0" dirty="0">
+                <a:ln>
+                  <a:noFill/>
+                </a:ln>
+                <a:solidFill>
+                  <a:schemeClr val="bg1"/>
+                </a:solidFill>
+                <a:effectLst/>
+                <a:latin typeface="Arial" panose="020B0604020202020204" pitchFamily="34" charset="0"/>
+              </a:rPr>
+              <a:t>            metrics=['accuracy'])</a:t>
             </a:r>
           </a:p>
           <a:p>
-            <a:pPr algn="l"/>
-            <a:r>
-              <a:rPr lang="en-US" sz="1400" dirty="0"/>
-              <a:t>Loss: Track the model's performance over epochs.</a:t>
+            <a:pPr marL="0" marR="0" lvl="0" indent="0" algn="l" defTabSz="914400" rtl="0" eaLnBrk="0" fontAlgn="base" latinLnBrk="0" hangingPunct="0">
+              <a:lnSpc>
+                <a:spcPct val="100000"/>
+              </a:lnSpc>
+              <a:spcBef>
+                <a:spcPct val="0"/>
+              </a:spcBef>
+              <a:spcAft>
+                <a:spcPct val="0"/>
+              </a:spcAft>
+              <a:buClrTx/>
+              <a:buSzTx/>
+              <a:tabLst/>
+            </a:pPr>
+            <a:r>
+              <a:rPr kumimoji="0" lang="en-US" altLang="en-US" sz="1400" b="1" i="0" u="none" strike="noStrike" cap="none" normalizeH="0" baseline="0" dirty="0" err="1">
+                <a:ln>
+                  <a:noFill/>
+                </a:ln>
+                <a:solidFill>
+                  <a:schemeClr val="bg1"/>
+                </a:solidFill>
+                <a:effectLst/>
+                <a:latin typeface="Arial" panose="020B0604020202020204" pitchFamily="34" charset="0"/>
+              </a:rPr>
+              <a:t>cnn.fit</a:t>
+            </a:r>
+            <a:r>
+              <a:rPr kumimoji="0" lang="en-US" altLang="en-US" sz="1400" b="1" i="0" u="none" strike="noStrike" cap="none" normalizeH="0" baseline="0" dirty="0">
+                <a:ln>
+                  <a:noFill/>
+                </a:ln>
+                <a:solidFill>
+                  <a:schemeClr val="bg1"/>
+                </a:solidFill>
+                <a:effectLst/>
+                <a:latin typeface="Arial" panose="020B0604020202020204" pitchFamily="34" charset="0"/>
+              </a:rPr>
+              <a:t>(</a:t>
+            </a:r>
+            <a:r>
+              <a:rPr kumimoji="0" lang="en-US" altLang="en-US" sz="1400" b="1" i="0" u="none" strike="noStrike" cap="none" normalizeH="0" baseline="0" dirty="0" err="1">
+                <a:ln>
+                  <a:noFill/>
+                </a:ln>
+                <a:solidFill>
+                  <a:schemeClr val="bg1"/>
+                </a:solidFill>
+                <a:effectLst/>
+                <a:latin typeface="Arial" panose="020B0604020202020204" pitchFamily="34" charset="0"/>
+              </a:rPr>
+              <a:t>x_train</a:t>
+            </a:r>
+            <a:r>
+              <a:rPr kumimoji="0" lang="en-US" altLang="en-US" sz="1400" b="1" i="0" u="none" strike="noStrike" cap="none" normalizeH="0" baseline="0" dirty="0">
+                <a:ln>
+                  <a:noFill/>
+                </a:ln>
+                <a:solidFill>
+                  <a:schemeClr val="bg1"/>
+                </a:solidFill>
+                <a:effectLst/>
+                <a:latin typeface="Arial" panose="020B0604020202020204" pitchFamily="34" charset="0"/>
+              </a:rPr>
+              <a:t>, </a:t>
+            </a:r>
+            <a:r>
+              <a:rPr kumimoji="0" lang="en-US" altLang="en-US" sz="1400" b="1" i="0" u="none" strike="noStrike" cap="none" normalizeH="0" baseline="0" dirty="0" err="1">
+                <a:ln>
+                  <a:noFill/>
+                </a:ln>
+                <a:solidFill>
+                  <a:schemeClr val="bg1"/>
+                </a:solidFill>
+                <a:effectLst/>
+                <a:latin typeface="Arial" panose="020B0604020202020204" pitchFamily="34" charset="0"/>
+              </a:rPr>
+              <a:t>y_train</a:t>
+            </a:r>
+            <a:r>
+              <a:rPr kumimoji="0" lang="en-US" altLang="en-US" sz="1400" b="1" i="0" u="none" strike="noStrike" cap="none" normalizeH="0" baseline="0" dirty="0">
+                <a:ln>
+                  <a:noFill/>
+                </a:ln>
+                <a:solidFill>
+                  <a:schemeClr val="bg1"/>
+                </a:solidFill>
+                <a:effectLst/>
+                <a:latin typeface="Arial" panose="020B0604020202020204" pitchFamily="34" charset="0"/>
+              </a:rPr>
+              <a:t>, epochs=10)</a:t>
             </a:r>
           </a:p>
           <a:p>
-            <a:pPr algn="l"/>
-            <a:r>
-              <a:rPr lang="en-US" sz="1400" b="1" dirty="0"/>
-              <a:t>Validation:</a:t>
-            </a:r>
+            <a:pPr marL="0" marR="0" lvl="0" indent="0" algn="l" defTabSz="914400" rtl="0" eaLnBrk="0" fontAlgn="base" latinLnBrk="0" hangingPunct="0">
+              <a:lnSpc>
+                <a:spcPct val="100000"/>
+              </a:lnSpc>
+              <a:spcBef>
+                <a:spcPct val="0"/>
+              </a:spcBef>
+              <a:spcAft>
+                <a:spcPct val="0"/>
+              </a:spcAft>
+              <a:buClrTx/>
+              <a:buSzTx/>
+              <a:tabLst/>
+            </a:pPr>
+            <a:endParaRPr kumimoji="0" lang="en-US" altLang="en-US" sz="1400" b="1" i="0" u="none" strike="noStrike" cap="none" normalizeH="0" baseline="0" dirty="0">
+              <a:ln>
+                <a:noFill/>
+              </a:ln>
+              <a:solidFill>
+                <a:schemeClr val="bg1"/>
+              </a:solidFill>
+              <a:effectLst/>
+              <a:latin typeface="Arial" panose="020B0604020202020204" pitchFamily="34" charset="0"/>
+            </a:endParaRPr>
           </a:p>
           <a:p>
-            <a:pPr algn="l"/>
-            <a:r>
-              <a:rPr lang="en-US" sz="1400" dirty="0"/>
-              <a:t>Validate the models using the test dataset.</a:t>
+            <a:pPr marL="0" marR="0" lvl="0" indent="0" algn="l" defTabSz="914400" rtl="0" eaLnBrk="0" fontAlgn="base" latinLnBrk="0" hangingPunct="0">
+              <a:lnSpc>
+                <a:spcPct val="100000"/>
+              </a:lnSpc>
+              <a:spcBef>
+                <a:spcPct val="0"/>
+              </a:spcBef>
+              <a:spcAft>
+                <a:spcPct val="0"/>
+              </a:spcAft>
+              <a:buClrTx/>
+              <a:buSzTx/>
+              <a:tabLst/>
+            </a:pPr>
+            <a:r>
+              <a:rPr kumimoji="0" lang="en-US" altLang="en-US" sz="1600" i="0" u="none" strike="noStrike" cap="none" normalizeH="0" baseline="0" dirty="0">
+                <a:ln>
+                  <a:noFill/>
+                </a:ln>
+                <a:solidFill>
+                  <a:schemeClr val="bg1"/>
+                </a:solidFill>
+                <a:effectLst/>
+                <a:latin typeface="Arial" panose="020B0604020202020204" pitchFamily="34" charset="0"/>
+              </a:rPr>
+              <a:t>Both models use sparse categorical cross-entropy as the loss function.</a:t>
             </a:r>
           </a:p>
           <a:p>
-            <a:pPr algn="l"/>
-            <a:r>
-              <a:rPr lang="en-US" sz="1400" dirty="0"/>
-              <a:t>Generate confusion matrices to analyze the performance in each class.</a:t>
-            </a:r>
-          </a:p>
-          <a:p>
-            <a:pPr algn="l"/>
-            <a:r>
-              <a:rPr lang="en-US" sz="1400" b="1" dirty="0"/>
-              <a:t>Classification Report:</a:t>
-            </a:r>
-          </a:p>
-          <a:p>
-            <a:pPr algn="l"/>
-            <a:r>
-              <a:rPr lang="en-US" sz="1400" dirty="0"/>
-              <a:t>Use </a:t>
-            </a:r>
-            <a:r>
-              <a:rPr lang="en-US" sz="1400" dirty="0" err="1"/>
-              <a:t>sklearn's</a:t>
-            </a:r>
-            <a:r>
-              <a:rPr lang="en-US" sz="1400" dirty="0"/>
-              <a:t> </a:t>
-            </a:r>
-            <a:r>
-              <a:rPr lang="en-US" sz="1400" dirty="0" err="1"/>
-              <a:t>classification_report</a:t>
-            </a:r>
-            <a:r>
-              <a:rPr lang="en-US" sz="1400" dirty="0"/>
-              <a:t> to get detailed metrics like precision, recall, and F1-score.</a:t>
+            <a:pPr marL="0" marR="0" lvl="0" indent="0" algn="l" defTabSz="914400" rtl="0" eaLnBrk="0" fontAlgn="base" latinLnBrk="0" hangingPunct="0">
+              <a:lnSpc>
+                <a:spcPct val="100000"/>
+              </a:lnSpc>
+              <a:spcBef>
+                <a:spcPct val="0"/>
+              </a:spcBef>
+              <a:spcAft>
+                <a:spcPct val="0"/>
+              </a:spcAft>
+              <a:buClrTx/>
+              <a:buSzTx/>
+              <a:tabLst/>
+            </a:pPr>
+            <a:r>
+              <a:rPr kumimoji="0" lang="en-US" altLang="en-US" sz="1600" i="0" u="none" strike="noStrike" cap="none" normalizeH="0" baseline="0" dirty="0">
+                <a:ln>
+                  <a:noFill/>
+                </a:ln>
+                <a:solidFill>
+                  <a:schemeClr val="bg1"/>
+                </a:solidFill>
+                <a:effectLst/>
+                <a:latin typeface="Arial" panose="020B0604020202020204" pitchFamily="34" charset="0"/>
+              </a:rPr>
+              <a:t>Training is performed over multiple epochs (5 for ANN and 10 for CNN).</a:t>
             </a:r>
           </a:p>
           <a:p>
@@ -19610,12 +20552,12 @@
 </p:sld>
 </file>
 
-<file path=ppt/slides/slide8.xml><?xml version="1.0" encoding="utf-8"?>
+<file path=ppt/slides/slide9.xml><?xml version="1.0" encoding="utf-8"?>
 <p:sld xmlns:a="http://schemas.openxmlformats.org/drawingml/2006/main" xmlns:r="http://schemas.openxmlformats.org/officeDocument/2006/relationships" xmlns:p="http://schemas.openxmlformats.org/presentationml/2006/main">
   <p:cSld>
     <p:spTree>
       <p:nvGrpSpPr>
-        <p:cNvPr id="1" name="Shape 5004"/>
+        <p:cNvPr id="1" name=""/>
         <p:cNvGrpSpPr/>
         <p:nvPr/>
       </p:nvGrpSpPr>
@@ -19629,1357 +20571,272 @@
       </p:grpSpPr>
       <p:sp>
         <p:nvSpPr>
-          <p:cNvPr id="2" name="Google Shape;1419;p62">
+          <p:cNvPr id="2" name="TextBox 1">
             <a:extLst>
               <a:ext uri="{FF2B5EF4-FFF2-40B4-BE49-F238E27FC236}">
-                <a16:creationId xmlns:a16="http://schemas.microsoft.com/office/drawing/2014/main" id="{79146BFC-62DB-FE90-DD7E-BC36C6FCDC2B}"/>
+                <a16:creationId xmlns:a16="http://schemas.microsoft.com/office/drawing/2014/main" id="{1FF32ECC-DC9A-7E01-CD32-63F0BAEE3FC9}"/>
               </a:ext>
             </a:extLst>
           </p:cNvPr>
-          <p:cNvSpPr txBox="1">
-            <a:spLocks/>
-          </p:cNvSpPr>
+          <p:cNvSpPr txBox="1"/>
           <p:nvPr/>
         </p:nvSpPr>
         <p:spPr>
           <a:xfrm>
-            <a:off x="3289952" y="627023"/>
-            <a:ext cx="2564094" cy="482400"/>
+            <a:off x="858579" y="340370"/>
+            <a:ext cx="7426842" cy="4462760"/>
           </a:xfrm>
           <a:prstGeom prst="rect">
             <a:avLst/>
           </a:prstGeom>
           <a:noFill/>
-          <a:ln>
-            <a:noFill/>
-          </a:ln>
         </p:spPr>
         <p:txBody>
-          <a:bodyPr spcFirstLastPara="1" wrap="square" lIns="91425" tIns="91425" rIns="91425" bIns="91425" anchor="t" anchorCtr="0">
-            <a:noAutofit/>
+          <a:bodyPr wrap="square" rtlCol="0">
+            <a:spAutoFit/>
           </a:bodyPr>
-          <a:lstStyle>
-            <a:defPPr marR="0" lvl="0" algn="l" rtl="0">
-              <a:lnSpc>
-                <a:spcPct val="100000"/>
-              </a:lnSpc>
-              <a:spcBef>
-                <a:spcPts val="0"/>
-              </a:spcBef>
-              <a:spcAft>
-                <a:spcPts val="0"/>
-              </a:spcAft>
-            </a:defPPr>
-            <a:lvl1pPr marR="0" lvl="0" algn="ctr" rtl="0">
-              <a:lnSpc>
-                <a:spcPct val="100000"/>
-              </a:lnSpc>
-              <a:spcBef>
-                <a:spcPts val="0"/>
-              </a:spcBef>
-              <a:spcAft>
-                <a:spcPts val="0"/>
-              </a:spcAft>
-              <a:buClr>
-                <a:srgbClr val="FFFFFF"/>
-              </a:buClr>
-              <a:buSzPts val="2400"/>
-              <a:buFont typeface="Proxima Nova Semibold"/>
-              <a:buNone/>
-              <a:defRPr sz="2400" b="0" i="0" u="none" strike="noStrike" cap="none">
-                <a:solidFill>
-                  <a:srgbClr val="FFFFFF"/>
-                </a:solidFill>
-                <a:latin typeface="Proxima Nova Semibold"/>
-                <a:ea typeface="Proxima Nova Semibold"/>
-                <a:cs typeface="Proxima Nova Semibold"/>
-                <a:sym typeface="Proxima Nova Semibold"/>
-              </a:defRPr>
-            </a:lvl1pPr>
-            <a:lvl2pPr marR="0" lvl="1" algn="ctr" rtl="0">
-              <a:lnSpc>
-                <a:spcPct val="100000"/>
-              </a:lnSpc>
-              <a:spcBef>
-                <a:spcPts val="0"/>
-              </a:spcBef>
-              <a:spcAft>
-                <a:spcPts val="0"/>
-              </a:spcAft>
-              <a:buClr>
-                <a:srgbClr val="FFFFFF"/>
-              </a:buClr>
-              <a:buSzPts val="2400"/>
-              <a:buFont typeface="Proxima Nova Semibold"/>
-              <a:buNone/>
-              <a:defRPr sz="2400" b="0" i="0" u="none" strike="noStrike" cap="none">
-                <a:solidFill>
-                  <a:srgbClr val="FFFFFF"/>
-                </a:solidFill>
-                <a:latin typeface="Proxima Nova Semibold"/>
-                <a:ea typeface="Proxima Nova Semibold"/>
-                <a:cs typeface="Proxima Nova Semibold"/>
-                <a:sym typeface="Proxima Nova Semibold"/>
-              </a:defRPr>
-            </a:lvl2pPr>
-            <a:lvl3pPr marR="0" lvl="2" algn="ctr" rtl="0">
-              <a:lnSpc>
-                <a:spcPct val="100000"/>
-              </a:lnSpc>
-              <a:spcBef>
-                <a:spcPts val="0"/>
-              </a:spcBef>
-              <a:spcAft>
-                <a:spcPts val="0"/>
-              </a:spcAft>
-              <a:buClr>
-                <a:srgbClr val="FFFFFF"/>
-              </a:buClr>
-              <a:buSzPts val="2400"/>
-              <a:buFont typeface="Proxima Nova Semibold"/>
-              <a:buNone/>
-              <a:defRPr sz="2400" b="0" i="0" u="none" strike="noStrike" cap="none">
-                <a:solidFill>
-                  <a:srgbClr val="FFFFFF"/>
-                </a:solidFill>
-                <a:latin typeface="Proxima Nova Semibold"/>
-                <a:ea typeface="Proxima Nova Semibold"/>
-                <a:cs typeface="Proxima Nova Semibold"/>
-                <a:sym typeface="Proxima Nova Semibold"/>
-              </a:defRPr>
-            </a:lvl3pPr>
-            <a:lvl4pPr marR="0" lvl="3" algn="ctr" rtl="0">
-              <a:lnSpc>
-                <a:spcPct val="100000"/>
-              </a:lnSpc>
-              <a:spcBef>
-                <a:spcPts val="0"/>
-              </a:spcBef>
-              <a:spcAft>
-                <a:spcPts val="0"/>
-              </a:spcAft>
-              <a:buClr>
-                <a:srgbClr val="FFFFFF"/>
-              </a:buClr>
-              <a:buSzPts val="2400"/>
-              <a:buFont typeface="Proxima Nova Semibold"/>
-              <a:buNone/>
-              <a:defRPr sz="2400" b="0" i="0" u="none" strike="noStrike" cap="none">
-                <a:solidFill>
-                  <a:srgbClr val="FFFFFF"/>
-                </a:solidFill>
-                <a:latin typeface="Proxima Nova Semibold"/>
-                <a:ea typeface="Proxima Nova Semibold"/>
-                <a:cs typeface="Proxima Nova Semibold"/>
-                <a:sym typeface="Proxima Nova Semibold"/>
-              </a:defRPr>
-            </a:lvl4pPr>
-            <a:lvl5pPr marR="0" lvl="4" algn="ctr" rtl="0">
-              <a:lnSpc>
-                <a:spcPct val="100000"/>
-              </a:lnSpc>
-              <a:spcBef>
-                <a:spcPts val="0"/>
-              </a:spcBef>
-              <a:spcAft>
-                <a:spcPts val="0"/>
-              </a:spcAft>
-              <a:buClr>
-                <a:srgbClr val="FFFFFF"/>
-              </a:buClr>
-              <a:buSzPts val="2400"/>
-              <a:buFont typeface="Proxima Nova Semibold"/>
-              <a:buNone/>
-              <a:defRPr sz="2400" b="0" i="0" u="none" strike="noStrike" cap="none">
-                <a:solidFill>
-                  <a:srgbClr val="FFFFFF"/>
-                </a:solidFill>
-                <a:latin typeface="Proxima Nova Semibold"/>
-                <a:ea typeface="Proxima Nova Semibold"/>
-                <a:cs typeface="Proxima Nova Semibold"/>
-                <a:sym typeface="Proxima Nova Semibold"/>
-              </a:defRPr>
-            </a:lvl5pPr>
-            <a:lvl6pPr marR="0" lvl="5" algn="ctr" rtl="0">
-              <a:lnSpc>
-                <a:spcPct val="100000"/>
-              </a:lnSpc>
-              <a:spcBef>
-                <a:spcPts val="0"/>
-              </a:spcBef>
-              <a:spcAft>
-                <a:spcPts val="0"/>
-              </a:spcAft>
-              <a:buClr>
-                <a:srgbClr val="FFFFFF"/>
-              </a:buClr>
-              <a:buSzPts val="2400"/>
-              <a:buFont typeface="Proxima Nova Semibold"/>
-              <a:buNone/>
-              <a:defRPr sz="2400" b="0" i="0" u="none" strike="noStrike" cap="none">
-                <a:solidFill>
-                  <a:srgbClr val="FFFFFF"/>
-                </a:solidFill>
-                <a:latin typeface="Proxima Nova Semibold"/>
-                <a:ea typeface="Proxima Nova Semibold"/>
-                <a:cs typeface="Proxima Nova Semibold"/>
-                <a:sym typeface="Proxima Nova Semibold"/>
-              </a:defRPr>
-            </a:lvl6pPr>
-            <a:lvl7pPr marR="0" lvl="6" algn="ctr" rtl="0">
-              <a:lnSpc>
-                <a:spcPct val="100000"/>
-              </a:lnSpc>
-              <a:spcBef>
-                <a:spcPts val="0"/>
-              </a:spcBef>
-              <a:spcAft>
-                <a:spcPts val="0"/>
-              </a:spcAft>
-              <a:buClr>
-                <a:srgbClr val="FFFFFF"/>
-              </a:buClr>
-              <a:buSzPts val="2400"/>
-              <a:buFont typeface="Proxima Nova Semibold"/>
-              <a:buNone/>
-              <a:defRPr sz="2400" b="0" i="0" u="none" strike="noStrike" cap="none">
-                <a:solidFill>
-                  <a:srgbClr val="FFFFFF"/>
-                </a:solidFill>
-                <a:latin typeface="Proxima Nova Semibold"/>
-                <a:ea typeface="Proxima Nova Semibold"/>
-                <a:cs typeface="Proxima Nova Semibold"/>
-                <a:sym typeface="Proxima Nova Semibold"/>
-              </a:defRPr>
-            </a:lvl7pPr>
-            <a:lvl8pPr marR="0" lvl="7" algn="ctr" rtl="0">
-              <a:lnSpc>
-                <a:spcPct val="100000"/>
-              </a:lnSpc>
-              <a:spcBef>
-                <a:spcPts val="0"/>
-              </a:spcBef>
-              <a:spcAft>
-                <a:spcPts val="0"/>
-              </a:spcAft>
-              <a:buClr>
-                <a:srgbClr val="FFFFFF"/>
-              </a:buClr>
-              <a:buSzPts val="2400"/>
-              <a:buFont typeface="Proxima Nova Semibold"/>
-              <a:buNone/>
-              <a:defRPr sz="2400" b="0" i="0" u="none" strike="noStrike" cap="none">
-                <a:solidFill>
-                  <a:srgbClr val="FFFFFF"/>
-                </a:solidFill>
-                <a:latin typeface="Proxima Nova Semibold"/>
-                <a:ea typeface="Proxima Nova Semibold"/>
-                <a:cs typeface="Proxima Nova Semibold"/>
-                <a:sym typeface="Proxima Nova Semibold"/>
-              </a:defRPr>
-            </a:lvl8pPr>
-            <a:lvl9pPr marR="0" lvl="8" algn="ctr" rtl="0">
-              <a:lnSpc>
-                <a:spcPct val="100000"/>
-              </a:lnSpc>
-              <a:spcBef>
-                <a:spcPts val="0"/>
-              </a:spcBef>
-              <a:spcAft>
-                <a:spcPts val="0"/>
-              </a:spcAft>
-              <a:buClr>
-                <a:srgbClr val="FFFFFF"/>
-              </a:buClr>
-              <a:buSzPts val="2400"/>
-              <a:buFont typeface="Proxima Nova Semibold"/>
-              <a:buNone/>
-              <a:defRPr sz="2400" b="0" i="0" u="none" strike="noStrike" cap="none">
-                <a:solidFill>
-                  <a:srgbClr val="FFFFFF"/>
-                </a:solidFill>
-                <a:latin typeface="Proxima Nova Semibold"/>
-                <a:ea typeface="Proxima Nova Semibold"/>
-                <a:cs typeface="Proxima Nova Semibold"/>
-                <a:sym typeface="Proxima Nova Semibold"/>
-              </a:defRPr>
-            </a:lvl9pPr>
-          </a:lstStyle>
+          <a:lstStyle/>
           <a:p>
-            <a:pPr>
-              <a:buClr>
-                <a:srgbClr val="000000"/>
-              </a:buClr>
-              <a:buSzPts val="1100"/>
-              <a:buFont typeface="Arial"/>
-              <a:buNone/>
-            </a:pPr>
-            <a:r>
-              <a:rPr lang="en-US" b="1" dirty="0">
-                <a:solidFill>
-                  <a:schemeClr val="accent5">
-                    <a:lumMod val="75000"/>
-                  </a:schemeClr>
-                </a:solidFill>
-                <a:latin typeface="Arial"/>
-                <a:ea typeface="Arial"/>
-                <a:cs typeface="Arial"/>
-                <a:sym typeface="Arial"/>
-              </a:rPr>
-              <a:t>HOW IT WORKS</a:t>
-            </a:r>
-          </a:p>
-        </p:txBody>
-      </p:sp>
-      <p:sp>
-        <p:nvSpPr>
-          <p:cNvPr id="3" name="Google Shape;1419;p62">
-            <a:extLst>
-              <a:ext uri="{FF2B5EF4-FFF2-40B4-BE49-F238E27FC236}">
-                <a16:creationId xmlns:a16="http://schemas.microsoft.com/office/drawing/2014/main" id="{D668B5E0-A9E3-5A16-5532-81C5D120CB81}"/>
-              </a:ext>
-            </a:extLst>
-          </p:cNvPr>
-          <p:cNvSpPr txBox="1">
-            <a:spLocks/>
-          </p:cNvSpPr>
-          <p:nvPr/>
-        </p:nvSpPr>
-        <p:spPr>
-          <a:xfrm>
-            <a:off x="423332" y="1384904"/>
-            <a:ext cx="8297333" cy="3672518"/>
-          </a:xfrm>
-          <a:prstGeom prst="rect">
-            <a:avLst/>
-          </a:prstGeom>
-          <a:noFill/>
-          <a:ln>
-            <a:noFill/>
-          </a:ln>
-        </p:spPr>
-        <p:txBody>
-          <a:bodyPr spcFirstLastPara="1" wrap="square" lIns="91425" tIns="91425" rIns="91425" bIns="91425" anchor="t" anchorCtr="0">
-            <a:noAutofit/>
-          </a:bodyPr>
-          <a:lstStyle>
-            <a:defPPr marR="0" lvl="0" algn="l" rtl="0">
-              <a:lnSpc>
-                <a:spcPct val="100000"/>
-              </a:lnSpc>
-              <a:spcBef>
-                <a:spcPts val="0"/>
-              </a:spcBef>
-              <a:spcAft>
-                <a:spcPts val="0"/>
-              </a:spcAft>
-            </a:defPPr>
-            <a:lvl1pPr marR="0" lvl="0" algn="ctr" rtl="0">
-              <a:lnSpc>
-                <a:spcPct val="100000"/>
-              </a:lnSpc>
-              <a:spcBef>
-                <a:spcPts val="0"/>
-              </a:spcBef>
-              <a:spcAft>
-                <a:spcPts val="0"/>
-              </a:spcAft>
-              <a:buClr>
-                <a:srgbClr val="FFFFFF"/>
-              </a:buClr>
-              <a:buSzPts val="2400"/>
-              <a:buFont typeface="Proxima Nova Semibold"/>
-              <a:buNone/>
-              <a:defRPr sz="2400" b="0" i="0" u="none" strike="noStrike" cap="none">
-                <a:solidFill>
-                  <a:srgbClr val="FFFFFF"/>
-                </a:solidFill>
-                <a:latin typeface="Proxima Nova Semibold"/>
-                <a:ea typeface="Proxima Nova Semibold"/>
-                <a:cs typeface="Proxima Nova Semibold"/>
-                <a:sym typeface="Proxima Nova Semibold"/>
-              </a:defRPr>
-            </a:lvl1pPr>
-            <a:lvl2pPr marR="0" lvl="1" algn="ctr" rtl="0">
-              <a:lnSpc>
-                <a:spcPct val="100000"/>
-              </a:lnSpc>
-              <a:spcBef>
-                <a:spcPts val="0"/>
-              </a:spcBef>
-              <a:spcAft>
-                <a:spcPts val="0"/>
-              </a:spcAft>
-              <a:buClr>
-                <a:srgbClr val="FFFFFF"/>
-              </a:buClr>
-              <a:buSzPts val="2400"/>
-              <a:buFont typeface="Proxima Nova Semibold"/>
-              <a:buNone/>
-              <a:defRPr sz="2400" b="0" i="0" u="none" strike="noStrike" cap="none">
-                <a:solidFill>
-                  <a:srgbClr val="FFFFFF"/>
-                </a:solidFill>
-                <a:latin typeface="Proxima Nova Semibold"/>
-                <a:ea typeface="Proxima Nova Semibold"/>
-                <a:cs typeface="Proxima Nova Semibold"/>
-                <a:sym typeface="Proxima Nova Semibold"/>
-              </a:defRPr>
-            </a:lvl2pPr>
-            <a:lvl3pPr marR="0" lvl="2" algn="ctr" rtl="0">
-              <a:lnSpc>
-                <a:spcPct val="100000"/>
-              </a:lnSpc>
-              <a:spcBef>
-                <a:spcPts val="0"/>
-              </a:spcBef>
-              <a:spcAft>
-                <a:spcPts val="0"/>
-              </a:spcAft>
-              <a:buClr>
-                <a:srgbClr val="FFFFFF"/>
-              </a:buClr>
-              <a:buSzPts val="2400"/>
-              <a:buFont typeface="Proxima Nova Semibold"/>
-              <a:buNone/>
-              <a:defRPr sz="2400" b="0" i="0" u="none" strike="noStrike" cap="none">
-                <a:solidFill>
-                  <a:srgbClr val="FFFFFF"/>
-                </a:solidFill>
-                <a:latin typeface="Proxima Nova Semibold"/>
-                <a:ea typeface="Proxima Nova Semibold"/>
-                <a:cs typeface="Proxima Nova Semibold"/>
-                <a:sym typeface="Proxima Nova Semibold"/>
-              </a:defRPr>
-            </a:lvl3pPr>
-            <a:lvl4pPr marR="0" lvl="3" algn="ctr" rtl="0">
-              <a:lnSpc>
-                <a:spcPct val="100000"/>
-              </a:lnSpc>
-              <a:spcBef>
-                <a:spcPts val="0"/>
-              </a:spcBef>
-              <a:spcAft>
-                <a:spcPts val="0"/>
-              </a:spcAft>
-              <a:buClr>
-                <a:srgbClr val="FFFFFF"/>
-              </a:buClr>
-              <a:buSzPts val="2400"/>
-              <a:buFont typeface="Proxima Nova Semibold"/>
-              <a:buNone/>
-              <a:defRPr sz="2400" b="0" i="0" u="none" strike="noStrike" cap="none">
-                <a:solidFill>
-                  <a:srgbClr val="FFFFFF"/>
-                </a:solidFill>
-                <a:latin typeface="Proxima Nova Semibold"/>
-                <a:ea typeface="Proxima Nova Semibold"/>
-                <a:cs typeface="Proxima Nova Semibold"/>
-                <a:sym typeface="Proxima Nova Semibold"/>
-              </a:defRPr>
-            </a:lvl4pPr>
-            <a:lvl5pPr marR="0" lvl="4" algn="ctr" rtl="0">
-              <a:lnSpc>
-                <a:spcPct val="100000"/>
-              </a:lnSpc>
-              <a:spcBef>
-                <a:spcPts val="0"/>
-              </a:spcBef>
-              <a:spcAft>
-                <a:spcPts val="0"/>
-              </a:spcAft>
-              <a:buClr>
-                <a:srgbClr val="FFFFFF"/>
-              </a:buClr>
-              <a:buSzPts val="2400"/>
-              <a:buFont typeface="Proxima Nova Semibold"/>
-              <a:buNone/>
-              <a:defRPr sz="2400" b="0" i="0" u="none" strike="noStrike" cap="none">
-                <a:solidFill>
-                  <a:srgbClr val="FFFFFF"/>
-                </a:solidFill>
-                <a:latin typeface="Proxima Nova Semibold"/>
-                <a:ea typeface="Proxima Nova Semibold"/>
-                <a:cs typeface="Proxima Nova Semibold"/>
-                <a:sym typeface="Proxima Nova Semibold"/>
-              </a:defRPr>
-            </a:lvl5pPr>
-            <a:lvl6pPr marR="0" lvl="5" algn="ctr" rtl="0">
-              <a:lnSpc>
-                <a:spcPct val="100000"/>
-              </a:lnSpc>
-              <a:spcBef>
-                <a:spcPts val="0"/>
-              </a:spcBef>
-              <a:spcAft>
-                <a:spcPts val="0"/>
-              </a:spcAft>
-              <a:buClr>
-                <a:srgbClr val="FFFFFF"/>
-              </a:buClr>
-              <a:buSzPts val="2400"/>
-              <a:buFont typeface="Proxima Nova Semibold"/>
-              <a:buNone/>
-              <a:defRPr sz="2400" b="0" i="0" u="none" strike="noStrike" cap="none">
-                <a:solidFill>
-                  <a:srgbClr val="FFFFFF"/>
-                </a:solidFill>
-                <a:latin typeface="Proxima Nova Semibold"/>
-                <a:ea typeface="Proxima Nova Semibold"/>
-                <a:cs typeface="Proxima Nova Semibold"/>
-                <a:sym typeface="Proxima Nova Semibold"/>
-              </a:defRPr>
-            </a:lvl6pPr>
-            <a:lvl7pPr marR="0" lvl="6" algn="ctr" rtl="0">
-              <a:lnSpc>
-                <a:spcPct val="100000"/>
-              </a:lnSpc>
-              <a:spcBef>
-                <a:spcPts val="0"/>
-              </a:spcBef>
-              <a:spcAft>
-                <a:spcPts val="0"/>
-              </a:spcAft>
-              <a:buClr>
-                <a:srgbClr val="FFFFFF"/>
-              </a:buClr>
-              <a:buSzPts val="2400"/>
-              <a:buFont typeface="Proxima Nova Semibold"/>
-              <a:buNone/>
-              <a:defRPr sz="2400" b="0" i="0" u="none" strike="noStrike" cap="none">
-                <a:solidFill>
-                  <a:srgbClr val="FFFFFF"/>
-                </a:solidFill>
-                <a:latin typeface="Proxima Nova Semibold"/>
-                <a:ea typeface="Proxima Nova Semibold"/>
-                <a:cs typeface="Proxima Nova Semibold"/>
-                <a:sym typeface="Proxima Nova Semibold"/>
-              </a:defRPr>
-            </a:lvl7pPr>
-            <a:lvl8pPr marR="0" lvl="7" algn="ctr" rtl="0">
-              <a:lnSpc>
-                <a:spcPct val="100000"/>
-              </a:lnSpc>
-              <a:spcBef>
-                <a:spcPts val="0"/>
-              </a:spcBef>
-              <a:spcAft>
-                <a:spcPts val="0"/>
-              </a:spcAft>
-              <a:buClr>
-                <a:srgbClr val="FFFFFF"/>
-              </a:buClr>
-              <a:buSzPts val="2400"/>
-              <a:buFont typeface="Proxima Nova Semibold"/>
-              <a:buNone/>
-              <a:defRPr sz="2400" b="0" i="0" u="none" strike="noStrike" cap="none">
-                <a:solidFill>
-                  <a:srgbClr val="FFFFFF"/>
-                </a:solidFill>
-                <a:latin typeface="Proxima Nova Semibold"/>
-                <a:ea typeface="Proxima Nova Semibold"/>
-                <a:cs typeface="Proxima Nova Semibold"/>
-                <a:sym typeface="Proxima Nova Semibold"/>
-              </a:defRPr>
-            </a:lvl8pPr>
-            <a:lvl9pPr marR="0" lvl="8" algn="ctr" rtl="0">
-              <a:lnSpc>
-                <a:spcPct val="100000"/>
-              </a:lnSpc>
-              <a:spcBef>
-                <a:spcPts val="0"/>
-              </a:spcBef>
-              <a:spcAft>
-                <a:spcPts val="0"/>
-              </a:spcAft>
-              <a:buClr>
-                <a:srgbClr val="FFFFFF"/>
-              </a:buClr>
-              <a:buSzPts val="2400"/>
-              <a:buFont typeface="Proxima Nova Semibold"/>
-              <a:buNone/>
-              <a:defRPr sz="2400" b="0" i="0" u="none" strike="noStrike" cap="none">
-                <a:solidFill>
-                  <a:srgbClr val="FFFFFF"/>
-                </a:solidFill>
-                <a:latin typeface="Proxima Nova Semibold"/>
-                <a:ea typeface="Proxima Nova Semibold"/>
-                <a:cs typeface="Proxima Nova Semibold"/>
-                <a:sym typeface="Proxima Nova Semibold"/>
-              </a:defRPr>
-            </a:lvl9pPr>
-          </a:lstStyle>
-          <a:p>
-            <a:pPr algn="l"/>
-            <a:r>
-              <a:rPr lang="en-US" sz="1800" b="1" dirty="0"/>
-              <a:t>Results Comparison</a:t>
+            <a:pPr algn="ctr"/>
+            <a:r>
+              <a:rPr lang="en-US" sz="2400" b="1" dirty="0">
+                <a:solidFill>
+                  <a:schemeClr val="bg1"/>
+                </a:solidFill>
+              </a:rPr>
+              <a:t>Model Evaluation</a:t>
             </a:r>
           </a:p>
           <a:p>
             <a:pPr algn="l"/>
-            <a:endParaRPr lang="en-US" sz="1800" b="1" dirty="0"/>
+            <a:r>
+              <a:rPr lang="en-US" sz="2000" b="1" dirty="0">
+                <a:solidFill>
+                  <a:schemeClr val="bg1"/>
+                </a:solidFill>
+              </a:rPr>
+              <a:t>Evaluation Metrics:</a:t>
+            </a:r>
           </a:p>
           <a:p>
             <a:pPr algn="l"/>
             <a:r>
-              <a:rPr lang="en-US" sz="1400" b="1" dirty="0"/>
-              <a:t>Performance Metrics:</a:t>
+              <a:rPr lang="en-US" sz="2000" dirty="0">
+                <a:solidFill>
+                  <a:schemeClr val="bg1"/>
+                </a:solidFill>
+              </a:rPr>
+              <a:t>Accuracy: Measure the percentage of correctly classified images.</a:t>
             </a:r>
           </a:p>
           <a:p>
             <a:pPr algn="l"/>
-            <a:endParaRPr lang="en-US" sz="1400" dirty="0"/>
-          </a:p>
-          <a:p>
-            <a:pPr marL="742950" lvl="1" indent="-285750" algn="l">
-              <a:buFont typeface="Arial" panose="020B0604020202020204" pitchFamily="34" charset="0"/>
-              <a:buChar char="•"/>
-            </a:pPr>
-            <a:r>
-              <a:rPr lang="en-US" sz="1400" dirty="0"/>
-              <a:t>Compare the accuracy, training time, and loss of ANN and CNN models.</a:t>
-            </a:r>
-          </a:p>
-          <a:p>
-            <a:pPr marL="742950" lvl="1" indent="-285750" algn="l">
-              <a:buFont typeface="Arial" panose="020B0604020202020204" pitchFamily="34" charset="0"/>
-              <a:buChar char="•"/>
-            </a:pPr>
-            <a:r>
-              <a:rPr lang="en-US" sz="1400" dirty="0"/>
-              <a:t>Visualize the performance through graphs and charts.</a:t>
-            </a:r>
-          </a:p>
-          <a:p>
-            <a:pPr marL="457200" lvl="1" algn="l"/>
-            <a:endParaRPr lang="en-US" sz="1400" dirty="0"/>
+            <a:r>
+              <a:rPr lang="en-US" sz="2000" dirty="0" err="1">
+                <a:solidFill>
+                  <a:schemeClr val="bg1"/>
+                </a:solidFill>
+              </a:rPr>
+              <a:t>ann.evaluate</a:t>
+            </a:r>
+            <a:r>
+              <a:rPr lang="en-US" sz="2000" dirty="0">
+                <a:solidFill>
+                  <a:schemeClr val="bg1"/>
+                </a:solidFill>
+              </a:rPr>
+              <a:t>(</a:t>
+            </a:r>
+            <a:r>
+              <a:rPr lang="en-US" sz="2000" dirty="0" err="1">
+                <a:solidFill>
+                  <a:schemeClr val="bg1"/>
+                </a:solidFill>
+              </a:rPr>
+              <a:t>x_test</a:t>
+            </a:r>
+            <a:r>
+              <a:rPr lang="en-US" sz="2000" dirty="0">
+                <a:solidFill>
+                  <a:schemeClr val="bg1"/>
+                </a:solidFill>
+              </a:rPr>
+              <a:t>, </a:t>
+            </a:r>
+            <a:r>
+              <a:rPr lang="en-US" sz="2000" dirty="0" err="1">
+                <a:solidFill>
+                  <a:schemeClr val="bg1"/>
+                </a:solidFill>
+              </a:rPr>
+              <a:t>y_test</a:t>
+            </a:r>
+            <a:r>
+              <a:rPr lang="en-US" sz="2000" dirty="0">
+                <a:solidFill>
+                  <a:schemeClr val="bg1"/>
+                </a:solidFill>
+              </a:rPr>
+              <a:t>)</a:t>
+            </a:r>
           </a:p>
           <a:p>
             <a:pPr algn="l"/>
             <a:r>
-              <a:rPr lang="en-US" sz="1400" b="1" dirty="0"/>
-              <a:t>Analysis:</a:t>
+              <a:rPr lang="en-US" sz="2000" dirty="0" err="1">
+                <a:solidFill>
+                  <a:schemeClr val="bg1"/>
+                </a:solidFill>
+              </a:rPr>
+              <a:t>cnn.evaluate</a:t>
+            </a:r>
+            <a:r>
+              <a:rPr lang="en-US" sz="2000" dirty="0">
+                <a:solidFill>
+                  <a:schemeClr val="bg1"/>
+                </a:solidFill>
+              </a:rPr>
+              <a:t>(</a:t>
+            </a:r>
+            <a:r>
+              <a:rPr lang="en-US" sz="2000" dirty="0" err="1">
+                <a:solidFill>
+                  <a:schemeClr val="bg1"/>
+                </a:solidFill>
+              </a:rPr>
+              <a:t>x_test</a:t>
+            </a:r>
+            <a:r>
+              <a:rPr lang="en-US" sz="2000" dirty="0">
+                <a:solidFill>
+                  <a:schemeClr val="bg1"/>
+                </a:solidFill>
+              </a:rPr>
+              <a:t>, </a:t>
+            </a:r>
+            <a:r>
+              <a:rPr lang="en-US" sz="2000" dirty="0" err="1">
+                <a:solidFill>
+                  <a:schemeClr val="bg1"/>
+                </a:solidFill>
+              </a:rPr>
+              <a:t>y_test</a:t>
+            </a:r>
+            <a:r>
+              <a:rPr lang="en-US" sz="2000" dirty="0">
+                <a:solidFill>
+                  <a:schemeClr val="bg1"/>
+                </a:solidFill>
+              </a:rPr>
+              <a:t>)</a:t>
             </a:r>
           </a:p>
           <a:p>
             <a:pPr algn="l"/>
-            <a:endParaRPr lang="en-US" sz="1400" dirty="0"/>
-          </a:p>
-          <a:p>
-            <a:pPr marL="742950" lvl="1" indent="-285750" algn="l">
-              <a:buFont typeface="Arial" panose="020B0604020202020204" pitchFamily="34" charset="0"/>
-              <a:buChar char="•"/>
-            </a:pPr>
-            <a:r>
-              <a:rPr lang="en-US" sz="1400" dirty="0"/>
-              <a:t>Discuss the strengths and weaknesses of each model.</a:t>
-            </a:r>
-          </a:p>
-          <a:p>
-            <a:pPr marL="742950" lvl="1" indent="-285750" algn="l">
-              <a:buFont typeface="Arial" panose="020B0604020202020204" pitchFamily="34" charset="0"/>
-              <a:buChar char="•"/>
-            </a:pPr>
-            <a:r>
-              <a:rPr lang="en-US" sz="1400" dirty="0"/>
-              <a:t>Highlight the CNN's superior performance in handling image data due to its architecture.</a:t>
+            <a:r>
+              <a:rPr lang="en-US" sz="2000" dirty="0">
+                <a:solidFill>
+                  <a:schemeClr val="bg1"/>
+                </a:solidFill>
+              </a:rPr>
+              <a:t>Loss: Track the model's performance over epochs.</a:t>
             </a:r>
           </a:p>
           <a:p>
             <a:pPr algn="l"/>
-            <a:endParaRPr lang="en-US" sz="1400" dirty="0"/>
+            <a:r>
+              <a:rPr lang="en-US" sz="2000" b="1" dirty="0">
+                <a:solidFill>
+                  <a:schemeClr val="bg1"/>
+                </a:solidFill>
+              </a:rPr>
+              <a:t>Validation:</a:t>
+            </a:r>
+          </a:p>
+          <a:p>
+            <a:pPr algn="l"/>
+            <a:r>
+              <a:rPr lang="en-US" sz="2000" dirty="0">
+                <a:solidFill>
+                  <a:schemeClr val="bg1"/>
+                </a:solidFill>
+              </a:rPr>
+              <a:t>Validate the models using the test dataset.</a:t>
+            </a:r>
+          </a:p>
+          <a:p>
+            <a:pPr algn="l"/>
+            <a:r>
+              <a:rPr lang="en-US" sz="2000" dirty="0">
+                <a:solidFill>
+                  <a:schemeClr val="bg1"/>
+                </a:solidFill>
+              </a:rPr>
+              <a:t>Generate confusion matrices to analyze the performance in each class.</a:t>
+            </a:r>
+          </a:p>
+          <a:p>
+            <a:pPr algn="l"/>
+            <a:r>
+              <a:rPr lang="en-US" sz="2000" b="1" dirty="0">
+                <a:solidFill>
+                  <a:schemeClr val="bg1"/>
+                </a:solidFill>
+              </a:rPr>
+              <a:t>Classification Report:</a:t>
+            </a:r>
+          </a:p>
+          <a:p>
+            <a:pPr algn="l"/>
+            <a:r>
+              <a:rPr lang="en-US" sz="2000" dirty="0">
+                <a:solidFill>
+                  <a:schemeClr val="bg1"/>
+                </a:solidFill>
+              </a:rPr>
+              <a:t>Use </a:t>
+            </a:r>
+            <a:r>
+              <a:rPr lang="en-US" sz="2000" dirty="0" err="1">
+                <a:solidFill>
+                  <a:schemeClr val="bg1"/>
+                </a:solidFill>
+              </a:rPr>
+              <a:t>sklearn's</a:t>
+            </a:r>
+            <a:r>
+              <a:rPr lang="en-US" sz="2000" dirty="0">
+                <a:solidFill>
+                  <a:schemeClr val="bg1"/>
+                </a:solidFill>
+              </a:rPr>
+              <a:t> </a:t>
+            </a:r>
+            <a:r>
+              <a:rPr lang="en-US" sz="2000" dirty="0" err="1">
+                <a:solidFill>
+                  <a:schemeClr val="bg1"/>
+                </a:solidFill>
+              </a:rPr>
+              <a:t>classification_report</a:t>
+            </a:r>
+            <a:r>
+              <a:rPr lang="en-US" sz="2000" dirty="0">
+                <a:solidFill>
+                  <a:schemeClr val="bg1"/>
+                </a:solidFill>
+              </a:rPr>
+              <a:t> to get detailed metrics like precision, recall, and F1-score.</a:t>
+            </a:r>
           </a:p>
         </p:txBody>
       </p:sp>
     </p:spTree>
-  </p:cSld>
-  <p:clrMapOvr>
-    <a:masterClrMapping/>
-  </p:clrMapOvr>
-</p:sld>
-</file>
-
-<file path=ppt/slides/slide9.xml><?xml version="1.0" encoding="utf-8"?>
-<p:sld xmlns:a="http://schemas.openxmlformats.org/drawingml/2006/main" xmlns:r="http://schemas.openxmlformats.org/officeDocument/2006/relationships" xmlns:p="http://schemas.openxmlformats.org/presentationml/2006/main">
-  <p:cSld>
-    <p:spTree>
-      <p:nvGrpSpPr>
-        <p:cNvPr id="1" name="Shape 5579"/>
-        <p:cNvGrpSpPr/>
-        <p:nvPr/>
-      </p:nvGrpSpPr>
-      <p:grpSpPr>
-        <a:xfrm>
-          <a:off x="0" y="0"/>
-          <a:ext cx="0" cy="0"/>
-          <a:chOff x="0" y="0"/>
-          <a:chExt cx="0" cy="0"/>
-        </a:xfrm>
-      </p:grpSpPr>
-      <p:sp>
-        <p:nvSpPr>
-          <p:cNvPr id="2" name="Google Shape;1419;p62">
-            <a:extLst>
-              <a:ext uri="{FF2B5EF4-FFF2-40B4-BE49-F238E27FC236}">
-                <a16:creationId xmlns:a16="http://schemas.microsoft.com/office/drawing/2014/main" id="{35AB70B7-72A3-885B-0795-FFAAF23B9436}"/>
-              </a:ext>
-            </a:extLst>
-          </p:cNvPr>
-          <p:cNvSpPr txBox="1">
-            <a:spLocks/>
-          </p:cNvSpPr>
-          <p:nvPr/>
-        </p:nvSpPr>
-        <p:spPr>
-          <a:xfrm>
-            <a:off x="2474709" y="841511"/>
-            <a:ext cx="4194582" cy="445422"/>
-          </a:xfrm>
-          <a:prstGeom prst="rect">
-            <a:avLst/>
-          </a:prstGeom>
-          <a:noFill/>
-          <a:ln>
-            <a:noFill/>
-          </a:ln>
-        </p:spPr>
-        <p:txBody>
-          <a:bodyPr spcFirstLastPara="1" wrap="square" lIns="91425" tIns="91425" rIns="91425" bIns="91425" anchor="t" anchorCtr="0">
-            <a:noAutofit/>
-          </a:bodyPr>
-          <a:lstStyle>
-            <a:defPPr marR="0" lvl="0" algn="l" rtl="0">
-              <a:lnSpc>
-                <a:spcPct val="100000"/>
-              </a:lnSpc>
-              <a:spcBef>
-                <a:spcPts val="0"/>
-              </a:spcBef>
-              <a:spcAft>
-                <a:spcPts val="0"/>
-              </a:spcAft>
-            </a:defPPr>
-            <a:lvl1pPr marR="0" lvl="0" algn="ctr" rtl="0">
-              <a:lnSpc>
-                <a:spcPct val="100000"/>
-              </a:lnSpc>
-              <a:spcBef>
-                <a:spcPts val="0"/>
-              </a:spcBef>
-              <a:spcAft>
-                <a:spcPts val="0"/>
-              </a:spcAft>
-              <a:buClr>
-                <a:srgbClr val="FFFFFF"/>
-              </a:buClr>
-              <a:buSzPts val="2400"/>
-              <a:buFont typeface="Proxima Nova Semibold"/>
-              <a:buNone/>
-              <a:defRPr sz="2400" b="0" i="0" u="none" strike="noStrike" cap="none">
-                <a:solidFill>
-                  <a:srgbClr val="FFFFFF"/>
-                </a:solidFill>
-                <a:latin typeface="Proxima Nova Semibold"/>
-                <a:ea typeface="Proxima Nova Semibold"/>
-                <a:cs typeface="Proxima Nova Semibold"/>
-                <a:sym typeface="Proxima Nova Semibold"/>
-              </a:defRPr>
-            </a:lvl1pPr>
-            <a:lvl2pPr marR="0" lvl="1" algn="ctr" rtl="0">
-              <a:lnSpc>
-                <a:spcPct val="100000"/>
-              </a:lnSpc>
-              <a:spcBef>
-                <a:spcPts val="0"/>
-              </a:spcBef>
-              <a:spcAft>
-                <a:spcPts val="0"/>
-              </a:spcAft>
-              <a:buClr>
-                <a:srgbClr val="FFFFFF"/>
-              </a:buClr>
-              <a:buSzPts val="2400"/>
-              <a:buFont typeface="Proxima Nova Semibold"/>
-              <a:buNone/>
-              <a:defRPr sz="2400" b="0" i="0" u="none" strike="noStrike" cap="none">
-                <a:solidFill>
-                  <a:srgbClr val="FFFFFF"/>
-                </a:solidFill>
-                <a:latin typeface="Proxima Nova Semibold"/>
-                <a:ea typeface="Proxima Nova Semibold"/>
-                <a:cs typeface="Proxima Nova Semibold"/>
-                <a:sym typeface="Proxima Nova Semibold"/>
-              </a:defRPr>
-            </a:lvl2pPr>
-            <a:lvl3pPr marR="0" lvl="2" algn="ctr" rtl="0">
-              <a:lnSpc>
-                <a:spcPct val="100000"/>
-              </a:lnSpc>
-              <a:spcBef>
-                <a:spcPts val="0"/>
-              </a:spcBef>
-              <a:spcAft>
-                <a:spcPts val="0"/>
-              </a:spcAft>
-              <a:buClr>
-                <a:srgbClr val="FFFFFF"/>
-              </a:buClr>
-              <a:buSzPts val="2400"/>
-              <a:buFont typeface="Proxima Nova Semibold"/>
-              <a:buNone/>
-              <a:defRPr sz="2400" b="0" i="0" u="none" strike="noStrike" cap="none">
-                <a:solidFill>
-                  <a:srgbClr val="FFFFFF"/>
-                </a:solidFill>
-                <a:latin typeface="Proxima Nova Semibold"/>
-                <a:ea typeface="Proxima Nova Semibold"/>
-                <a:cs typeface="Proxima Nova Semibold"/>
-                <a:sym typeface="Proxima Nova Semibold"/>
-              </a:defRPr>
-            </a:lvl3pPr>
-            <a:lvl4pPr marR="0" lvl="3" algn="ctr" rtl="0">
-              <a:lnSpc>
-                <a:spcPct val="100000"/>
-              </a:lnSpc>
-              <a:spcBef>
-                <a:spcPts val="0"/>
-              </a:spcBef>
-              <a:spcAft>
-                <a:spcPts val="0"/>
-              </a:spcAft>
-              <a:buClr>
-                <a:srgbClr val="FFFFFF"/>
-              </a:buClr>
-              <a:buSzPts val="2400"/>
-              <a:buFont typeface="Proxima Nova Semibold"/>
-              <a:buNone/>
-              <a:defRPr sz="2400" b="0" i="0" u="none" strike="noStrike" cap="none">
-                <a:solidFill>
-                  <a:srgbClr val="FFFFFF"/>
-                </a:solidFill>
-                <a:latin typeface="Proxima Nova Semibold"/>
-                <a:ea typeface="Proxima Nova Semibold"/>
-                <a:cs typeface="Proxima Nova Semibold"/>
-                <a:sym typeface="Proxima Nova Semibold"/>
-              </a:defRPr>
-            </a:lvl4pPr>
-            <a:lvl5pPr marR="0" lvl="4" algn="ctr" rtl="0">
-              <a:lnSpc>
-                <a:spcPct val="100000"/>
-              </a:lnSpc>
-              <a:spcBef>
-                <a:spcPts val="0"/>
-              </a:spcBef>
-              <a:spcAft>
-                <a:spcPts val="0"/>
-              </a:spcAft>
-              <a:buClr>
-                <a:srgbClr val="FFFFFF"/>
-              </a:buClr>
-              <a:buSzPts val="2400"/>
-              <a:buFont typeface="Proxima Nova Semibold"/>
-              <a:buNone/>
-              <a:defRPr sz="2400" b="0" i="0" u="none" strike="noStrike" cap="none">
-                <a:solidFill>
-                  <a:srgbClr val="FFFFFF"/>
-                </a:solidFill>
-                <a:latin typeface="Proxima Nova Semibold"/>
-                <a:ea typeface="Proxima Nova Semibold"/>
-                <a:cs typeface="Proxima Nova Semibold"/>
-                <a:sym typeface="Proxima Nova Semibold"/>
-              </a:defRPr>
-            </a:lvl5pPr>
-            <a:lvl6pPr marR="0" lvl="5" algn="ctr" rtl="0">
-              <a:lnSpc>
-                <a:spcPct val="100000"/>
-              </a:lnSpc>
-              <a:spcBef>
-                <a:spcPts val="0"/>
-              </a:spcBef>
-              <a:spcAft>
-                <a:spcPts val="0"/>
-              </a:spcAft>
-              <a:buClr>
-                <a:srgbClr val="FFFFFF"/>
-              </a:buClr>
-              <a:buSzPts val="2400"/>
-              <a:buFont typeface="Proxima Nova Semibold"/>
-              <a:buNone/>
-              <a:defRPr sz="2400" b="0" i="0" u="none" strike="noStrike" cap="none">
-                <a:solidFill>
-                  <a:srgbClr val="FFFFFF"/>
-                </a:solidFill>
-                <a:latin typeface="Proxima Nova Semibold"/>
-                <a:ea typeface="Proxima Nova Semibold"/>
-                <a:cs typeface="Proxima Nova Semibold"/>
-                <a:sym typeface="Proxima Nova Semibold"/>
-              </a:defRPr>
-            </a:lvl6pPr>
-            <a:lvl7pPr marR="0" lvl="6" algn="ctr" rtl="0">
-              <a:lnSpc>
-                <a:spcPct val="100000"/>
-              </a:lnSpc>
-              <a:spcBef>
-                <a:spcPts val="0"/>
-              </a:spcBef>
-              <a:spcAft>
-                <a:spcPts val="0"/>
-              </a:spcAft>
-              <a:buClr>
-                <a:srgbClr val="FFFFFF"/>
-              </a:buClr>
-              <a:buSzPts val="2400"/>
-              <a:buFont typeface="Proxima Nova Semibold"/>
-              <a:buNone/>
-              <a:defRPr sz="2400" b="0" i="0" u="none" strike="noStrike" cap="none">
-                <a:solidFill>
-                  <a:srgbClr val="FFFFFF"/>
-                </a:solidFill>
-                <a:latin typeface="Proxima Nova Semibold"/>
-                <a:ea typeface="Proxima Nova Semibold"/>
-                <a:cs typeface="Proxima Nova Semibold"/>
-                <a:sym typeface="Proxima Nova Semibold"/>
-              </a:defRPr>
-            </a:lvl7pPr>
-            <a:lvl8pPr marR="0" lvl="7" algn="ctr" rtl="0">
-              <a:lnSpc>
-                <a:spcPct val="100000"/>
-              </a:lnSpc>
-              <a:spcBef>
-                <a:spcPts val="0"/>
-              </a:spcBef>
-              <a:spcAft>
-                <a:spcPts val="0"/>
-              </a:spcAft>
-              <a:buClr>
-                <a:srgbClr val="FFFFFF"/>
-              </a:buClr>
-              <a:buSzPts val="2400"/>
-              <a:buFont typeface="Proxima Nova Semibold"/>
-              <a:buNone/>
-              <a:defRPr sz="2400" b="0" i="0" u="none" strike="noStrike" cap="none">
-                <a:solidFill>
-                  <a:srgbClr val="FFFFFF"/>
-                </a:solidFill>
-                <a:latin typeface="Proxima Nova Semibold"/>
-                <a:ea typeface="Proxima Nova Semibold"/>
-                <a:cs typeface="Proxima Nova Semibold"/>
-                <a:sym typeface="Proxima Nova Semibold"/>
-              </a:defRPr>
-            </a:lvl8pPr>
-            <a:lvl9pPr marR="0" lvl="8" algn="ctr" rtl="0">
-              <a:lnSpc>
-                <a:spcPct val="100000"/>
-              </a:lnSpc>
-              <a:spcBef>
-                <a:spcPts val="0"/>
-              </a:spcBef>
-              <a:spcAft>
-                <a:spcPts val="0"/>
-              </a:spcAft>
-              <a:buClr>
-                <a:srgbClr val="FFFFFF"/>
-              </a:buClr>
-              <a:buSzPts val="2400"/>
-              <a:buFont typeface="Proxima Nova Semibold"/>
-              <a:buNone/>
-              <a:defRPr sz="2400" b="0" i="0" u="none" strike="noStrike" cap="none">
-                <a:solidFill>
-                  <a:srgbClr val="FFFFFF"/>
-                </a:solidFill>
-                <a:latin typeface="Proxima Nova Semibold"/>
-                <a:ea typeface="Proxima Nova Semibold"/>
-                <a:cs typeface="Proxima Nova Semibold"/>
-                <a:sym typeface="Proxima Nova Semibold"/>
-              </a:defRPr>
-            </a:lvl9pPr>
-          </a:lstStyle>
-          <a:p>
-            <a:pPr>
-              <a:buClr>
-                <a:srgbClr val="000000"/>
-              </a:buClr>
-              <a:buSzPts val="1100"/>
-              <a:buFont typeface="Arial"/>
-              <a:buNone/>
-            </a:pPr>
-            <a:r>
-              <a:rPr lang="en-US" b="1" dirty="0">
-                <a:solidFill>
-                  <a:srgbClr val="FFFF00"/>
-                </a:solidFill>
-                <a:latin typeface="Arial"/>
-                <a:ea typeface="Arial"/>
-                <a:cs typeface="Arial"/>
-                <a:sym typeface="Arial"/>
-              </a:rPr>
-              <a:t>MEMBERS CONTRIBUTION</a:t>
-            </a:r>
-          </a:p>
-        </p:txBody>
-      </p:sp>
-      <p:sp>
-        <p:nvSpPr>
-          <p:cNvPr id="3" name="Google Shape;1419;p62">
-            <a:extLst>
-              <a:ext uri="{FF2B5EF4-FFF2-40B4-BE49-F238E27FC236}">
-                <a16:creationId xmlns:a16="http://schemas.microsoft.com/office/drawing/2014/main" id="{279E718D-0C25-9F19-EEEA-5868E0BD77A7}"/>
-              </a:ext>
-            </a:extLst>
-          </p:cNvPr>
-          <p:cNvSpPr txBox="1">
-            <a:spLocks/>
-          </p:cNvSpPr>
-          <p:nvPr/>
-        </p:nvSpPr>
-        <p:spPr>
-          <a:xfrm>
-            <a:off x="469247" y="1830326"/>
-            <a:ext cx="8297333" cy="2679096"/>
-          </a:xfrm>
-          <a:prstGeom prst="rect">
-            <a:avLst/>
-          </a:prstGeom>
-          <a:noFill/>
-          <a:ln>
-            <a:noFill/>
-          </a:ln>
-        </p:spPr>
-        <p:txBody>
-          <a:bodyPr spcFirstLastPara="1" wrap="square" lIns="91425" tIns="91425" rIns="91425" bIns="91425" anchor="t" anchorCtr="0">
-            <a:noAutofit/>
-          </a:bodyPr>
-          <a:lstStyle>
-            <a:defPPr marR="0" lvl="0" algn="l" rtl="0">
-              <a:lnSpc>
-                <a:spcPct val="100000"/>
-              </a:lnSpc>
-              <a:spcBef>
-                <a:spcPts val="0"/>
-              </a:spcBef>
-              <a:spcAft>
-                <a:spcPts val="0"/>
-              </a:spcAft>
-            </a:defPPr>
-            <a:lvl1pPr marR="0" lvl="0" algn="ctr" rtl="0">
-              <a:lnSpc>
-                <a:spcPct val="100000"/>
-              </a:lnSpc>
-              <a:spcBef>
-                <a:spcPts val="0"/>
-              </a:spcBef>
-              <a:spcAft>
-                <a:spcPts val="0"/>
-              </a:spcAft>
-              <a:buClr>
-                <a:srgbClr val="FFFFFF"/>
-              </a:buClr>
-              <a:buSzPts val="2400"/>
-              <a:buFont typeface="Proxima Nova Semibold"/>
-              <a:buNone/>
-              <a:defRPr sz="2400" b="0" i="0" u="none" strike="noStrike" cap="none">
-                <a:solidFill>
-                  <a:srgbClr val="FFFFFF"/>
-                </a:solidFill>
-                <a:latin typeface="Proxima Nova Semibold"/>
-                <a:ea typeface="Proxima Nova Semibold"/>
-                <a:cs typeface="Proxima Nova Semibold"/>
-                <a:sym typeface="Proxima Nova Semibold"/>
-              </a:defRPr>
-            </a:lvl1pPr>
-            <a:lvl2pPr marR="0" lvl="1" algn="ctr" rtl="0">
-              <a:lnSpc>
-                <a:spcPct val="100000"/>
-              </a:lnSpc>
-              <a:spcBef>
-                <a:spcPts val="0"/>
-              </a:spcBef>
-              <a:spcAft>
-                <a:spcPts val="0"/>
-              </a:spcAft>
-              <a:buClr>
-                <a:srgbClr val="FFFFFF"/>
-              </a:buClr>
-              <a:buSzPts val="2400"/>
-              <a:buFont typeface="Proxima Nova Semibold"/>
-              <a:buNone/>
-              <a:defRPr sz="2400" b="0" i="0" u="none" strike="noStrike" cap="none">
-                <a:solidFill>
-                  <a:srgbClr val="FFFFFF"/>
-                </a:solidFill>
-                <a:latin typeface="Proxima Nova Semibold"/>
-                <a:ea typeface="Proxima Nova Semibold"/>
-                <a:cs typeface="Proxima Nova Semibold"/>
-                <a:sym typeface="Proxima Nova Semibold"/>
-              </a:defRPr>
-            </a:lvl2pPr>
-            <a:lvl3pPr marR="0" lvl="2" algn="ctr" rtl="0">
-              <a:lnSpc>
-                <a:spcPct val="100000"/>
-              </a:lnSpc>
-              <a:spcBef>
-                <a:spcPts val="0"/>
-              </a:spcBef>
-              <a:spcAft>
-                <a:spcPts val="0"/>
-              </a:spcAft>
-              <a:buClr>
-                <a:srgbClr val="FFFFFF"/>
-              </a:buClr>
-              <a:buSzPts val="2400"/>
-              <a:buFont typeface="Proxima Nova Semibold"/>
-              <a:buNone/>
-              <a:defRPr sz="2400" b="0" i="0" u="none" strike="noStrike" cap="none">
-                <a:solidFill>
-                  <a:srgbClr val="FFFFFF"/>
-                </a:solidFill>
-                <a:latin typeface="Proxima Nova Semibold"/>
-                <a:ea typeface="Proxima Nova Semibold"/>
-                <a:cs typeface="Proxima Nova Semibold"/>
-                <a:sym typeface="Proxima Nova Semibold"/>
-              </a:defRPr>
-            </a:lvl3pPr>
-            <a:lvl4pPr marR="0" lvl="3" algn="ctr" rtl="0">
-              <a:lnSpc>
-                <a:spcPct val="100000"/>
-              </a:lnSpc>
-              <a:spcBef>
-                <a:spcPts val="0"/>
-              </a:spcBef>
-              <a:spcAft>
-                <a:spcPts val="0"/>
-              </a:spcAft>
-              <a:buClr>
-                <a:srgbClr val="FFFFFF"/>
-              </a:buClr>
-              <a:buSzPts val="2400"/>
-              <a:buFont typeface="Proxima Nova Semibold"/>
-              <a:buNone/>
-              <a:defRPr sz="2400" b="0" i="0" u="none" strike="noStrike" cap="none">
-                <a:solidFill>
-                  <a:srgbClr val="FFFFFF"/>
-                </a:solidFill>
-                <a:latin typeface="Proxima Nova Semibold"/>
-                <a:ea typeface="Proxima Nova Semibold"/>
-                <a:cs typeface="Proxima Nova Semibold"/>
-                <a:sym typeface="Proxima Nova Semibold"/>
-              </a:defRPr>
-            </a:lvl4pPr>
-            <a:lvl5pPr marR="0" lvl="4" algn="ctr" rtl="0">
-              <a:lnSpc>
-                <a:spcPct val="100000"/>
-              </a:lnSpc>
-              <a:spcBef>
-                <a:spcPts val="0"/>
-              </a:spcBef>
-              <a:spcAft>
-                <a:spcPts val="0"/>
-              </a:spcAft>
-              <a:buClr>
-                <a:srgbClr val="FFFFFF"/>
-              </a:buClr>
-              <a:buSzPts val="2400"/>
-              <a:buFont typeface="Proxima Nova Semibold"/>
-              <a:buNone/>
-              <a:defRPr sz="2400" b="0" i="0" u="none" strike="noStrike" cap="none">
-                <a:solidFill>
-                  <a:srgbClr val="FFFFFF"/>
-                </a:solidFill>
-                <a:latin typeface="Proxima Nova Semibold"/>
-                <a:ea typeface="Proxima Nova Semibold"/>
-                <a:cs typeface="Proxima Nova Semibold"/>
-                <a:sym typeface="Proxima Nova Semibold"/>
-              </a:defRPr>
-            </a:lvl5pPr>
-            <a:lvl6pPr marR="0" lvl="5" algn="ctr" rtl="0">
-              <a:lnSpc>
-                <a:spcPct val="100000"/>
-              </a:lnSpc>
-              <a:spcBef>
-                <a:spcPts val="0"/>
-              </a:spcBef>
-              <a:spcAft>
-                <a:spcPts val="0"/>
-              </a:spcAft>
-              <a:buClr>
-                <a:srgbClr val="FFFFFF"/>
-              </a:buClr>
-              <a:buSzPts val="2400"/>
-              <a:buFont typeface="Proxima Nova Semibold"/>
-              <a:buNone/>
-              <a:defRPr sz="2400" b="0" i="0" u="none" strike="noStrike" cap="none">
-                <a:solidFill>
-                  <a:srgbClr val="FFFFFF"/>
-                </a:solidFill>
-                <a:latin typeface="Proxima Nova Semibold"/>
-                <a:ea typeface="Proxima Nova Semibold"/>
-                <a:cs typeface="Proxima Nova Semibold"/>
-                <a:sym typeface="Proxima Nova Semibold"/>
-              </a:defRPr>
-            </a:lvl6pPr>
-            <a:lvl7pPr marR="0" lvl="6" algn="ctr" rtl="0">
-              <a:lnSpc>
-                <a:spcPct val="100000"/>
-              </a:lnSpc>
-              <a:spcBef>
-                <a:spcPts val="0"/>
-              </a:spcBef>
-              <a:spcAft>
-                <a:spcPts val="0"/>
-              </a:spcAft>
-              <a:buClr>
-                <a:srgbClr val="FFFFFF"/>
-              </a:buClr>
-              <a:buSzPts val="2400"/>
-              <a:buFont typeface="Proxima Nova Semibold"/>
-              <a:buNone/>
-              <a:defRPr sz="2400" b="0" i="0" u="none" strike="noStrike" cap="none">
-                <a:solidFill>
-                  <a:srgbClr val="FFFFFF"/>
-                </a:solidFill>
-                <a:latin typeface="Proxima Nova Semibold"/>
-                <a:ea typeface="Proxima Nova Semibold"/>
-                <a:cs typeface="Proxima Nova Semibold"/>
-                <a:sym typeface="Proxima Nova Semibold"/>
-              </a:defRPr>
-            </a:lvl7pPr>
-            <a:lvl8pPr marR="0" lvl="7" algn="ctr" rtl="0">
-              <a:lnSpc>
-                <a:spcPct val="100000"/>
-              </a:lnSpc>
-              <a:spcBef>
-                <a:spcPts val="0"/>
-              </a:spcBef>
-              <a:spcAft>
-                <a:spcPts val="0"/>
-              </a:spcAft>
-              <a:buClr>
-                <a:srgbClr val="FFFFFF"/>
-              </a:buClr>
-              <a:buSzPts val="2400"/>
-              <a:buFont typeface="Proxima Nova Semibold"/>
-              <a:buNone/>
-              <a:defRPr sz="2400" b="0" i="0" u="none" strike="noStrike" cap="none">
-                <a:solidFill>
-                  <a:srgbClr val="FFFFFF"/>
-                </a:solidFill>
-                <a:latin typeface="Proxima Nova Semibold"/>
-                <a:ea typeface="Proxima Nova Semibold"/>
-                <a:cs typeface="Proxima Nova Semibold"/>
-                <a:sym typeface="Proxima Nova Semibold"/>
-              </a:defRPr>
-            </a:lvl8pPr>
-            <a:lvl9pPr marR="0" lvl="8" algn="ctr" rtl="0">
-              <a:lnSpc>
-                <a:spcPct val="100000"/>
-              </a:lnSpc>
-              <a:spcBef>
-                <a:spcPts val="0"/>
-              </a:spcBef>
-              <a:spcAft>
-                <a:spcPts val="0"/>
-              </a:spcAft>
-              <a:buClr>
-                <a:srgbClr val="FFFFFF"/>
-              </a:buClr>
-              <a:buSzPts val="2400"/>
-              <a:buFont typeface="Proxima Nova Semibold"/>
-              <a:buNone/>
-              <a:defRPr sz="2400" b="0" i="0" u="none" strike="noStrike" cap="none">
-                <a:solidFill>
-                  <a:srgbClr val="FFFFFF"/>
-                </a:solidFill>
-                <a:latin typeface="Proxima Nova Semibold"/>
-                <a:ea typeface="Proxima Nova Semibold"/>
-                <a:cs typeface="Proxima Nova Semibold"/>
-                <a:sym typeface="Proxima Nova Semibold"/>
-              </a:defRPr>
-            </a:lvl9pPr>
-          </a:lstStyle>
-          <a:p>
-            <a:pPr algn="l"/>
-            <a:r>
-              <a:rPr lang="en-US" sz="2000" b="1" dirty="0"/>
-              <a:t>Usama Sani</a:t>
-            </a:r>
-          </a:p>
-          <a:p>
-            <a:pPr algn="l"/>
-            <a:endParaRPr lang="en-US" sz="2000" b="1" dirty="0"/>
-          </a:p>
-          <a:p>
-            <a:pPr algn="l"/>
-            <a:r>
-              <a:rPr lang="en-US" sz="1800" b="1" dirty="0"/>
-              <a:t>Role: </a:t>
-            </a:r>
-            <a:r>
-              <a:rPr lang="en-US" sz="1800" dirty="0"/>
-              <a:t>ANN and CNN Model Development</a:t>
-            </a:r>
-          </a:p>
-          <a:p>
-            <a:pPr algn="l"/>
-            <a:r>
-              <a:rPr lang="en-US" sz="1800" b="1" dirty="0"/>
-              <a:t>Responsibilities:</a:t>
-            </a:r>
-          </a:p>
-          <a:p>
-            <a:pPr marL="742950" lvl="1" indent="-285750" algn="l">
-              <a:buFont typeface="Arial" panose="020B0604020202020204" pitchFamily="34" charset="0"/>
-              <a:buChar char="•"/>
-            </a:pPr>
-            <a:r>
-              <a:rPr lang="en-US" sz="1800" dirty="0"/>
-              <a:t>Developed and trained the Artificial Neural Network (ANN) model.</a:t>
-            </a:r>
-          </a:p>
-          <a:p>
-            <a:pPr marL="742950" lvl="1" indent="-285750" algn="l">
-              <a:buFont typeface="Arial" panose="020B0604020202020204" pitchFamily="34" charset="0"/>
-              <a:buChar char="•"/>
-            </a:pPr>
-            <a:r>
-              <a:rPr lang="en-US" sz="1800" dirty="0"/>
-              <a:t>Developed and trained the Convolutional Neural Network (CNN) model.</a:t>
-            </a:r>
-          </a:p>
-          <a:p>
-            <a:pPr marL="742950" lvl="1" indent="-285750" algn="l">
-              <a:buFont typeface="Arial" panose="020B0604020202020204" pitchFamily="34" charset="0"/>
-              <a:buChar char="•"/>
-            </a:pPr>
-            <a:r>
-              <a:rPr lang="en-US" sz="1800" dirty="0"/>
-              <a:t>Conducted testing using the CIFAR-10 test Batch.</a:t>
-            </a:r>
-          </a:p>
-          <a:p>
-            <a:pPr marL="742950" lvl="1" indent="-285750" algn="l">
-              <a:buFont typeface="Arial" panose="020B0604020202020204" pitchFamily="34" charset="0"/>
-              <a:buChar char="•"/>
-            </a:pPr>
-            <a:r>
-              <a:rPr lang="en-US" sz="1800" dirty="0"/>
-              <a:t>Analyzed model predictions to determine accuracy and performance.</a:t>
-            </a:r>
-          </a:p>
-          <a:p>
-            <a:pPr algn="l"/>
-            <a:r>
-              <a:rPr lang="en-US" sz="1100" dirty="0"/>
-              <a:t>.</a:t>
-            </a:r>
-          </a:p>
-          <a:p>
-            <a:pPr algn="l"/>
-            <a:endParaRPr lang="en-US" sz="1200" dirty="0"/>
-          </a:p>
-        </p:txBody>
-      </p:sp>
-    </p:spTree>
+    <p:extLst>
+      <p:ext uri="{BB962C8B-B14F-4D97-AF65-F5344CB8AC3E}">
+        <p14:creationId xmlns:p14="http://schemas.microsoft.com/office/powerpoint/2010/main" val="1982058560"/>
+      </p:ext>
+    </p:extLst>
   </p:cSld>
   <p:clrMapOvr>
     <a:masterClrMapping/>
